--- a/CKDSurveillance/PPT/Q759.pptx
+++ b/CKDSurveillance/PPT/Q759.pptx
@@ -5,14 +5,14 @@
     <p:sldMasterId id="2147483660" r:id="rId1"/>
   </p:sldMasterIdLst>
   <p:sldIdLst>
-    <p:sldId id="256" r:id="rId2"/>
-    <p:sldId id="257" r:id="rId3"/>
-    <p:sldId id="258" r:id="rId4"/>
-    <p:sldId id="259" r:id="rId5"/>
-    <p:sldId id="260" r:id="rId6"/>
-    <p:sldId id="261" r:id="rId7"/>
-    <p:sldId id="262" r:id="rId8"/>
-    <p:sldId id="263" r:id="rId9"/>
+    <p:sldId id="298" r:id="rId2"/>
+    <p:sldId id="299" r:id="rId3"/>
+    <p:sldId id="305" r:id="rId4"/>
+    <p:sldId id="306" r:id="rId5"/>
+    <p:sldId id="307" r:id="rId6"/>
+    <p:sldId id="308" r:id="rId7"/>
+    <p:sldId id="309" r:id="rId8"/>
+    <p:sldId id="310" r:id="rId9"/>
   </p:sldIdLst>
   <p:sldSz cx="12192000" cy="6858000"/>
   <p:notesSz cx="6858000" cy="9144000"/>
@@ -111,6 +111,11 @@
       </a:defRPr>
     </a:lvl9pPr>
   </p:defaultTextStyle>
+  <p:extLst>
+    <p:ext uri="{EFAFB233-063F-42B5-8137-9DF3F51BA10A}">
+      <p15:sldGuideLst xmlns:p15="http://schemas.microsoft.com/office/powerpoint/2012/main"/>
+    </p:ext>
+  </p:extLst>
 </p:presentation>
 </file>
 
@@ -230,52 +235,52 @@
             <c:numRef>
               <c:f>Overall!$B$2:$B$16</c:f>
               <c:numCache>
-                <c:formatCode>General</c:formatCode>
+                <c:formatCode>0.0</c:formatCode>
                 <c:ptCount val="15"/>
                 <c:pt idx="0">
-                  <c:v>6.35</c:v>
+                  <c:v>31.92</c:v>
                 </c:pt>
                 <c:pt idx="1">
-                  <c:v>5.99</c:v>
+                  <c:v>33.619999999999997</c:v>
                 </c:pt>
                 <c:pt idx="2">
-                  <c:v>5.29</c:v>
+                  <c:v>36.68</c:v>
                 </c:pt>
                 <c:pt idx="3">
-                  <c:v>5.31</c:v>
+                  <c:v>37.28</c:v>
                 </c:pt>
                 <c:pt idx="4">
-                  <c:v>5.0599999999999996</c:v>
+                  <c:v>38.19</c:v>
                 </c:pt>
                 <c:pt idx="5">
-                  <c:v>5.03</c:v>
+                  <c:v>38.57</c:v>
                 </c:pt>
                 <c:pt idx="6">
-                  <c:v>4.91</c:v>
+                  <c:v>39.729999999999997</c:v>
                 </c:pt>
                 <c:pt idx="7">
-                  <c:v>5.09</c:v>
+                  <c:v>31.7</c:v>
                 </c:pt>
                 <c:pt idx="8">
-                  <c:v>5.46</c:v>
+                  <c:v>31.95</c:v>
                 </c:pt>
                 <c:pt idx="9">
-                  <c:v>5.45</c:v>
+                  <c:v>32.22</c:v>
                 </c:pt>
                 <c:pt idx="10">
-                  <c:v>5.45</c:v>
+                  <c:v>32.020000000000003</c:v>
                 </c:pt>
                 <c:pt idx="11">
-                  <c:v>5.89</c:v>
+                  <c:v>30.05</c:v>
                 </c:pt>
                 <c:pt idx="12">
-                  <c:v>5.37</c:v>
+                  <c:v>36.04</c:v>
                 </c:pt>
                 <c:pt idx="13">
-                  <c:v>5.14</c:v>
+                  <c:v>35.340000000000003</c:v>
                 </c:pt>
                 <c:pt idx="14">
-                  <c:v>4.84</c:v>
+                  <c:v>35.15</c:v>
                 </c:pt>
               </c:numCache>
             </c:numRef>
@@ -283,7 +288,7 @@
           <c:smooth val="0"/>
           <c:extLst>
             <c:ext xmlns:c16="http://schemas.microsoft.com/office/drawing/2014/chart" uri="{C3380CC4-5D6E-409C-BE32-E72D297353CC}">
-              <c16:uniqueId val="{00000000-E179-4040-956B-E7DBCB6189E5}"/>
+              <c16:uniqueId val="{00000000-E92C-4430-B8B0-718B30A4F447}"/>
             </c:ext>
           </c:extLst>
         </c:ser>
@@ -297,11 +302,11 @@
         </c:dLbls>
         <c:marker val="1"/>
         <c:smooth val="0"/>
-        <c:axId val="487957728"/>
-        <c:axId val="487957312"/>
+        <c:axId val="471918015"/>
+        <c:axId val="471918431"/>
       </c:lineChart>
       <c:catAx>
-        <c:axId val="487957728"/>
+        <c:axId val="471918015"/>
         <c:scaling>
           <c:orientation val="minMax"/>
         </c:scaling>
@@ -341,20 +346,18 @@
             <a:endParaRPr lang="en-US"/>
           </a:p>
         </c:txPr>
-        <c:crossAx val="487957312"/>
+        <c:crossAx val="471918431"/>
         <c:crosses val="autoZero"/>
         <c:auto val="1"/>
         <c:lblAlgn val="ctr"/>
         <c:lblOffset val="100"/>
         <c:tickLblSkip val="2"/>
-        <c:tickMarkSkip val="1"/>
         <c:noMultiLvlLbl val="0"/>
       </c:catAx>
       <c:valAx>
-        <c:axId val="487957312"/>
+        <c:axId val="471918431"/>
         <c:scaling>
           <c:orientation val="minMax"/>
-          <c:max val="10"/>
         </c:scaling>
         <c:delete val="0"/>
         <c:axPos val="l"/>
@@ -390,7 +393,7 @@
                 </a:pPr>
                 <a:r>
                   <a:rPr lang="en-US"/>
-                  <a:t>CKD (%)</a:t>
+                  <a:t>Adults with CKD Stages 3-5 and ICD-9 or 10 code (%)</a:t>
                 </a:r>
               </a:p>
             </c:rich>
@@ -449,7 +452,7 @@
             <a:endParaRPr lang="en-US"/>
           </a:p>
         </c:txPr>
-        <c:crossAx val="487957728"/>
+        <c:crossAx val="471918015"/>
         <c:crosses val="autoZero"/>
         <c:crossBetween val="between"/>
       </c:valAx>
@@ -524,7 +527,7 @@
           <c:order val="0"/>
           <c:tx>
             <c:strRef>
-              <c:f>Overall!$B$19</c:f>
+              <c:f>Overall!$B$20</c:f>
               <c:strCache>
                 <c:ptCount val="1"/>
                 <c:pt idx="0">
@@ -559,7 +562,7 @@
           </c:marker>
           <c:cat>
             <c:numRef>
-              <c:f>Overall!$A$20:$A$34</c:f>
+              <c:f>Overall!$A$21:$A$35</c:f>
               <c:numCache>
                 <c:formatCode>General</c:formatCode>
                 <c:ptCount val="15"/>
@@ -613,54 +616,54 @@
           </c:cat>
           <c:val>
             <c:numRef>
-              <c:f>Overall!$B$20:$B$34</c:f>
+              <c:f>Overall!$B$21:$B$35</c:f>
               <c:numCache>
-                <c:formatCode>0.00</c:formatCode>
+                <c:formatCode>0.0</c:formatCode>
                 <c:ptCount val="15"/>
                 <c:pt idx="0">
-                  <c:v>7.97</c:v>
+                  <c:v>29.73</c:v>
                 </c:pt>
                 <c:pt idx="1">
-                  <c:v>7.62</c:v>
+                  <c:v>31.65</c:v>
                 </c:pt>
                 <c:pt idx="2">
-                  <c:v>7</c:v>
+                  <c:v>34.69</c:v>
                 </c:pt>
                 <c:pt idx="3">
-                  <c:v>7.02</c:v>
+                  <c:v>35.270000000000003</c:v>
                 </c:pt>
                 <c:pt idx="4">
-                  <c:v>6.56</c:v>
+                  <c:v>36.46</c:v>
                 </c:pt>
                 <c:pt idx="5">
-                  <c:v>6.36</c:v>
+                  <c:v>36.6</c:v>
                 </c:pt>
                 <c:pt idx="6">
-                  <c:v>6.09</c:v>
+                  <c:v>37.76</c:v>
                 </c:pt>
                 <c:pt idx="7">
-                  <c:v>6.19</c:v>
+                  <c:v>30.07</c:v>
                 </c:pt>
                 <c:pt idx="8">
-                  <c:v>6.45</c:v>
+                  <c:v>30.18</c:v>
                 </c:pt>
                 <c:pt idx="9">
-                  <c:v>6.39</c:v>
+                  <c:v>29.59</c:v>
                 </c:pt>
                 <c:pt idx="10">
-                  <c:v>6.46</c:v>
+                  <c:v>28.53</c:v>
                 </c:pt>
                 <c:pt idx="11">
-                  <c:v>6.63</c:v>
+                  <c:v>28.51</c:v>
                 </c:pt>
                 <c:pt idx="12">
-                  <c:v>6.16</c:v>
+                  <c:v>32.14</c:v>
                 </c:pt>
                 <c:pt idx="13">
-                  <c:v>5.91</c:v>
+                  <c:v>31.62</c:v>
                 </c:pt>
                 <c:pt idx="14">
-                  <c:v>5.58</c:v>
+                  <c:v>30.73</c:v>
                 </c:pt>
               </c:numCache>
             </c:numRef>
@@ -668,7 +671,7 @@
           <c:smooth val="0"/>
           <c:extLst>
             <c:ext xmlns:c16="http://schemas.microsoft.com/office/drawing/2014/chart" uri="{C3380CC4-5D6E-409C-BE32-E72D297353CC}">
-              <c16:uniqueId val="{00000000-2224-4894-A5B0-AE439D0F9803}"/>
+              <c16:uniqueId val="{00000000-0E45-4FDD-99C6-399E182EA760}"/>
             </c:ext>
           </c:extLst>
         </c:ser>
@@ -682,11 +685,11 @@
         </c:dLbls>
         <c:marker val="1"/>
         <c:smooth val="0"/>
-        <c:axId val="294046352"/>
-        <c:axId val="294042192"/>
+        <c:axId val="540826159"/>
+        <c:axId val="540831151"/>
       </c:lineChart>
       <c:catAx>
-        <c:axId val="294046352"/>
+        <c:axId val="540826159"/>
         <c:scaling>
           <c:orientation val="minMax"/>
         </c:scaling>
@@ -726,7 +729,7 @@
             <a:endParaRPr lang="en-US"/>
           </a:p>
         </c:txPr>
-        <c:crossAx val="294042192"/>
+        <c:crossAx val="540831151"/>
         <c:crosses val="autoZero"/>
         <c:auto val="1"/>
         <c:lblAlgn val="ctr"/>
@@ -735,10 +738,10 @@
         <c:noMultiLvlLbl val="0"/>
       </c:catAx>
       <c:valAx>
-        <c:axId val="294042192"/>
+        <c:axId val="540831151"/>
         <c:scaling>
           <c:orientation val="minMax"/>
-          <c:max val="10"/>
+          <c:max val="45"/>
         </c:scaling>
         <c:delete val="0"/>
         <c:axPos val="l"/>
@@ -774,7 +777,7 @@
                 </a:pPr>
                 <a:r>
                   <a:rPr lang="en-US"/>
-                  <a:t>CKD (%)</a:t>
+                  <a:t>Adults with CKD Stages 3-5 and ICD-9 or 10 code (%)</a:t>
                 </a:r>
               </a:p>
             </c:rich>
@@ -833,7 +836,7 @@
             <a:endParaRPr lang="en-US"/>
           </a:p>
         </c:txPr>
-        <c:crossAx val="294046352"/>
+        <c:crossAx val="540826159"/>
         <c:crosses val="autoZero"/>
         <c:crossBetween val="between"/>
       </c:valAx>
@@ -912,924 +915,6 @@
               <c:strCache>
                 <c:ptCount val="1"/>
                 <c:pt idx="0">
-                  <c:v>18–29 years</c:v>
-                </c:pt>
-              </c:strCache>
-            </c:strRef>
-          </c:tx>
-          <c:spPr>
-            <a:ln w="44450" cap="rnd">
-              <a:solidFill>
-                <a:schemeClr val="accent1"/>
-              </a:solidFill>
-              <a:round/>
-            </a:ln>
-            <a:effectLst/>
-          </c:spPr>
-          <c:marker>
-            <c:symbol val="circle"/>
-            <c:size val="5"/>
-            <c:spPr>
-              <a:solidFill>
-                <a:schemeClr val="accent1"/>
-              </a:solidFill>
-              <a:ln w="9525">
-                <a:solidFill>
-                  <a:schemeClr val="accent1"/>
-                </a:solidFill>
-              </a:ln>
-              <a:effectLst/>
-            </c:spPr>
-          </c:marker>
-          <c:cat>
-            <c:numRef>
-              <c:f>Age!$A$2:$A$16</c:f>
-              <c:numCache>
-                <c:formatCode>General</c:formatCode>
-                <c:ptCount val="15"/>
-                <c:pt idx="0">
-                  <c:v>2009</c:v>
-                </c:pt>
-                <c:pt idx="1">
-                  <c:v>2010</c:v>
-                </c:pt>
-                <c:pt idx="2">
-                  <c:v>2011</c:v>
-                </c:pt>
-                <c:pt idx="3">
-                  <c:v>2012</c:v>
-                </c:pt>
-                <c:pt idx="4">
-                  <c:v>2013</c:v>
-                </c:pt>
-                <c:pt idx="5">
-                  <c:v>2014</c:v>
-                </c:pt>
-                <c:pt idx="6">
-                  <c:v>2015</c:v>
-                </c:pt>
-                <c:pt idx="7">
-                  <c:v>2016</c:v>
-                </c:pt>
-                <c:pt idx="8">
-                  <c:v>2017</c:v>
-                </c:pt>
-                <c:pt idx="9">
-                  <c:v>2018</c:v>
-                </c:pt>
-                <c:pt idx="10">
-                  <c:v>2019</c:v>
-                </c:pt>
-                <c:pt idx="11">
-                  <c:v>2020</c:v>
-                </c:pt>
-                <c:pt idx="12">
-                  <c:v>2021</c:v>
-                </c:pt>
-                <c:pt idx="13">
-                  <c:v>2022</c:v>
-                </c:pt>
-                <c:pt idx="14">
-                  <c:v>2023</c:v>
-                </c:pt>
-              </c:numCache>
-            </c:numRef>
-          </c:cat>
-          <c:val>
-            <c:numRef>
-              <c:f>Age!$B$2:$B$16</c:f>
-              <c:numCache>
-                <c:formatCode>General</c:formatCode>
-                <c:ptCount val="15"/>
-                <c:pt idx="0">
-                  <c:v>0.31</c:v>
-                </c:pt>
-                <c:pt idx="1">
-                  <c:v>0.31</c:v>
-                </c:pt>
-                <c:pt idx="2">
-                  <c:v>0.25</c:v>
-                </c:pt>
-                <c:pt idx="3">
-                  <c:v>0.25</c:v>
-                </c:pt>
-                <c:pt idx="4">
-                  <c:v>0.22</c:v>
-                </c:pt>
-                <c:pt idx="5">
-                  <c:v>0.22</c:v>
-                </c:pt>
-                <c:pt idx="6">
-                  <c:v>0.22</c:v>
-                </c:pt>
-                <c:pt idx="7">
-                  <c:v>0.22</c:v>
-                </c:pt>
-                <c:pt idx="8">
-                  <c:v>0.23</c:v>
-                </c:pt>
-                <c:pt idx="9">
-                  <c:v>0.25</c:v>
-                </c:pt>
-                <c:pt idx="10">
-                  <c:v>0.26</c:v>
-                </c:pt>
-                <c:pt idx="11">
-                  <c:v>0.28000000000000003</c:v>
-                </c:pt>
-                <c:pt idx="12">
-                  <c:v>0.25</c:v>
-                </c:pt>
-                <c:pt idx="13">
-                  <c:v>0.22</c:v>
-                </c:pt>
-                <c:pt idx="14">
-                  <c:v>0.23</c:v>
-                </c:pt>
-              </c:numCache>
-            </c:numRef>
-          </c:val>
-          <c:smooth val="0"/>
-          <c:extLst>
-            <c:ext xmlns:c16="http://schemas.microsoft.com/office/drawing/2014/chart" uri="{C3380CC4-5D6E-409C-BE32-E72D297353CC}">
-              <c16:uniqueId val="{00000000-8132-4354-9358-DC6BD368C121}"/>
-            </c:ext>
-          </c:extLst>
-        </c:ser>
-        <c:ser>
-          <c:idx val="1"/>
-          <c:order val="1"/>
-          <c:tx>
-            <c:strRef>
-              <c:f>Age!$C$1</c:f>
-              <c:strCache>
-                <c:ptCount val="1"/>
-                <c:pt idx="0">
-                  <c:v>30–39 years</c:v>
-                </c:pt>
-              </c:strCache>
-            </c:strRef>
-          </c:tx>
-          <c:spPr>
-            <a:ln w="44450" cap="rnd">
-              <a:solidFill>
-                <a:schemeClr val="accent2"/>
-              </a:solidFill>
-              <a:round/>
-            </a:ln>
-            <a:effectLst/>
-          </c:spPr>
-          <c:marker>
-            <c:symbol val="circle"/>
-            <c:size val="5"/>
-            <c:spPr>
-              <a:solidFill>
-                <a:schemeClr val="accent2"/>
-              </a:solidFill>
-              <a:ln w="9525">
-                <a:solidFill>
-                  <a:schemeClr val="accent2"/>
-                </a:solidFill>
-              </a:ln>
-              <a:effectLst/>
-            </c:spPr>
-          </c:marker>
-          <c:cat>
-            <c:numRef>
-              <c:f>Age!$A$2:$A$16</c:f>
-              <c:numCache>
-                <c:formatCode>General</c:formatCode>
-                <c:ptCount val="15"/>
-                <c:pt idx="0">
-                  <c:v>2009</c:v>
-                </c:pt>
-                <c:pt idx="1">
-                  <c:v>2010</c:v>
-                </c:pt>
-                <c:pt idx="2">
-                  <c:v>2011</c:v>
-                </c:pt>
-                <c:pt idx="3">
-                  <c:v>2012</c:v>
-                </c:pt>
-                <c:pt idx="4">
-                  <c:v>2013</c:v>
-                </c:pt>
-                <c:pt idx="5">
-                  <c:v>2014</c:v>
-                </c:pt>
-                <c:pt idx="6">
-                  <c:v>2015</c:v>
-                </c:pt>
-                <c:pt idx="7">
-                  <c:v>2016</c:v>
-                </c:pt>
-                <c:pt idx="8">
-                  <c:v>2017</c:v>
-                </c:pt>
-                <c:pt idx="9">
-                  <c:v>2018</c:v>
-                </c:pt>
-                <c:pt idx="10">
-                  <c:v>2019</c:v>
-                </c:pt>
-                <c:pt idx="11">
-                  <c:v>2020</c:v>
-                </c:pt>
-                <c:pt idx="12">
-                  <c:v>2021</c:v>
-                </c:pt>
-                <c:pt idx="13">
-                  <c:v>2022</c:v>
-                </c:pt>
-                <c:pt idx="14">
-                  <c:v>2023</c:v>
-                </c:pt>
-              </c:numCache>
-            </c:numRef>
-          </c:cat>
-          <c:val>
-            <c:numRef>
-              <c:f>Age!$C$2:$C$16</c:f>
-              <c:numCache>
-                <c:formatCode>General</c:formatCode>
-                <c:ptCount val="15"/>
-                <c:pt idx="0">
-                  <c:v>0.9</c:v>
-                </c:pt>
-                <c:pt idx="1">
-                  <c:v>0.77</c:v>
-                </c:pt>
-                <c:pt idx="2">
-                  <c:v>0.63</c:v>
-                </c:pt>
-                <c:pt idx="3">
-                  <c:v>0.6</c:v>
-                </c:pt>
-                <c:pt idx="4">
-                  <c:v>0.56999999999999995</c:v>
-                </c:pt>
-                <c:pt idx="5">
-                  <c:v>0.56000000000000005</c:v>
-                </c:pt>
-                <c:pt idx="6">
-                  <c:v>0.56999999999999995</c:v>
-                </c:pt>
-                <c:pt idx="7">
-                  <c:v>0.55000000000000004</c:v>
-                </c:pt>
-                <c:pt idx="8">
-                  <c:v>0.57999999999999996</c:v>
-                </c:pt>
-                <c:pt idx="9">
-                  <c:v>0.6</c:v>
-                </c:pt>
-                <c:pt idx="10">
-                  <c:v>0.62</c:v>
-                </c:pt>
-                <c:pt idx="11">
-                  <c:v>0.64</c:v>
-                </c:pt>
-                <c:pt idx="12">
-                  <c:v>0.59</c:v>
-                </c:pt>
-                <c:pt idx="13">
-                  <c:v>0.54</c:v>
-                </c:pt>
-                <c:pt idx="14">
-                  <c:v>0.53</c:v>
-                </c:pt>
-              </c:numCache>
-            </c:numRef>
-          </c:val>
-          <c:smooth val="0"/>
-          <c:extLst>
-            <c:ext xmlns:c16="http://schemas.microsoft.com/office/drawing/2014/chart" uri="{C3380CC4-5D6E-409C-BE32-E72D297353CC}">
-              <c16:uniqueId val="{00000001-8132-4354-9358-DC6BD368C121}"/>
-            </c:ext>
-          </c:extLst>
-        </c:ser>
-        <c:ser>
-          <c:idx val="2"/>
-          <c:order val="2"/>
-          <c:tx>
-            <c:strRef>
-              <c:f>Age!$D$1</c:f>
-              <c:strCache>
-                <c:ptCount val="1"/>
-                <c:pt idx="0">
-                  <c:v>40–49 years</c:v>
-                </c:pt>
-              </c:strCache>
-            </c:strRef>
-          </c:tx>
-          <c:spPr>
-            <a:ln w="44450" cap="rnd">
-              <a:solidFill>
-                <a:schemeClr val="accent3"/>
-              </a:solidFill>
-              <a:round/>
-            </a:ln>
-            <a:effectLst/>
-          </c:spPr>
-          <c:marker>
-            <c:symbol val="circle"/>
-            <c:size val="5"/>
-            <c:spPr>
-              <a:solidFill>
-                <a:schemeClr val="accent3"/>
-              </a:solidFill>
-              <a:ln w="9525">
-                <a:solidFill>
-                  <a:schemeClr val="accent3"/>
-                </a:solidFill>
-              </a:ln>
-              <a:effectLst/>
-            </c:spPr>
-          </c:marker>
-          <c:cat>
-            <c:numRef>
-              <c:f>Age!$A$2:$A$16</c:f>
-              <c:numCache>
-                <c:formatCode>General</c:formatCode>
-                <c:ptCount val="15"/>
-                <c:pt idx="0">
-                  <c:v>2009</c:v>
-                </c:pt>
-                <c:pt idx="1">
-                  <c:v>2010</c:v>
-                </c:pt>
-                <c:pt idx="2">
-                  <c:v>2011</c:v>
-                </c:pt>
-                <c:pt idx="3">
-                  <c:v>2012</c:v>
-                </c:pt>
-                <c:pt idx="4">
-                  <c:v>2013</c:v>
-                </c:pt>
-                <c:pt idx="5">
-                  <c:v>2014</c:v>
-                </c:pt>
-                <c:pt idx="6">
-                  <c:v>2015</c:v>
-                </c:pt>
-                <c:pt idx="7">
-                  <c:v>2016</c:v>
-                </c:pt>
-                <c:pt idx="8">
-                  <c:v>2017</c:v>
-                </c:pt>
-                <c:pt idx="9">
-                  <c:v>2018</c:v>
-                </c:pt>
-                <c:pt idx="10">
-                  <c:v>2019</c:v>
-                </c:pt>
-                <c:pt idx="11">
-                  <c:v>2020</c:v>
-                </c:pt>
-                <c:pt idx="12">
-                  <c:v>2021</c:v>
-                </c:pt>
-                <c:pt idx="13">
-                  <c:v>2022</c:v>
-                </c:pt>
-                <c:pt idx="14">
-                  <c:v>2023</c:v>
-                </c:pt>
-              </c:numCache>
-            </c:numRef>
-          </c:cat>
-          <c:val>
-            <c:numRef>
-              <c:f>Age!$D$2:$D$16</c:f>
-              <c:numCache>
-                <c:formatCode>General</c:formatCode>
-                <c:ptCount val="15"/>
-                <c:pt idx="0">
-                  <c:v>2.2000000000000002</c:v>
-                </c:pt>
-                <c:pt idx="1">
-                  <c:v>2</c:v>
-                </c:pt>
-                <c:pt idx="2">
-                  <c:v>1.66</c:v>
-                </c:pt>
-                <c:pt idx="3">
-                  <c:v>1.75</c:v>
-                </c:pt>
-                <c:pt idx="4">
-                  <c:v>1.63</c:v>
-                </c:pt>
-                <c:pt idx="5">
-                  <c:v>1.59</c:v>
-                </c:pt>
-                <c:pt idx="6">
-                  <c:v>1.51</c:v>
-                </c:pt>
-                <c:pt idx="7">
-                  <c:v>1.57</c:v>
-                </c:pt>
-                <c:pt idx="8">
-                  <c:v>1.61</c:v>
-                </c:pt>
-                <c:pt idx="9">
-                  <c:v>1.63</c:v>
-                </c:pt>
-                <c:pt idx="10">
-                  <c:v>1.7</c:v>
-                </c:pt>
-                <c:pt idx="11">
-                  <c:v>1.82</c:v>
-                </c:pt>
-                <c:pt idx="12">
-                  <c:v>1.56</c:v>
-                </c:pt>
-                <c:pt idx="13">
-                  <c:v>1.43</c:v>
-                </c:pt>
-                <c:pt idx="14">
-                  <c:v>1.4</c:v>
-                </c:pt>
-              </c:numCache>
-            </c:numRef>
-          </c:val>
-          <c:smooth val="0"/>
-          <c:extLst>
-            <c:ext xmlns:c16="http://schemas.microsoft.com/office/drawing/2014/chart" uri="{C3380CC4-5D6E-409C-BE32-E72D297353CC}">
-              <c16:uniqueId val="{00000002-8132-4354-9358-DC6BD368C121}"/>
-            </c:ext>
-          </c:extLst>
-        </c:ser>
-        <c:ser>
-          <c:idx val="3"/>
-          <c:order val="3"/>
-          <c:tx>
-            <c:strRef>
-              <c:f>Age!$E$1</c:f>
-              <c:strCache>
-                <c:ptCount val="1"/>
-                <c:pt idx="0">
-                  <c:v>50–59 years</c:v>
-                </c:pt>
-              </c:strCache>
-            </c:strRef>
-          </c:tx>
-          <c:spPr>
-            <a:ln w="44450" cap="rnd">
-              <a:solidFill>
-                <a:schemeClr val="accent4"/>
-              </a:solidFill>
-              <a:round/>
-            </a:ln>
-            <a:effectLst/>
-          </c:spPr>
-          <c:marker>
-            <c:symbol val="circle"/>
-            <c:size val="5"/>
-            <c:spPr>
-              <a:solidFill>
-                <a:schemeClr val="accent4"/>
-              </a:solidFill>
-              <a:ln w="9525">
-                <a:solidFill>
-                  <a:schemeClr val="accent4"/>
-                </a:solidFill>
-              </a:ln>
-              <a:effectLst/>
-            </c:spPr>
-          </c:marker>
-          <c:cat>
-            <c:numRef>
-              <c:f>Age!$A$2:$A$16</c:f>
-              <c:numCache>
-                <c:formatCode>General</c:formatCode>
-                <c:ptCount val="15"/>
-                <c:pt idx="0">
-                  <c:v>2009</c:v>
-                </c:pt>
-                <c:pt idx="1">
-                  <c:v>2010</c:v>
-                </c:pt>
-                <c:pt idx="2">
-                  <c:v>2011</c:v>
-                </c:pt>
-                <c:pt idx="3">
-                  <c:v>2012</c:v>
-                </c:pt>
-                <c:pt idx="4">
-                  <c:v>2013</c:v>
-                </c:pt>
-                <c:pt idx="5">
-                  <c:v>2014</c:v>
-                </c:pt>
-                <c:pt idx="6">
-                  <c:v>2015</c:v>
-                </c:pt>
-                <c:pt idx="7">
-                  <c:v>2016</c:v>
-                </c:pt>
-                <c:pt idx="8">
-                  <c:v>2017</c:v>
-                </c:pt>
-                <c:pt idx="9">
-                  <c:v>2018</c:v>
-                </c:pt>
-                <c:pt idx="10">
-                  <c:v>2019</c:v>
-                </c:pt>
-                <c:pt idx="11">
-                  <c:v>2020</c:v>
-                </c:pt>
-                <c:pt idx="12">
-                  <c:v>2021</c:v>
-                </c:pt>
-                <c:pt idx="13">
-                  <c:v>2022</c:v>
-                </c:pt>
-                <c:pt idx="14">
-                  <c:v>2023</c:v>
-                </c:pt>
-              </c:numCache>
-            </c:numRef>
-          </c:cat>
-          <c:val>
-            <c:numRef>
-              <c:f>Age!$E$2:$E$16</c:f>
-              <c:numCache>
-                <c:formatCode>General</c:formatCode>
-                <c:ptCount val="15"/>
-                <c:pt idx="0">
-                  <c:v>5.66</c:v>
-                </c:pt>
-                <c:pt idx="1">
-                  <c:v>5.13</c:v>
-                </c:pt>
-                <c:pt idx="2">
-                  <c:v>4.47</c:v>
-                </c:pt>
-                <c:pt idx="3">
-                  <c:v>4.5199999999999996</c:v>
-                </c:pt>
-                <c:pt idx="4">
-                  <c:v>4.09</c:v>
-                </c:pt>
-                <c:pt idx="5">
-                  <c:v>3.84</c:v>
-                </c:pt>
-                <c:pt idx="6">
-                  <c:v>3.55</c:v>
-                </c:pt>
-                <c:pt idx="7">
-                  <c:v>3.68</c:v>
-                </c:pt>
-                <c:pt idx="8">
-                  <c:v>3.89</c:v>
-                </c:pt>
-                <c:pt idx="9">
-                  <c:v>3.91</c:v>
-                </c:pt>
-                <c:pt idx="10">
-                  <c:v>4.21</c:v>
-                </c:pt>
-                <c:pt idx="11">
-                  <c:v>4.5</c:v>
-                </c:pt>
-                <c:pt idx="12">
-                  <c:v>4.12</c:v>
-                </c:pt>
-                <c:pt idx="13">
-                  <c:v>4.0599999999999996</c:v>
-                </c:pt>
-                <c:pt idx="14">
-                  <c:v>3.91</c:v>
-                </c:pt>
-              </c:numCache>
-            </c:numRef>
-          </c:val>
-          <c:smooth val="0"/>
-          <c:extLst>
-            <c:ext xmlns:c16="http://schemas.microsoft.com/office/drawing/2014/chart" uri="{C3380CC4-5D6E-409C-BE32-E72D297353CC}">
-              <c16:uniqueId val="{00000003-8132-4354-9358-DC6BD368C121}"/>
-            </c:ext>
-          </c:extLst>
-        </c:ser>
-        <c:ser>
-          <c:idx val="4"/>
-          <c:order val="4"/>
-          <c:tx>
-            <c:strRef>
-              <c:f>Age!$F$1</c:f>
-              <c:strCache>
-                <c:ptCount val="1"/>
-                <c:pt idx="0">
-                  <c:v>60–69 years</c:v>
-                </c:pt>
-              </c:strCache>
-            </c:strRef>
-          </c:tx>
-          <c:spPr>
-            <a:ln w="44450" cap="rnd">
-              <a:solidFill>
-                <a:schemeClr val="accent5"/>
-              </a:solidFill>
-              <a:round/>
-            </a:ln>
-            <a:effectLst/>
-          </c:spPr>
-          <c:marker>
-            <c:symbol val="circle"/>
-            <c:size val="5"/>
-            <c:spPr>
-              <a:solidFill>
-                <a:schemeClr val="accent5"/>
-              </a:solidFill>
-              <a:ln w="9525">
-                <a:solidFill>
-                  <a:schemeClr val="accent5"/>
-                </a:solidFill>
-              </a:ln>
-              <a:effectLst/>
-            </c:spPr>
-          </c:marker>
-          <c:cat>
-            <c:numRef>
-              <c:f>Age!$A$2:$A$16</c:f>
-              <c:numCache>
-                <c:formatCode>General</c:formatCode>
-                <c:ptCount val="15"/>
-                <c:pt idx="0">
-                  <c:v>2009</c:v>
-                </c:pt>
-                <c:pt idx="1">
-                  <c:v>2010</c:v>
-                </c:pt>
-                <c:pt idx="2">
-                  <c:v>2011</c:v>
-                </c:pt>
-                <c:pt idx="3">
-                  <c:v>2012</c:v>
-                </c:pt>
-                <c:pt idx="4">
-                  <c:v>2013</c:v>
-                </c:pt>
-                <c:pt idx="5">
-                  <c:v>2014</c:v>
-                </c:pt>
-                <c:pt idx="6">
-                  <c:v>2015</c:v>
-                </c:pt>
-                <c:pt idx="7">
-                  <c:v>2016</c:v>
-                </c:pt>
-                <c:pt idx="8">
-                  <c:v>2017</c:v>
-                </c:pt>
-                <c:pt idx="9">
-                  <c:v>2018</c:v>
-                </c:pt>
-                <c:pt idx="10">
-                  <c:v>2019</c:v>
-                </c:pt>
-                <c:pt idx="11">
-                  <c:v>2020</c:v>
-                </c:pt>
-                <c:pt idx="12">
-                  <c:v>2021</c:v>
-                </c:pt>
-                <c:pt idx="13">
-                  <c:v>2022</c:v>
-                </c:pt>
-                <c:pt idx="14">
-                  <c:v>2023</c:v>
-                </c:pt>
-              </c:numCache>
-            </c:numRef>
-          </c:cat>
-          <c:val>
-            <c:numRef>
-              <c:f>Age!$F$2:$F$16</c:f>
-              <c:numCache>
-                <c:formatCode>General</c:formatCode>
-                <c:ptCount val="15"/>
-                <c:pt idx="0">
-                  <c:v>13.58</c:v>
-                </c:pt>
-                <c:pt idx="1">
-                  <c:v>12.56</c:v>
-                </c:pt>
-                <c:pt idx="2">
-                  <c:v>11.35</c:v>
-                </c:pt>
-                <c:pt idx="3">
-                  <c:v>11.2</c:v>
-                </c:pt>
-                <c:pt idx="4">
-                  <c:v>10.199999999999999</c:v>
-                </c:pt>
-                <c:pt idx="5">
-                  <c:v>9.69</c:v>
-                </c:pt>
-                <c:pt idx="6">
-                  <c:v>9.06</c:v>
-                </c:pt>
-                <c:pt idx="7">
-                  <c:v>9.18</c:v>
-                </c:pt>
-                <c:pt idx="8">
-                  <c:v>9.61</c:v>
-                </c:pt>
-                <c:pt idx="9">
-                  <c:v>9.59</c:v>
-                </c:pt>
-                <c:pt idx="10">
-                  <c:v>9.66</c:v>
-                </c:pt>
-                <c:pt idx="11">
-                  <c:v>10.15</c:v>
-                </c:pt>
-                <c:pt idx="12">
-                  <c:v>9.2899999999999991</c:v>
-                </c:pt>
-                <c:pt idx="13">
-                  <c:v>8.89</c:v>
-                </c:pt>
-                <c:pt idx="14">
-                  <c:v>8.26</c:v>
-                </c:pt>
-              </c:numCache>
-            </c:numRef>
-          </c:val>
-          <c:smooth val="0"/>
-          <c:extLst>
-            <c:ext xmlns:c16="http://schemas.microsoft.com/office/drawing/2014/chart" uri="{C3380CC4-5D6E-409C-BE32-E72D297353CC}">
-              <c16:uniqueId val="{00000004-8132-4354-9358-DC6BD368C121}"/>
-            </c:ext>
-          </c:extLst>
-        </c:ser>
-        <c:ser>
-          <c:idx val="5"/>
-          <c:order val="5"/>
-          <c:tx>
-            <c:strRef>
-              <c:f>Age!$G$1</c:f>
-              <c:strCache>
-                <c:ptCount val="1"/>
-                <c:pt idx="0">
-                  <c:v>70+ years</c:v>
-                </c:pt>
-              </c:strCache>
-            </c:strRef>
-          </c:tx>
-          <c:spPr>
-            <a:ln w="44450" cap="rnd">
-              <a:solidFill>
-                <a:schemeClr val="accent6"/>
-              </a:solidFill>
-              <a:round/>
-            </a:ln>
-            <a:effectLst/>
-          </c:spPr>
-          <c:marker>
-            <c:symbol val="circle"/>
-            <c:size val="5"/>
-            <c:spPr>
-              <a:solidFill>
-                <a:schemeClr val="accent6"/>
-              </a:solidFill>
-              <a:ln w="9525">
-                <a:solidFill>
-                  <a:schemeClr val="accent6"/>
-                </a:solidFill>
-              </a:ln>
-              <a:effectLst/>
-            </c:spPr>
-          </c:marker>
-          <c:cat>
-            <c:numRef>
-              <c:f>Age!$A$2:$A$16</c:f>
-              <c:numCache>
-                <c:formatCode>General</c:formatCode>
-                <c:ptCount val="15"/>
-                <c:pt idx="0">
-                  <c:v>2009</c:v>
-                </c:pt>
-                <c:pt idx="1">
-                  <c:v>2010</c:v>
-                </c:pt>
-                <c:pt idx="2">
-                  <c:v>2011</c:v>
-                </c:pt>
-                <c:pt idx="3">
-                  <c:v>2012</c:v>
-                </c:pt>
-                <c:pt idx="4">
-                  <c:v>2013</c:v>
-                </c:pt>
-                <c:pt idx="5">
-                  <c:v>2014</c:v>
-                </c:pt>
-                <c:pt idx="6">
-                  <c:v>2015</c:v>
-                </c:pt>
-                <c:pt idx="7">
-                  <c:v>2016</c:v>
-                </c:pt>
-                <c:pt idx="8">
-                  <c:v>2017</c:v>
-                </c:pt>
-                <c:pt idx="9">
-                  <c:v>2018</c:v>
-                </c:pt>
-                <c:pt idx="10">
-                  <c:v>2019</c:v>
-                </c:pt>
-                <c:pt idx="11">
-                  <c:v>2020</c:v>
-                </c:pt>
-                <c:pt idx="12">
-                  <c:v>2021</c:v>
-                </c:pt>
-                <c:pt idx="13">
-                  <c:v>2022</c:v>
-                </c:pt>
-                <c:pt idx="14">
-                  <c:v>2023</c:v>
-                </c:pt>
-              </c:numCache>
-            </c:numRef>
-          </c:cat>
-          <c:val>
-            <c:numRef>
-              <c:f>Age!$G$2:$G$16</c:f>
-              <c:numCache>
-                <c:formatCode>General</c:formatCode>
-                <c:ptCount val="15"/>
-                <c:pt idx="0">
-                  <c:v>37.950000000000003</c:v>
-                </c:pt>
-                <c:pt idx="1">
-                  <c:v>37.43</c:v>
-                </c:pt>
-                <c:pt idx="2">
-                  <c:v>35.35</c:v>
-                </c:pt>
-                <c:pt idx="3">
-                  <c:v>35.51</c:v>
-                </c:pt>
-                <c:pt idx="4">
-                  <c:v>33.53</c:v>
-                </c:pt>
-                <c:pt idx="5">
-                  <c:v>32.659999999999997</c:v>
-                </c:pt>
-                <c:pt idx="6">
-                  <c:v>31.67</c:v>
-                </c:pt>
-                <c:pt idx="7">
-                  <c:v>32</c:v>
-                </c:pt>
-                <c:pt idx="8">
-                  <c:v>33.299999999999997</c:v>
-                </c:pt>
-                <c:pt idx="9">
-                  <c:v>32.630000000000003</c:v>
-                </c:pt>
-                <c:pt idx="10">
-                  <c:v>32.53</c:v>
-                </c:pt>
-                <c:pt idx="11">
-                  <c:v>32.75</c:v>
-                </c:pt>
-                <c:pt idx="12">
-                  <c:v>30.89</c:v>
-                </c:pt>
-                <c:pt idx="13">
-                  <c:v>29.78</c:v>
-                </c:pt>
-                <c:pt idx="14">
-                  <c:v>28.09</c:v>
-                </c:pt>
-              </c:numCache>
-            </c:numRef>
-          </c:val>
-          <c:smooth val="0"/>
-          <c:extLst>
-            <c:ext xmlns:c16="http://schemas.microsoft.com/office/drawing/2014/chart" uri="{C3380CC4-5D6E-409C-BE32-E72D297353CC}">
-              <c16:uniqueId val="{00000005-8132-4354-9358-DC6BD368C121}"/>
-            </c:ext>
-          </c:extLst>
-        </c:ser>
-        <c:ser>
-          <c:idx val="6"/>
-          <c:order val="6"/>
-          <c:tx>
-            <c:strRef>
-              <c:f>Age!$H$1</c:f>
-              <c:strCache>
-                <c:ptCount val="1"/>
-                <c:pt idx="0">
                   <c:v>Overall</c:v>
                 </c:pt>
               </c:strCache>
@@ -1916,54 +1001,54 @@
           </c:cat>
           <c:val>
             <c:numRef>
-              <c:f>Age!$H$2:$H$16</c:f>
+              <c:f>Age!$B$2:$B$16</c:f>
               <c:numCache>
-                <c:formatCode>General</c:formatCode>
+                <c:formatCode>0.0</c:formatCode>
                 <c:ptCount val="15"/>
                 <c:pt idx="0">
-                  <c:v>6.35</c:v>
+                  <c:v>31.92</c:v>
                 </c:pt>
                 <c:pt idx="1">
-                  <c:v>5.99</c:v>
+                  <c:v>33.619999999999997</c:v>
                 </c:pt>
                 <c:pt idx="2">
-                  <c:v>5.29</c:v>
+                  <c:v>36.68</c:v>
                 </c:pt>
                 <c:pt idx="3">
-                  <c:v>5.31</c:v>
+                  <c:v>37.28</c:v>
                 </c:pt>
                 <c:pt idx="4">
-                  <c:v>5.0599999999999996</c:v>
+                  <c:v>38.19</c:v>
                 </c:pt>
                 <c:pt idx="5">
-                  <c:v>5.03</c:v>
+                  <c:v>38.57</c:v>
                 </c:pt>
                 <c:pt idx="6">
-                  <c:v>4.91</c:v>
+                  <c:v>39.729999999999997</c:v>
                 </c:pt>
                 <c:pt idx="7">
-                  <c:v>5.09</c:v>
+                  <c:v>31.7</c:v>
                 </c:pt>
                 <c:pt idx="8">
-                  <c:v>5.46</c:v>
+                  <c:v>31.95</c:v>
                 </c:pt>
                 <c:pt idx="9">
-                  <c:v>5.45</c:v>
+                  <c:v>32.22</c:v>
                 </c:pt>
                 <c:pt idx="10">
-                  <c:v>5.45</c:v>
+                  <c:v>32.020000000000003</c:v>
                 </c:pt>
                 <c:pt idx="11">
-                  <c:v>5.89</c:v>
+                  <c:v>30.05</c:v>
                 </c:pt>
                 <c:pt idx="12">
-                  <c:v>5.37</c:v>
+                  <c:v>36.04</c:v>
                 </c:pt>
                 <c:pt idx="13">
-                  <c:v>5.14</c:v>
+                  <c:v>35.340000000000003</c:v>
                 </c:pt>
                 <c:pt idx="14">
-                  <c:v>4.84</c:v>
+                  <c:v>35.15</c:v>
                 </c:pt>
               </c:numCache>
             </c:numRef>
@@ -1971,7 +1056,931 @@
           <c:smooth val="0"/>
           <c:extLst>
             <c:ext xmlns:c16="http://schemas.microsoft.com/office/drawing/2014/chart" uri="{C3380CC4-5D6E-409C-BE32-E72D297353CC}">
-              <c16:uniqueId val="{00000006-8132-4354-9358-DC6BD368C121}"/>
+              <c16:uniqueId val="{00000000-3B26-47D3-9798-51301F692385}"/>
+            </c:ext>
+          </c:extLst>
+        </c:ser>
+        <c:ser>
+          <c:idx val="1"/>
+          <c:order val="1"/>
+          <c:tx>
+            <c:strRef>
+              <c:f>Age!$C$1</c:f>
+              <c:strCache>
+                <c:ptCount val="1"/>
+                <c:pt idx="0">
+                  <c:v>18–29 years</c:v>
+                </c:pt>
+              </c:strCache>
+            </c:strRef>
+          </c:tx>
+          <c:spPr>
+            <a:ln w="44450" cap="rnd">
+              <a:solidFill>
+                <a:schemeClr val="accent2"/>
+              </a:solidFill>
+              <a:round/>
+            </a:ln>
+            <a:effectLst/>
+          </c:spPr>
+          <c:marker>
+            <c:symbol val="circle"/>
+            <c:size val="5"/>
+            <c:spPr>
+              <a:solidFill>
+                <a:schemeClr val="accent2"/>
+              </a:solidFill>
+              <a:ln w="9525">
+                <a:solidFill>
+                  <a:schemeClr val="accent2"/>
+                </a:solidFill>
+              </a:ln>
+              <a:effectLst/>
+            </c:spPr>
+          </c:marker>
+          <c:cat>
+            <c:numRef>
+              <c:f>Age!$A$2:$A$16</c:f>
+              <c:numCache>
+                <c:formatCode>General</c:formatCode>
+                <c:ptCount val="15"/>
+                <c:pt idx="0">
+                  <c:v>2009</c:v>
+                </c:pt>
+                <c:pt idx="1">
+                  <c:v>2010</c:v>
+                </c:pt>
+                <c:pt idx="2">
+                  <c:v>2011</c:v>
+                </c:pt>
+                <c:pt idx="3">
+                  <c:v>2012</c:v>
+                </c:pt>
+                <c:pt idx="4">
+                  <c:v>2013</c:v>
+                </c:pt>
+                <c:pt idx="5">
+                  <c:v>2014</c:v>
+                </c:pt>
+                <c:pt idx="6">
+                  <c:v>2015</c:v>
+                </c:pt>
+                <c:pt idx="7">
+                  <c:v>2016</c:v>
+                </c:pt>
+                <c:pt idx="8">
+                  <c:v>2017</c:v>
+                </c:pt>
+                <c:pt idx="9">
+                  <c:v>2018</c:v>
+                </c:pt>
+                <c:pt idx="10">
+                  <c:v>2019</c:v>
+                </c:pt>
+                <c:pt idx="11">
+                  <c:v>2020</c:v>
+                </c:pt>
+                <c:pt idx="12">
+                  <c:v>2021</c:v>
+                </c:pt>
+                <c:pt idx="13">
+                  <c:v>2022</c:v>
+                </c:pt>
+                <c:pt idx="14">
+                  <c:v>2023</c:v>
+                </c:pt>
+              </c:numCache>
+            </c:numRef>
+          </c:cat>
+          <c:val>
+            <c:numRef>
+              <c:f>Age!$C$2:$C$16</c:f>
+              <c:numCache>
+                <c:formatCode>General</c:formatCode>
+                <c:ptCount val="15"/>
+                <c:pt idx="0">
+                  <c:v>26.95</c:v>
+                </c:pt>
+                <c:pt idx="1">
+                  <c:v>28.9</c:v>
+                </c:pt>
+                <c:pt idx="2">
+                  <c:v>27.93</c:v>
+                </c:pt>
+                <c:pt idx="3">
+                  <c:v>29.18</c:v>
+                </c:pt>
+                <c:pt idx="4">
+                  <c:v>27.71</c:v>
+                </c:pt>
+                <c:pt idx="5">
+                  <c:v>33.130000000000003</c:v>
+                </c:pt>
+                <c:pt idx="6">
+                  <c:v>30.45</c:v>
+                </c:pt>
+                <c:pt idx="7">
+                  <c:v>24.17</c:v>
+                </c:pt>
+                <c:pt idx="8">
+                  <c:v>25.22</c:v>
+                </c:pt>
+                <c:pt idx="9">
+                  <c:v>23.35</c:v>
+                </c:pt>
+                <c:pt idx="10">
+                  <c:v>21.21</c:v>
+                </c:pt>
+                <c:pt idx="11">
+                  <c:v>24.55</c:v>
+                </c:pt>
+                <c:pt idx="12">
+                  <c:v>21.9</c:v>
+                </c:pt>
+                <c:pt idx="13">
+                  <c:v>21.95</c:v>
+                </c:pt>
+                <c:pt idx="14">
+                  <c:v>19.559999999999999</c:v>
+                </c:pt>
+              </c:numCache>
+            </c:numRef>
+          </c:val>
+          <c:smooth val="0"/>
+          <c:extLst>
+            <c:ext xmlns:c16="http://schemas.microsoft.com/office/drawing/2014/chart" uri="{C3380CC4-5D6E-409C-BE32-E72D297353CC}">
+              <c16:uniqueId val="{00000001-3B26-47D3-9798-51301F692385}"/>
+            </c:ext>
+          </c:extLst>
+        </c:ser>
+        <c:ser>
+          <c:idx val="2"/>
+          <c:order val="2"/>
+          <c:tx>
+            <c:strRef>
+              <c:f>Age!$D$1</c:f>
+              <c:strCache>
+                <c:ptCount val="1"/>
+                <c:pt idx="0">
+                  <c:v>30–39 years</c:v>
+                </c:pt>
+              </c:strCache>
+            </c:strRef>
+          </c:tx>
+          <c:spPr>
+            <a:ln w="44450" cap="rnd">
+              <a:solidFill>
+                <a:schemeClr val="accent3"/>
+              </a:solidFill>
+              <a:round/>
+            </a:ln>
+            <a:effectLst/>
+          </c:spPr>
+          <c:marker>
+            <c:symbol val="circle"/>
+            <c:size val="5"/>
+            <c:spPr>
+              <a:solidFill>
+                <a:schemeClr val="accent3"/>
+              </a:solidFill>
+              <a:ln w="9525">
+                <a:solidFill>
+                  <a:schemeClr val="accent3"/>
+                </a:solidFill>
+              </a:ln>
+              <a:effectLst/>
+            </c:spPr>
+          </c:marker>
+          <c:cat>
+            <c:numRef>
+              <c:f>Age!$A$2:$A$16</c:f>
+              <c:numCache>
+                <c:formatCode>General</c:formatCode>
+                <c:ptCount val="15"/>
+                <c:pt idx="0">
+                  <c:v>2009</c:v>
+                </c:pt>
+                <c:pt idx="1">
+                  <c:v>2010</c:v>
+                </c:pt>
+                <c:pt idx="2">
+                  <c:v>2011</c:v>
+                </c:pt>
+                <c:pt idx="3">
+                  <c:v>2012</c:v>
+                </c:pt>
+                <c:pt idx="4">
+                  <c:v>2013</c:v>
+                </c:pt>
+                <c:pt idx="5">
+                  <c:v>2014</c:v>
+                </c:pt>
+                <c:pt idx="6">
+                  <c:v>2015</c:v>
+                </c:pt>
+                <c:pt idx="7">
+                  <c:v>2016</c:v>
+                </c:pt>
+                <c:pt idx="8">
+                  <c:v>2017</c:v>
+                </c:pt>
+                <c:pt idx="9">
+                  <c:v>2018</c:v>
+                </c:pt>
+                <c:pt idx="10">
+                  <c:v>2019</c:v>
+                </c:pt>
+                <c:pt idx="11">
+                  <c:v>2020</c:v>
+                </c:pt>
+                <c:pt idx="12">
+                  <c:v>2021</c:v>
+                </c:pt>
+                <c:pt idx="13">
+                  <c:v>2022</c:v>
+                </c:pt>
+                <c:pt idx="14">
+                  <c:v>2023</c:v>
+                </c:pt>
+              </c:numCache>
+            </c:numRef>
+          </c:cat>
+          <c:val>
+            <c:numRef>
+              <c:f>Age!$D$2:$D$16</c:f>
+              <c:numCache>
+                <c:formatCode>General</c:formatCode>
+                <c:ptCount val="15"/>
+                <c:pt idx="0">
+                  <c:v>29.42</c:v>
+                </c:pt>
+                <c:pt idx="1">
+                  <c:v>31.96</c:v>
+                </c:pt>
+                <c:pt idx="2">
+                  <c:v>36.58</c:v>
+                </c:pt>
+                <c:pt idx="3">
+                  <c:v>36.99</c:v>
+                </c:pt>
+                <c:pt idx="4">
+                  <c:v>39.200000000000003</c:v>
+                </c:pt>
+                <c:pt idx="5">
+                  <c:v>36.130000000000003</c:v>
+                </c:pt>
+                <c:pt idx="6">
+                  <c:v>39.92</c:v>
+                </c:pt>
+                <c:pt idx="7">
+                  <c:v>30.14</c:v>
+                </c:pt>
+                <c:pt idx="8">
+                  <c:v>29.58</c:v>
+                </c:pt>
+                <c:pt idx="9">
+                  <c:v>27.95</c:v>
+                </c:pt>
+                <c:pt idx="10">
+                  <c:v>26.38</c:v>
+                </c:pt>
+                <c:pt idx="11">
+                  <c:v>28.24</c:v>
+                </c:pt>
+                <c:pt idx="12">
+                  <c:v>29.63</c:v>
+                </c:pt>
+                <c:pt idx="13">
+                  <c:v>29.33</c:v>
+                </c:pt>
+                <c:pt idx="14">
+                  <c:v>26.26</c:v>
+                </c:pt>
+              </c:numCache>
+            </c:numRef>
+          </c:val>
+          <c:smooth val="0"/>
+          <c:extLst>
+            <c:ext xmlns:c16="http://schemas.microsoft.com/office/drawing/2014/chart" uri="{C3380CC4-5D6E-409C-BE32-E72D297353CC}">
+              <c16:uniqueId val="{00000002-3B26-47D3-9798-51301F692385}"/>
+            </c:ext>
+          </c:extLst>
+        </c:ser>
+        <c:ser>
+          <c:idx val="3"/>
+          <c:order val="3"/>
+          <c:tx>
+            <c:strRef>
+              <c:f>Age!$E$1</c:f>
+              <c:strCache>
+                <c:ptCount val="1"/>
+                <c:pt idx="0">
+                  <c:v>40–49 years</c:v>
+                </c:pt>
+              </c:strCache>
+            </c:strRef>
+          </c:tx>
+          <c:spPr>
+            <a:ln w="44450" cap="rnd">
+              <a:solidFill>
+                <a:schemeClr val="accent4"/>
+              </a:solidFill>
+              <a:round/>
+            </a:ln>
+            <a:effectLst/>
+          </c:spPr>
+          <c:marker>
+            <c:symbol val="circle"/>
+            <c:size val="5"/>
+            <c:spPr>
+              <a:solidFill>
+                <a:schemeClr val="accent4"/>
+              </a:solidFill>
+              <a:ln w="9525">
+                <a:solidFill>
+                  <a:schemeClr val="accent4"/>
+                </a:solidFill>
+              </a:ln>
+              <a:effectLst/>
+            </c:spPr>
+          </c:marker>
+          <c:cat>
+            <c:numRef>
+              <c:f>Age!$A$2:$A$16</c:f>
+              <c:numCache>
+                <c:formatCode>General</c:formatCode>
+                <c:ptCount val="15"/>
+                <c:pt idx="0">
+                  <c:v>2009</c:v>
+                </c:pt>
+                <c:pt idx="1">
+                  <c:v>2010</c:v>
+                </c:pt>
+                <c:pt idx="2">
+                  <c:v>2011</c:v>
+                </c:pt>
+                <c:pt idx="3">
+                  <c:v>2012</c:v>
+                </c:pt>
+                <c:pt idx="4">
+                  <c:v>2013</c:v>
+                </c:pt>
+                <c:pt idx="5">
+                  <c:v>2014</c:v>
+                </c:pt>
+                <c:pt idx="6">
+                  <c:v>2015</c:v>
+                </c:pt>
+                <c:pt idx="7">
+                  <c:v>2016</c:v>
+                </c:pt>
+                <c:pt idx="8">
+                  <c:v>2017</c:v>
+                </c:pt>
+                <c:pt idx="9">
+                  <c:v>2018</c:v>
+                </c:pt>
+                <c:pt idx="10">
+                  <c:v>2019</c:v>
+                </c:pt>
+                <c:pt idx="11">
+                  <c:v>2020</c:v>
+                </c:pt>
+                <c:pt idx="12">
+                  <c:v>2021</c:v>
+                </c:pt>
+                <c:pt idx="13">
+                  <c:v>2022</c:v>
+                </c:pt>
+                <c:pt idx="14">
+                  <c:v>2023</c:v>
+                </c:pt>
+              </c:numCache>
+            </c:numRef>
+          </c:cat>
+          <c:val>
+            <c:numRef>
+              <c:f>Age!$E$2:$E$16</c:f>
+              <c:numCache>
+                <c:formatCode>General</c:formatCode>
+                <c:ptCount val="15"/>
+                <c:pt idx="0">
+                  <c:v>25.87</c:v>
+                </c:pt>
+                <c:pt idx="1">
+                  <c:v>27.95</c:v>
+                </c:pt>
+                <c:pt idx="2">
+                  <c:v>32.65</c:v>
+                </c:pt>
+                <c:pt idx="3">
+                  <c:v>33.11</c:v>
+                </c:pt>
+                <c:pt idx="4">
+                  <c:v>35.4</c:v>
+                </c:pt>
+                <c:pt idx="5">
+                  <c:v>34.700000000000003</c:v>
+                </c:pt>
+                <c:pt idx="6">
+                  <c:v>35.5</c:v>
+                </c:pt>
+                <c:pt idx="7">
+                  <c:v>29.76</c:v>
+                </c:pt>
+                <c:pt idx="8">
+                  <c:v>30.48</c:v>
+                </c:pt>
+                <c:pt idx="9">
+                  <c:v>28.81</c:v>
+                </c:pt>
+                <c:pt idx="10">
+                  <c:v>27</c:v>
+                </c:pt>
+                <c:pt idx="11">
+                  <c:v>26.61</c:v>
+                </c:pt>
+                <c:pt idx="12">
+                  <c:v>31.11</c:v>
+                </c:pt>
+                <c:pt idx="13">
+                  <c:v>29.74</c:v>
+                </c:pt>
+                <c:pt idx="14">
+                  <c:v>28.85</c:v>
+                </c:pt>
+              </c:numCache>
+            </c:numRef>
+          </c:val>
+          <c:smooth val="0"/>
+          <c:extLst>
+            <c:ext xmlns:c16="http://schemas.microsoft.com/office/drawing/2014/chart" uri="{C3380CC4-5D6E-409C-BE32-E72D297353CC}">
+              <c16:uniqueId val="{00000003-3B26-47D3-9798-51301F692385}"/>
+            </c:ext>
+          </c:extLst>
+        </c:ser>
+        <c:ser>
+          <c:idx val="4"/>
+          <c:order val="4"/>
+          <c:tx>
+            <c:strRef>
+              <c:f>Age!$F$1</c:f>
+              <c:strCache>
+                <c:ptCount val="1"/>
+                <c:pt idx="0">
+                  <c:v>50–59 years</c:v>
+                </c:pt>
+              </c:strCache>
+            </c:strRef>
+          </c:tx>
+          <c:spPr>
+            <a:ln w="44450" cap="rnd">
+              <a:solidFill>
+                <a:schemeClr val="accent5"/>
+              </a:solidFill>
+              <a:round/>
+            </a:ln>
+            <a:effectLst/>
+          </c:spPr>
+          <c:marker>
+            <c:symbol val="circle"/>
+            <c:size val="5"/>
+            <c:spPr>
+              <a:solidFill>
+                <a:schemeClr val="accent5"/>
+              </a:solidFill>
+              <a:ln w="9525">
+                <a:solidFill>
+                  <a:schemeClr val="accent5"/>
+                </a:solidFill>
+              </a:ln>
+              <a:effectLst/>
+            </c:spPr>
+          </c:marker>
+          <c:cat>
+            <c:numRef>
+              <c:f>Age!$A$2:$A$16</c:f>
+              <c:numCache>
+                <c:formatCode>General</c:formatCode>
+                <c:ptCount val="15"/>
+                <c:pt idx="0">
+                  <c:v>2009</c:v>
+                </c:pt>
+                <c:pt idx="1">
+                  <c:v>2010</c:v>
+                </c:pt>
+                <c:pt idx="2">
+                  <c:v>2011</c:v>
+                </c:pt>
+                <c:pt idx="3">
+                  <c:v>2012</c:v>
+                </c:pt>
+                <c:pt idx="4">
+                  <c:v>2013</c:v>
+                </c:pt>
+                <c:pt idx="5">
+                  <c:v>2014</c:v>
+                </c:pt>
+                <c:pt idx="6">
+                  <c:v>2015</c:v>
+                </c:pt>
+                <c:pt idx="7">
+                  <c:v>2016</c:v>
+                </c:pt>
+                <c:pt idx="8">
+                  <c:v>2017</c:v>
+                </c:pt>
+                <c:pt idx="9">
+                  <c:v>2018</c:v>
+                </c:pt>
+                <c:pt idx="10">
+                  <c:v>2019</c:v>
+                </c:pt>
+                <c:pt idx="11">
+                  <c:v>2020</c:v>
+                </c:pt>
+                <c:pt idx="12">
+                  <c:v>2021</c:v>
+                </c:pt>
+                <c:pt idx="13">
+                  <c:v>2022</c:v>
+                </c:pt>
+                <c:pt idx="14">
+                  <c:v>2023</c:v>
+                </c:pt>
+              </c:numCache>
+            </c:numRef>
+          </c:cat>
+          <c:val>
+            <c:numRef>
+              <c:f>Age!$F$2:$F$16</c:f>
+              <c:numCache>
+                <c:formatCode>General</c:formatCode>
+                <c:ptCount val="15"/>
+                <c:pt idx="0">
+                  <c:v>29.75</c:v>
+                </c:pt>
+                <c:pt idx="1">
+                  <c:v>31.33</c:v>
+                </c:pt>
+                <c:pt idx="2">
+                  <c:v>34.36</c:v>
+                </c:pt>
+                <c:pt idx="3">
+                  <c:v>34.979999999999997</c:v>
+                </c:pt>
+                <c:pt idx="4">
+                  <c:v>36.26</c:v>
+                </c:pt>
+                <c:pt idx="5">
+                  <c:v>36.67</c:v>
+                </c:pt>
+                <c:pt idx="6">
+                  <c:v>37.31</c:v>
+                </c:pt>
+                <c:pt idx="7">
+                  <c:v>30.63</c:v>
+                </c:pt>
+                <c:pt idx="8">
+                  <c:v>30.61</c:v>
+                </c:pt>
+                <c:pt idx="9">
+                  <c:v>30.98</c:v>
+                </c:pt>
+                <c:pt idx="10">
+                  <c:v>30.08</c:v>
+                </c:pt>
+                <c:pt idx="11">
+                  <c:v>29.38</c:v>
+                </c:pt>
+                <c:pt idx="12">
+                  <c:v>34.46</c:v>
+                </c:pt>
+                <c:pt idx="13">
+                  <c:v>34.11</c:v>
+                </c:pt>
+                <c:pt idx="14">
+                  <c:v>35.46</c:v>
+                </c:pt>
+              </c:numCache>
+            </c:numRef>
+          </c:val>
+          <c:smooth val="0"/>
+          <c:extLst>
+            <c:ext xmlns:c16="http://schemas.microsoft.com/office/drawing/2014/chart" uri="{C3380CC4-5D6E-409C-BE32-E72D297353CC}">
+              <c16:uniqueId val="{00000004-3B26-47D3-9798-51301F692385}"/>
+            </c:ext>
+          </c:extLst>
+        </c:ser>
+        <c:ser>
+          <c:idx val="5"/>
+          <c:order val="5"/>
+          <c:tx>
+            <c:strRef>
+              <c:f>Age!$G$1</c:f>
+              <c:strCache>
+                <c:ptCount val="1"/>
+                <c:pt idx="0">
+                  <c:v>60–69 years</c:v>
+                </c:pt>
+              </c:strCache>
+            </c:strRef>
+          </c:tx>
+          <c:spPr>
+            <a:ln w="44450" cap="rnd">
+              <a:solidFill>
+                <a:schemeClr val="accent6"/>
+              </a:solidFill>
+              <a:round/>
+            </a:ln>
+            <a:effectLst/>
+          </c:spPr>
+          <c:marker>
+            <c:symbol val="circle"/>
+            <c:size val="5"/>
+            <c:spPr>
+              <a:solidFill>
+                <a:schemeClr val="accent6"/>
+              </a:solidFill>
+              <a:ln w="9525">
+                <a:solidFill>
+                  <a:schemeClr val="accent6"/>
+                </a:solidFill>
+              </a:ln>
+              <a:effectLst/>
+            </c:spPr>
+          </c:marker>
+          <c:cat>
+            <c:numRef>
+              <c:f>Age!$A$2:$A$16</c:f>
+              <c:numCache>
+                <c:formatCode>General</c:formatCode>
+                <c:ptCount val="15"/>
+                <c:pt idx="0">
+                  <c:v>2009</c:v>
+                </c:pt>
+                <c:pt idx="1">
+                  <c:v>2010</c:v>
+                </c:pt>
+                <c:pt idx="2">
+                  <c:v>2011</c:v>
+                </c:pt>
+                <c:pt idx="3">
+                  <c:v>2012</c:v>
+                </c:pt>
+                <c:pt idx="4">
+                  <c:v>2013</c:v>
+                </c:pt>
+                <c:pt idx="5">
+                  <c:v>2014</c:v>
+                </c:pt>
+                <c:pt idx="6">
+                  <c:v>2015</c:v>
+                </c:pt>
+                <c:pt idx="7">
+                  <c:v>2016</c:v>
+                </c:pt>
+                <c:pt idx="8">
+                  <c:v>2017</c:v>
+                </c:pt>
+                <c:pt idx="9">
+                  <c:v>2018</c:v>
+                </c:pt>
+                <c:pt idx="10">
+                  <c:v>2019</c:v>
+                </c:pt>
+                <c:pt idx="11">
+                  <c:v>2020</c:v>
+                </c:pt>
+                <c:pt idx="12">
+                  <c:v>2021</c:v>
+                </c:pt>
+                <c:pt idx="13">
+                  <c:v>2022</c:v>
+                </c:pt>
+                <c:pt idx="14">
+                  <c:v>2023</c:v>
+                </c:pt>
+              </c:numCache>
+            </c:numRef>
+          </c:cat>
+          <c:val>
+            <c:numRef>
+              <c:f>Age!$G$2:$G$16</c:f>
+              <c:numCache>
+                <c:formatCode>General</c:formatCode>
+                <c:ptCount val="15"/>
+                <c:pt idx="0">
+                  <c:v>32.72</c:v>
+                </c:pt>
+                <c:pt idx="1">
+                  <c:v>34.67</c:v>
+                </c:pt>
+                <c:pt idx="2">
+                  <c:v>38.81</c:v>
+                </c:pt>
+                <c:pt idx="3">
+                  <c:v>38.22</c:v>
+                </c:pt>
+                <c:pt idx="4">
+                  <c:v>39.159999999999997</c:v>
+                </c:pt>
+                <c:pt idx="5">
+                  <c:v>39.909999999999997</c:v>
+                </c:pt>
+                <c:pt idx="6">
+                  <c:v>41.26</c:v>
+                </c:pt>
+                <c:pt idx="7">
+                  <c:v>32.82</c:v>
+                </c:pt>
+                <c:pt idx="8">
+                  <c:v>32.68</c:v>
+                </c:pt>
+                <c:pt idx="9">
+                  <c:v>33.5</c:v>
+                </c:pt>
+                <c:pt idx="10">
+                  <c:v>33.72</c:v>
+                </c:pt>
+                <c:pt idx="11">
+                  <c:v>30.73</c:v>
+                </c:pt>
+                <c:pt idx="12">
+                  <c:v>38.54</c:v>
+                </c:pt>
+                <c:pt idx="13">
+                  <c:v>37.159999999999997</c:v>
+                </c:pt>
+                <c:pt idx="14">
+                  <c:v>36.75</c:v>
+                </c:pt>
+              </c:numCache>
+            </c:numRef>
+          </c:val>
+          <c:smooth val="0"/>
+          <c:extLst>
+            <c:ext xmlns:c16="http://schemas.microsoft.com/office/drawing/2014/chart" uri="{C3380CC4-5D6E-409C-BE32-E72D297353CC}">
+              <c16:uniqueId val="{00000005-3B26-47D3-9798-51301F692385}"/>
+            </c:ext>
+          </c:extLst>
+        </c:ser>
+        <c:ser>
+          <c:idx val="6"/>
+          <c:order val="6"/>
+          <c:tx>
+            <c:strRef>
+              <c:f>Age!$H$1</c:f>
+              <c:strCache>
+                <c:ptCount val="1"/>
+                <c:pt idx="0">
+                  <c:v>70+ years</c:v>
+                </c:pt>
+              </c:strCache>
+            </c:strRef>
+          </c:tx>
+          <c:spPr>
+            <a:ln w="44450" cap="rnd">
+              <a:solidFill>
+                <a:schemeClr val="accent1">
+                  <a:lumMod val="60000"/>
+                </a:schemeClr>
+              </a:solidFill>
+              <a:round/>
+            </a:ln>
+            <a:effectLst/>
+          </c:spPr>
+          <c:marker>
+            <c:symbol val="circle"/>
+            <c:size val="5"/>
+            <c:spPr>
+              <a:solidFill>
+                <a:schemeClr val="accent1">
+                  <a:lumMod val="60000"/>
+                </a:schemeClr>
+              </a:solidFill>
+              <a:ln w="9525">
+                <a:solidFill>
+                  <a:schemeClr val="accent1">
+                    <a:lumMod val="60000"/>
+                  </a:schemeClr>
+                </a:solidFill>
+              </a:ln>
+              <a:effectLst/>
+            </c:spPr>
+          </c:marker>
+          <c:cat>
+            <c:numRef>
+              <c:f>Age!$A$2:$A$16</c:f>
+              <c:numCache>
+                <c:formatCode>General</c:formatCode>
+                <c:ptCount val="15"/>
+                <c:pt idx="0">
+                  <c:v>2009</c:v>
+                </c:pt>
+                <c:pt idx="1">
+                  <c:v>2010</c:v>
+                </c:pt>
+                <c:pt idx="2">
+                  <c:v>2011</c:v>
+                </c:pt>
+                <c:pt idx="3">
+                  <c:v>2012</c:v>
+                </c:pt>
+                <c:pt idx="4">
+                  <c:v>2013</c:v>
+                </c:pt>
+                <c:pt idx="5">
+                  <c:v>2014</c:v>
+                </c:pt>
+                <c:pt idx="6">
+                  <c:v>2015</c:v>
+                </c:pt>
+                <c:pt idx="7">
+                  <c:v>2016</c:v>
+                </c:pt>
+                <c:pt idx="8">
+                  <c:v>2017</c:v>
+                </c:pt>
+                <c:pt idx="9">
+                  <c:v>2018</c:v>
+                </c:pt>
+                <c:pt idx="10">
+                  <c:v>2019</c:v>
+                </c:pt>
+                <c:pt idx="11">
+                  <c:v>2020</c:v>
+                </c:pt>
+                <c:pt idx="12">
+                  <c:v>2021</c:v>
+                </c:pt>
+                <c:pt idx="13">
+                  <c:v>2022</c:v>
+                </c:pt>
+                <c:pt idx="14">
+                  <c:v>2023</c:v>
+                </c:pt>
+              </c:numCache>
+            </c:numRef>
+          </c:cat>
+          <c:val>
+            <c:numRef>
+              <c:f>Age!$H$2:$H$16</c:f>
+              <c:numCache>
+                <c:formatCode>General</c:formatCode>
+                <c:ptCount val="15"/>
+                <c:pt idx="0">
+                  <c:v>33.46</c:v>
+                </c:pt>
+                <c:pt idx="1">
+                  <c:v>34.85</c:v>
+                </c:pt>
+                <c:pt idx="2">
+                  <c:v>37.04</c:v>
+                </c:pt>
+                <c:pt idx="3">
+                  <c:v>38.299999999999997</c:v>
+                </c:pt>
+                <c:pt idx="4">
+                  <c:v>38.81</c:v>
+                </c:pt>
+                <c:pt idx="5">
+                  <c:v>39.1</c:v>
+                </c:pt>
+                <c:pt idx="6">
+                  <c:v>40.299999999999997</c:v>
+                </c:pt>
+                <c:pt idx="7">
+                  <c:v>31.84</c:v>
+                </c:pt>
+                <c:pt idx="8">
+                  <c:v>32.299999999999997</c:v>
+                </c:pt>
+                <c:pt idx="9">
+                  <c:v>32.58</c:v>
+                </c:pt>
+                <c:pt idx="10">
+                  <c:v>32.69</c:v>
+                </c:pt>
+                <c:pt idx="11">
+                  <c:v>30.41</c:v>
+                </c:pt>
+                <c:pt idx="12">
+                  <c:v>36.22</c:v>
+                </c:pt>
+                <c:pt idx="13">
+                  <c:v>35.770000000000003</c:v>
+                </c:pt>
+                <c:pt idx="14">
+                  <c:v>35.6</c:v>
+                </c:pt>
+              </c:numCache>
+            </c:numRef>
+          </c:val>
+          <c:smooth val="0"/>
+          <c:extLst>
+            <c:ext xmlns:c16="http://schemas.microsoft.com/office/drawing/2014/chart" uri="{C3380CC4-5D6E-409C-BE32-E72D297353CC}">
+              <c16:uniqueId val="{00000006-3B26-47D3-9798-51301F692385}"/>
             </c:ext>
           </c:extLst>
         </c:ser>
@@ -1985,11 +1994,11 @@
         </c:dLbls>
         <c:marker val="1"/>
         <c:smooth val="0"/>
-        <c:axId val="1630435104"/>
-        <c:axId val="1630438848"/>
+        <c:axId val="551978015"/>
+        <c:axId val="551978847"/>
       </c:lineChart>
       <c:catAx>
-        <c:axId val="1630435104"/>
+        <c:axId val="551978015"/>
         <c:scaling>
           <c:orientation val="minMax"/>
         </c:scaling>
@@ -2029,7 +2038,7 @@
             <a:endParaRPr lang="en-US"/>
           </a:p>
         </c:txPr>
-        <c:crossAx val="1630438848"/>
+        <c:crossAx val="551978847"/>
         <c:crosses val="autoZero"/>
         <c:auto val="1"/>
         <c:lblAlgn val="ctr"/>
@@ -2038,7 +2047,7 @@
         <c:noMultiLvlLbl val="0"/>
       </c:catAx>
       <c:valAx>
-        <c:axId val="1630438848"/>
+        <c:axId val="551978847"/>
         <c:scaling>
           <c:orientation val="minMax"/>
         </c:scaling>
@@ -2076,7 +2085,7 @@
                 </a:pPr>
                 <a:r>
                   <a:rPr lang="en-US"/>
-                  <a:t>CKD (%)</a:t>
+                  <a:t>Adults with CKD Stages 3-5 and ICD-9 or 10 code (%)</a:t>
                 </a:r>
               </a:p>
             </c:rich>
@@ -2107,7 +2116,7 @@
             </a:p>
           </c:txPr>
         </c:title>
-        <c:numFmt formatCode="General" sourceLinked="1"/>
+        <c:numFmt formatCode="0" sourceLinked="0"/>
         <c:majorTickMark val="none"/>
         <c:minorTickMark val="none"/>
         <c:tickLblPos val="nextTo"/>
@@ -2135,9 +2144,9 @@
             <a:endParaRPr lang="en-US"/>
           </a:p>
         </c:txPr>
-        <c:crossAx val="1630435104"/>
-        <c:crossesAt val="1"/>
-        <c:crossBetween val="midCat"/>
+        <c:crossAx val="551978015"/>
+        <c:crosses val="autoZero"/>
+        <c:crossBetween val="between"/>
       </c:valAx>
       <c:spPr>
         <a:noFill/>
@@ -2229,17 +2238,7 @@
   <c:chart>
     <c:autoTitleDeleted val="1"/>
     <c:plotArea>
-      <c:layout>
-        <c:manualLayout>
-          <c:layoutTarget val="inner"/>
-          <c:xMode val="edge"/>
-          <c:yMode val="edge"/>
-          <c:x val="9.247130358705162E-2"/>
-          <c:y val="0.10735411198600175"/>
-          <c:w val="0.87641758530183722"/>
-          <c:h val="0.68978390201224848"/>
-        </c:manualLayout>
-      </c:layout>
+      <c:layout/>
       <c:lineChart>
         <c:grouping val="standard"/>
         <c:varyColors val="0"/>
@@ -2252,7 +2251,7 @@
               <c:strCache>
                 <c:ptCount val="1"/>
                 <c:pt idx="0">
-                  <c:v>Male</c:v>
+                  <c:v>Overall</c:v>
                 </c:pt>
               </c:strCache>
             </c:strRef>
@@ -2260,8 +2259,11 @@
           <c:spPr>
             <a:ln w="44450" cap="rnd">
               <a:solidFill>
-                <a:schemeClr val="accent1"/>
+                <a:schemeClr val="tx1">
+                  <a:alpha val="95000"/>
+                </a:schemeClr>
               </a:solidFill>
+              <a:prstDash val="sysDash"/>
               <a:round/>
             </a:ln>
             <a:effectLst/>
@@ -2271,11 +2273,11 @@
             <c:size val="5"/>
             <c:spPr>
               <a:solidFill>
-                <a:schemeClr val="accent1"/>
+                <a:schemeClr val="tx1"/>
               </a:solidFill>
               <a:ln w="9525">
                 <a:solidFill>
-                  <a:schemeClr val="accent1"/>
+                  <a:schemeClr val="tx1"/>
                 </a:solidFill>
               </a:ln>
               <a:effectLst/>
@@ -2339,52 +2341,52 @@
             <c:numRef>
               <c:f>Sex!$B$2:$B$16</c:f>
               <c:numCache>
-                <c:formatCode>General</c:formatCode>
+                <c:formatCode>0.0</c:formatCode>
                 <c:ptCount val="15"/>
                 <c:pt idx="0">
-                  <c:v>6.46</c:v>
+                  <c:v>31.92</c:v>
                 </c:pt>
                 <c:pt idx="1">
-                  <c:v>6.12</c:v>
+                  <c:v>33.619999999999997</c:v>
                 </c:pt>
                 <c:pt idx="2">
-                  <c:v>5.19</c:v>
+                  <c:v>36.68</c:v>
                 </c:pt>
                 <c:pt idx="3">
-                  <c:v>5.29</c:v>
+                  <c:v>37.28</c:v>
                 </c:pt>
                 <c:pt idx="4">
-                  <c:v>5.14</c:v>
+                  <c:v>38.19</c:v>
                 </c:pt>
                 <c:pt idx="5">
-                  <c:v>5.19</c:v>
+                  <c:v>38.57</c:v>
                 </c:pt>
                 <c:pt idx="6">
-                  <c:v>5.0999999999999996</c:v>
+                  <c:v>39.729999999999997</c:v>
                 </c:pt>
                 <c:pt idx="7">
-                  <c:v>5.43</c:v>
+                  <c:v>31.7</c:v>
                 </c:pt>
                 <c:pt idx="8">
-                  <c:v>5.79</c:v>
+                  <c:v>31.95</c:v>
                 </c:pt>
                 <c:pt idx="9">
-                  <c:v>5.77</c:v>
+                  <c:v>32.22</c:v>
                 </c:pt>
                 <c:pt idx="10">
-                  <c:v>5.76</c:v>
+                  <c:v>32.020000000000003</c:v>
                 </c:pt>
                 <c:pt idx="11">
-                  <c:v>6.13</c:v>
+                  <c:v>30.05</c:v>
                 </c:pt>
                 <c:pt idx="12">
-                  <c:v>5.58</c:v>
+                  <c:v>36.04</c:v>
                 </c:pt>
                 <c:pt idx="13">
-                  <c:v>5.24</c:v>
+                  <c:v>35.340000000000003</c:v>
                 </c:pt>
                 <c:pt idx="14">
-                  <c:v>4.9400000000000004</c:v>
+                  <c:v>35.15</c:v>
                 </c:pt>
               </c:numCache>
             </c:numRef>
@@ -2392,7 +2394,7 @@
           <c:smooth val="0"/>
           <c:extLst>
             <c:ext xmlns:c16="http://schemas.microsoft.com/office/drawing/2014/chart" uri="{C3380CC4-5D6E-409C-BE32-E72D297353CC}">
-              <c16:uniqueId val="{00000000-7D6E-4508-8C18-8F0EFA0772A5}"/>
+              <c16:uniqueId val="{00000000-3E9C-45DA-BB1A-9CB2F7D97A11}"/>
             </c:ext>
           </c:extLst>
         </c:ser>
@@ -2405,7 +2407,7 @@
               <c:strCache>
                 <c:ptCount val="1"/>
                 <c:pt idx="0">
-                  <c:v>Female</c:v>
+                  <c:v>Male</c:v>
                 </c:pt>
               </c:strCache>
             </c:strRef>
@@ -2492,52 +2494,52 @@
             <c:numRef>
               <c:f>Sex!$C$2:$C$16</c:f>
               <c:numCache>
-                <c:formatCode>General</c:formatCode>
+                <c:formatCode>0.0</c:formatCode>
                 <c:ptCount val="15"/>
                 <c:pt idx="0">
-                  <c:v>6.24</c:v>
+                  <c:v>37.270000000000003</c:v>
                 </c:pt>
                 <c:pt idx="1">
-                  <c:v>5.87</c:v>
+                  <c:v>38.700000000000003</c:v>
                 </c:pt>
                 <c:pt idx="2">
-                  <c:v>5.38</c:v>
+                  <c:v>42.03</c:v>
                 </c:pt>
                 <c:pt idx="3">
-                  <c:v>5.32</c:v>
+                  <c:v>42.31</c:v>
                 </c:pt>
                 <c:pt idx="4">
-                  <c:v>4.99</c:v>
+                  <c:v>42.86</c:v>
                 </c:pt>
                 <c:pt idx="5">
-                  <c:v>4.87</c:v>
+                  <c:v>43.2</c:v>
                 </c:pt>
                 <c:pt idx="6">
-                  <c:v>4.72</c:v>
+                  <c:v>44.51</c:v>
                 </c:pt>
                 <c:pt idx="7">
-                  <c:v>4.76</c:v>
+                  <c:v>36.049999999999997</c:v>
                 </c:pt>
                 <c:pt idx="8">
-                  <c:v>5.14</c:v>
+                  <c:v>36.47</c:v>
                 </c:pt>
                 <c:pt idx="9">
-                  <c:v>5.14</c:v>
+                  <c:v>36.19</c:v>
                 </c:pt>
                 <c:pt idx="10">
-                  <c:v>5.15</c:v>
+                  <c:v>35.56</c:v>
                 </c:pt>
                 <c:pt idx="11">
-                  <c:v>5.64</c:v>
+                  <c:v>33.9</c:v>
                 </c:pt>
                 <c:pt idx="12">
-                  <c:v>5.16</c:v>
+                  <c:v>40.090000000000003</c:v>
                 </c:pt>
                 <c:pt idx="13">
-                  <c:v>5.03</c:v>
+                  <c:v>38.590000000000003</c:v>
                 </c:pt>
                 <c:pt idx="14">
-                  <c:v>4.75</c:v>
+                  <c:v>37.71</c:v>
                 </c:pt>
               </c:numCache>
             </c:numRef>
@@ -2545,7 +2547,7 @@
           <c:smooth val="0"/>
           <c:extLst>
             <c:ext xmlns:c16="http://schemas.microsoft.com/office/drawing/2014/chart" uri="{C3380CC4-5D6E-409C-BE32-E72D297353CC}">
-              <c16:uniqueId val="{00000001-7D6E-4508-8C18-8F0EFA0772A5}"/>
+              <c16:uniqueId val="{00000001-3E9C-45DA-BB1A-9CB2F7D97A11}"/>
             </c:ext>
           </c:extLst>
         </c:ser>
@@ -2558,7 +2560,7 @@
               <c:strCache>
                 <c:ptCount val="1"/>
                 <c:pt idx="0">
-                  <c:v>Overall</c:v>
+                  <c:v>Female</c:v>
                 </c:pt>
               </c:strCache>
             </c:strRef>
@@ -2566,9 +2568,8 @@
           <c:spPr>
             <a:ln w="44450" cap="rnd">
               <a:solidFill>
-                <a:schemeClr val="tx1"/>
+                <a:schemeClr val="accent3"/>
               </a:solidFill>
-              <a:prstDash val="sysDash"/>
               <a:round/>
             </a:ln>
             <a:effectLst/>
@@ -2578,11 +2579,11 @@
             <c:size val="5"/>
             <c:spPr>
               <a:solidFill>
-                <a:schemeClr val="tx1"/>
+                <a:schemeClr val="accent3"/>
               </a:solidFill>
               <a:ln w="9525">
                 <a:solidFill>
-                  <a:schemeClr val="tx1"/>
+                  <a:schemeClr val="accent3"/>
                 </a:solidFill>
               </a:ln>
               <a:effectLst/>
@@ -2646,52 +2647,52 @@
             <c:numRef>
               <c:f>Sex!$D$2:$D$16</c:f>
               <c:numCache>
-                <c:formatCode>General</c:formatCode>
+                <c:formatCode>0.0</c:formatCode>
                 <c:ptCount val="15"/>
                 <c:pt idx="0">
-                  <c:v>6.35</c:v>
+                  <c:v>26.97</c:v>
                 </c:pt>
                 <c:pt idx="1">
-                  <c:v>5.99</c:v>
+                  <c:v>28.77</c:v>
                 </c:pt>
                 <c:pt idx="2">
-                  <c:v>5.29</c:v>
+                  <c:v>31.56</c:v>
                 </c:pt>
                 <c:pt idx="3">
-                  <c:v>5.31</c:v>
+                  <c:v>32.39</c:v>
                 </c:pt>
                 <c:pt idx="4">
-                  <c:v>5.0599999999999996</c:v>
+                  <c:v>33.5</c:v>
                 </c:pt>
                 <c:pt idx="5">
-                  <c:v>5.03</c:v>
+                  <c:v>33.79</c:v>
                 </c:pt>
                 <c:pt idx="6">
-                  <c:v>4.91</c:v>
+                  <c:v>34.75</c:v>
                 </c:pt>
                 <c:pt idx="7">
-                  <c:v>5.09</c:v>
+                  <c:v>27.05</c:v>
                 </c:pt>
                 <c:pt idx="8">
-                  <c:v>5.46</c:v>
+                  <c:v>27.14</c:v>
                 </c:pt>
                 <c:pt idx="9">
-                  <c:v>5.45</c:v>
+                  <c:v>27.98</c:v>
                 </c:pt>
                 <c:pt idx="10">
-                  <c:v>5.45</c:v>
+                  <c:v>28.1</c:v>
                 </c:pt>
                 <c:pt idx="11">
-                  <c:v>5.89</c:v>
+                  <c:v>25.86</c:v>
                 </c:pt>
                 <c:pt idx="12">
-                  <c:v>5.37</c:v>
+                  <c:v>31.67</c:v>
                 </c:pt>
                 <c:pt idx="13">
-                  <c:v>5.14</c:v>
+                  <c:v>31.85</c:v>
                 </c:pt>
                 <c:pt idx="14">
-                  <c:v>4.84</c:v>
+                  <c:v>32.39</c:v>
                 </c:pt>
               </c:numCache>
             </c:numRef>
@@ -2699,7 +2700,7 @@
           <c:smooth val="0"/>
           <c:extLst>
             <c:ext xmlns:c16="http://schemas.microsoft.com/office/drawing/2014/chart" uri="{C3380CC4-5D6E-409C-BE32-E72D297353CC}">
-              <c16:uniqueId val="{00000002-7D6E-4508-8C18-8F0EFA0772A5}"/>
+              <c16:uniqueId val="{00000002-3E9C-45DA-BB1A-9CB2F7D97A11}"/>
             </c:ext>
           </c:extLst>
         </c:ser>
@@ -2713,11 +2714,11 @@
         </c:dLbls>
         <c:marker val="1"/>
         <c:smooth val="0"/>
-        <c:axId val="498086592"/>
-        <c:axId val="498089088"/>
+        <c:axId val="541925695"/>
+        <c:axId val="541928191"/>
       </c:lineChart>
       <c:catAx>
-        <c:axId val="498086592"/>
+        <c:axId val="541925695"/>
         <c:scaling>
           <c:orientation val="minMax"/>
         </c:scaling>
@@ -2757,7 +2758,7 @@
             <a:endParaRPr lang="en-US"/>
           </a:p>
         </c:txPr>
-        <c:crossAx val="498089088"/>
+        <c:crossAx val="541928191"/>
         <c:crosses val="autoZero"/>
         <c:auto val="1"/>
         <c:lblAlgn val="ctr"/>
@@ -2766,10 +2767,9 @@
         <c:noMultiLvlLbl val="0"/>
       </c:catAx>
       <c:valAx>
-        <c:axId val="498089088"/>
+        <c:axId val="541928191"/>
         <c:scaling>
           <c:orientation val="minMax"/>
-          <c:max val="10"/>
         </c:scaling>
         <c:delete val="0"/>
         <c:axPos val="l"/>
@@ -2805,7 +2805,7 @@
                 </a:pPr>
                 <a:r>
                   <a:rPr lang="en-US"/>
-                  <a:t>CKD (%)</a:t>
+                  <a:t>Adults with CKD Stages 3-5 and ICD-9 or 10 code (%)</a:t>
                 </a:r>
               </a:p>
             </c:rich>
@@ -2864,7 +2864,7 @@
             <a:endParaRPr lang="en-US"/>
           </a:p>
         </c:txPr>
-        <c:crossAx val="498086592"/>
+        <c:crossAx val="541925695"/>
         <c:crosses val="autoZero"/>
         <c:crossBetween val="between"/>
       </c:valAx>
@@ -2967,313 +2967,7 @@
           <c:order val="0"/>
           <c:tx>
             <c:strRef>
-              <c:f>Sex!$B$21</c:f>
-              <c:strCache>
-                <c:ptCount val="1"/>
-                <c:pt idx="0">
-                  <c:v>Male</c:v>
-                </c:pt>
-              </c:strCache>
-            </c:strRef>
-          </c:tx>
-          <c:spPr>
-            <a:ln w="44450" cap="rnd">
-              <a:solidFill>
-                <a:schemeClr val="accent1"/>
-              </a:solidFill>
-              <a:round/>
-            </a:ln>
-            <a:effectLst/>
-          </c:spPr>
-          <c:marker>
-            <c:symbol val="circle"/>
-            <c:size val="5"/>
-            <c:spPr>
-              <a:solidFill>
-                <a:schemeClr val="accent1"/>
-              </a:solidFill>
-              <a:ln w="9525">
-                <a:solidFill>
-                  <a:schemeClr val="accent1"/>
-                </a:solidFill>
-              </a:ln>
-              <a:effectLst/>
-            </c:spPr>
-          </c:marker>
-          <c:cat>
-            <c:numRef>
-              <c:f>Sex!$A$22:$A$36</c:f>
-              <c:numCache>
-                <c:formatCode>General</c:formatCode>
-                <c:ptCount val="15"/>
-                <c:pt idx="0">
-                  <c:v>2009</c:v>
-                </c:pt>
-                <c:pt idx="1">
-                  <c:v>2010</c:v>
-                </c:pt>
-                <c:pt idx="2">
-                  <c:v>2011</c:v>
-                </c:pt>
-                <c:pt idx="3">
-                  <c:v>2012</c:v>
-                </c:pt>
-                <c:pt idx="4">
-                  <c:v>2013</c:v>
-                </c:pt>
-                <c:pt idx="5">
-                  <c:v>2014</c:v>
-                </c:pt>
-                <c:pt idx="6">
-                  <c:v>2015</c:v>
-                </c:pt>
-                <c:pt idx="7">
-                  <c:v>2016</c:v>
-                </c:pt>
-                <c:pt idx="8">
-                  <c:v>2017</c:v>
-                </c:pt>
-                <c:pt idx="9">
-                  <c:v>2018</c:v>
-                </c:pt>
-                <c:pt idx="10">
-                  <c:v>2019</c:v>
-                </c:pt>
-                <c:pt idx="11">
-                  <c:v>2020</c:v>
-                </c:pt>
-                <c:pt idx="12">
-                  <c:v>2021</c:v>
-                </c:pt>
-                <c:pt idx="13">
-                  <c:v>2022</c:v>
-                </c:pt>
-                <c:pt idx="14">
-                  <c:v>2023</c:v>
-                </c:pt>
-              </c:numCache>
-            </c:numRef>
-          </c:cat>
-          <c:val>
-            <c:numRef>
-              <c:f>Sex!$B$22:$B$36</c:f>
-              <c:numCache>
-                <c:formatCode>0.00</c:formatCode>
-                <c:ptCount val="15"/>
-                <c:pt idx="0">
-                  <c:v>7.6828500000000002</c:v>
-                </c:pt>
-                <c:pt idx="1">
-                  <c:v>7.4261699999999999</c:v>
-                </c:pt>
-                <c:pt idx="2">
-                  <c:v>6.7838000000000003</c:v>
-                </c:pt>
-                <c:pt idx="3">
-                  <c:v>6.8992300000000002</c:v>
-                </c:pt>
-                <c:pt idx="4">
-                  <c:v>6.5240200000000002</c:v>
-                </c:pt>
-                <c:pt idx="5">
-                  <c:v>6.4065500000000002</c:v>
-                </c:pt>
-                <c:pt idx="6">
-                  <c:v>6.1879200000000001</c:v>
-                </c:pt>
-                <c:pt idx="7">
-                  <c:v>6.35</c:v>
-                </c:pt>
-                <c:pt idx="8">
-                  <c:v>6.61</c:v>
-                </c:pt>
-                <c:pt idx="9">
-                  <c:v>6.55</c:v>
-                </c:pt>
-                <c:pt idx="10">
-                  <c:v>6.69</c:v>
-                </c:pt>
-                <c:pt idx="11">
-                  <c:v>6.82</c:v>
-                </c:pt>
-                <c:pt idx="12">
-                  <c:v>6.35</c:v>
-                </c:pt>
-                <c:pt idx="13">
-                  <c:v>6.11</c:v>
-                </c:pt>
-                <c:pt idx="14">
-                  <c:v>5.8</c:v>
-                </c:pt>
-              </c:numCache>
-            </c:numRef>
-          </c:val>
-          <c:smooth val="0"/>
-          <c:extLst>
-            <c:ext xmlns:c16="http://schemas.microsoft.com/office/drawing/2014/chart" uri="{C3380CC4-5D6E-409C-BE32-E72D297353CC}">
-              <c16:uniqueId val="{00000000-FDC7-43A3-90B8-A93C02693B54}"/>
-            </c:ext>
-          </c:extLst>
-        </c:ser>
-        <c:ser>
-          <c:idx val="1"/>
-          <c:order val="1"/>
-          <c:tx>
-            <c:strRef>
-              <c:f>Sex!$C$21</c:f>
-              <c:strCache>
-                <c:ptCount val="1"/>
-                <c:pt idx="0">
-                  <c:v>Female</c:v>
-                </c:pt>
-              </c:strCache>
-            </c:strRef>
-          </c:tx>
-          <c:spPr>
-            <a:ln w="44450" cap="rnd">
-              <a:solidFill>
-                <a:schemeClr val="accent2"/>
-              </a:solidFill>
-              <a:round/>
-            </a:ln>
-            <a:effectLst/>
-          </c:spPr>
-          <c:marker>
-            <c:symbol val="circle"/>
-            <c:size val="5"/>
-            <c:spPr>
-              <a:solidFill>
-                <a:schemeClr val="accent2"/>
-              </a:solidFill>
-              <a:ln w="9525">
-                <a:solidFill>
-                  <a:schemeClr val="accent2"/>
-                </a:solidFill>
-              </a:ln>
-              <a:effectLst/>
-            </c:spPr>
-          </c:marker>
-          <c:cat>
-            <c:numRef>
-              <c:f>Sex!$A$22:$A$36</c:f>
-              <c:numCache>
-                <c:formatCode>General</c:formatCode>
-                <c:ptCount val="15"/>
-                <c:pt idx="0">
-                  <c:v>2009</c:v>
-                </c:pt>
-                <c:pt idx="1">
-                  <c:v>2010</c:v>
-                </c:pt>
-                <c:pt idx="2">
-                  <c:v>2011</c:v>
-                </c:pt>
-                <c:pt idx="3">
-                  <c:v>2012</c:v>
-                </c:pt>
-                <c:pt idx="4">
-                  <c:v>2013</c:v>
-                </c:pt>
-                <c:pt idx="5">
-                  <c:v>2014</c:v>
-                </c:pt>
-                <c:pt idx="6">
-                  <c:v>2015</c:v>
-                </c:pt>
-                <c:pt idx="7">
-                  <c:v>2016</c:v>
-                </c:pt>
-                <c:pt idx="8">
-                  <c:v>2017</c:v>
-                </c:pt>
-                <c:pt idx="9">
-                  <c:v>2018</c:v>
-                </c:pt>
-                <c:pt idx="10">
-                  <c:v>2019</c:v>
-                </c:pt>
-                <c:pt idx="11">
-                  <c:v>2020</c:v>
-                </c:pt>
-                <c:pt idx="12">
-                  <c:v>2021</c:v>
-                </c:pt>
-                <c:pt idx="13">
-                  <c:v>2022</c:v>
-                </c:pt>
-                <c:pt idx="14">
-                  <c:v>2023</c:v>
-                </c:pt>
-              </c:numCache>
-            </c:numRef>
-          </c:cat>
-          <c:val>
-            <c:numRef>
-              <c:f>Sex!$C$22:$C$36</c:f>
-              <c:numCache>
-                <c:formatCode>0.00</c:formatCode>
-                <c:ptCount val="15"/>
-                <c:pt idx="0">
-                  <c:v>8.2664500000000007</c:v>
-                </c:pt>
-                <c:pt idx="1">
-                  <c:v>7.83413</c:v>
-                </c:pt>
-                <c:pt idx="2">
-                  <c:v>7.2176600000000004</c:v>
-                </c:pt>
-                <c:pt idx="3">
-                  <c:v>7.1690800000000001</c:v>
-                </c:pt>
-                <c:pt idx="4">
-                  <c:v>6.60121</c:v>
-                </c:pt>
-                <c:pt idx="5">
-                  <c:v>6.2947100000000002</c:v>
-                </c:pt>
-                <c:pt idx="6">
-                  <c:v>5.9933399999999999</c:v>
-                </c:pt>
-                <c:pt idx="7">
-                  <c:v>6.02</c:v>
-                </c:pt>
-                <c:pt idx="8">
-                  <c:v>6.3</c:v>
-                </c:pt>
-                <c:pt idx="9">
-                  <c:v>6.23</c:v>
-                </c:pt>
-                <c:pt idx="10">
-                  <c:v>6.22</c:v>
-                </c:pt>
-                <c:pt idx="11">
-                  <c:v>6.44</c:v>
-                </c:pt>
-                <c:pt idx="12">
-                  <c:v>5.95</c:v>
-                </c:pt>
-                <c:pt idx="13">
-                  <c:v>5.7</c:v>
-                </c:pt>
-                <c:pt idx="14">
-                  <c:v>5.35</c:v>
-                </c:pt>
-              </c:numCache>
-            </c:numRef>
-          </c:val>
-          <c:smooth val="0"/>
-          <c:extLst>
-            <c:ext xmlns:c16="http://schemas.microsoft.com/office/drawing/2014/chart" uri="{C3380CC4-5D6E-409C-BE32-E72D297353CC}">
-              <c16:uniqueId val="{00000001-FDC7-43A3-90B8-A93C02693B54}"/>
-            </c:ext>
-          </c:extLst>
-        </c:ser>
-        <c:ser>
-          <c:idx val="2"/>
-          <c:order val="2"/>
-          <c:tx>
-            <c:strRef>
-              <c:f>Sex!$D$21</c:f>
+              <c:f>Sex!$B$22</c:f>
               <c:strCache>
                 <c:ptCount val="1"/>
                 <c:pt idx="0">
@@ -3309,7 +3003,7 @@
           </c:marker>
           <c:cat>
             <c:numRef>
-              <c:f>Sex!$A$22:$A$36</c:f>
+              <c:f>Sex!$A$23:$A$37</c:f>
               <c:numCache>
                 <c:formatCode>General</c:formatCode>
                 <c:ptCount val="15"/>
@@ -3363,54 +3057,54 @@
           </c:cat>
           <c:val>
             <c:numRef>
-              <c:f>Sex!$D$22:$D$36</c:f>
+              <c:f>Sex!$B$23:$B$37</c:f>
               <c:numCache>
-                <c:formatCode>0.00</c:formatCode>
+                <c:formatCode>0.0</c:formatCode>
                 <c:ptCount val="15"/>
                 <c:pt idx="0">
-                  <c:v>7.97</c:v>
+                  <c:v>29.73</c:v>
                 </c:pt>
                 <c:pt idx="1">
-                  <c:v>7.62</c:v>
+                  <c:v>31.65</c:v>
                 </c:pt>
                 <c:pt idx="2">
-                  <c:v>7</c:v>
+                  <c:v>34.69</c:v>
                 </c:pt>
                 <c:pt idx="3">
-                  <c:v>7.02</c:v>
+                  <c:v>35.270000000000003</c:v>
                 </c:pt>
                 <c:pt idx="4">
-                  <c:v>6.56</c:v>
+                  <c:v>36.46</c:v>
                 </c:pt>
                 <c:pt idx="5">
-                  <c:v>6.36</c:v>
+                  <c:v>36.6</c:v>
                 </c:pt>
                 <c:pt idx="6">
-                  <c:v>6.09</c:v>
+                  <c:v>37.76</c:v>
                 </c:pt>
                 <c:pt idx="7">
-                  <c:v>6.19</c:v>
+                  <c:v>30.07</c:v>
                 </c:pt>
                 <c:pt idx="8">
-                  <c:v>6.45</c:v>
+                  <c:v>30.18</c:v>
                 </c:pt>
                 <c:pt idx="9">
-                  <c:v>6.39</c:v>
+                  <c:v>29.59</c:v>
                 </c:pt>
                 <c:pt idx="10">
-                  <c:v>6.46</c:v>
+                  <c:v>28.53</c:v>
                 </c:pt>
                 <c:pt idx="11">
-                  <c:v>6.63</c:v>
+                  <c:v>28.51</c:v>
                 </c:pt>
                 <c:pt idx="12">
-                  <c:v>6.16</c:v>
+                  <c:v>32.14</c:v>
                 </c:pt>
                 <c:pt idx="13">
-                  <c:v>5.91</c:v>
+                  <c:v>31.62</c:v>
                 </c:pt>
                 <c:pt idx="14">
-                  <c:v>5.58</c:v>
+                  <c:v>30.73</c:v>
                 </c:pt>
               </c:numCache>
             </c:numRef>
@@ -3418,7 +3112,313 @@
           <c:smooth val="0"/>
           <c:extLst>
             <c:ext xmlns:c16="http://schemas.microsoft.com/office/drawing/2014/chart" uri="{C3380CC4-5D6E-409C-BE32-E72D297353CC}">
-              <c16:uniqueId val="{00000002-FDC7-43A3-90B8-A93C02693B54}"/>
+              <c16:uniqueId val="{00000000-5C14-474F-B8B4-930C0C32DCB3}"/>
+            </c:ext>
+          </c:extLst>
+        </c:ser>
+        <c:ser>
+          <c:idx val="1"/>
+          <c:order val="1"/>
+          <c:tx>
+            <c:strRef>
+              <c:f>Sex!$C$22</c:f>
+              <c:strCache>
+                <c:ptCount val="1"/>
+                <c:pt idx="0">
+                  <c:v>Male</c:v>
+                </c:pt>
+              </c:strCache>
+            </c:strRef>
+          </c:tx>
+          <c:spPr>
+            <a:ln w="44450" cap="rnd">
+              <a:solidFill>
+                <a:schemeClr val="accent2"/>
+              </a:solidFill>
+              <a:round/>
+            </a:ln>
+            <a:effectLst/>
+          </c:spPr>
+          <c:marker>
+            <c:symbol val="circle"/>
+            <c:size val="5"/>
+            <c:spPr>
+              <a:solidFill>
+                <a:schemeClr val="accent2"/>
+              </a:solidFill>
+              <a:ln w="9525">
+                <a:solidFill>
+                  <a:schemeClr val="accent2"/>
+                </a:solidFill>
+              </a:ln>
+              <a:effectLst/>
+            </c:spPr>
+          </c:marker>
+          <c:cat>
+            <c:numRef>
+              <c:f>Sex!$A$23:$A$37</c:f>
+              <c:numCache>
+                <c:formatCode>General</c:formatCode>
+                <c:ptCount val="15"/>
+                <c:pt idx="0">
+                  <c:v>2009</c:v>
+                </c:pt>
+                <c:pt idx="1">
+                  <c:v>2010</c:v>
+                </c:pt>
+                <c:pt idx="2">
+                  <c:v>2011</c:v>
+                </c:pt>
+                <c:pt idx="3">
+                  <c:v>2012</c:v>
+                </c:pt>
+                <c:pt idx="4">
+                  <c:v>2013</c:v>
+                </c:pt>
+                <c:pt idx="5">
+                  <c:v>2014</c:v>
+                </c:pt>
+                <c:pt idx="6">
+                  <c:v>2015</c:v>
+                </c:pt>
+                <c:pt idx="7">
+                  <c:v>2016</c:v>
+                </c:pt>
+                <c:pt idx="8">
+                  <c:v>2017</c:v>
+                </c:pt>
+                <c:pt idx="9">
+                  <c:v>2018</c:v>
+                </c:pt>
+                <c:pt idx="10">
+                  <c:v>2019</c:v>
+                </c:pt>
+                <c:pt idx="11">
+                  <c:v>2020</c:v>
+                </c:pt>
+                <c:pt idx="12">
+                  <c:v>2021</c:v>
+                </c:pt>
+                <c:pt idx="13">
+                  <c:v>2022</c:v>
+                </c:pt>
+                <c:pt idx="14">
+                  <c:v>2023</c:v>
+                </c:pt>
+              </c:numCache>
+            </c:numRef>
+          </c:cat>
+          <c:val>
+            <c:numRef>
+              <c:f>Sex!$C$23:$C$37</c:f>
+              <c:numCache>
+                <c:formatCode>0.0</c:formatCode>
+                <c:ptCount val="15"/>
+                <c:pt idx="0">
+                  <c:v>32.201799999999999</c:v>
+                </c:pt>
+                <c:pt idx="1">
+                  <c:v>33.734299999999998</c:v>
+                </c:pt>
+                <c:pt idx="2">
+                  <c:v>36.997399999999999</c:v>
+                </c:pt>
+                <c:pt idx="3">
+                  <c:v>37.340800000000002</c:v>
+                </c:pt>
+                <c:pt idx="4">
+                  <c:v>37.836300000000001</c:v>
+                </c:pt>
+                <c:pt idx="5">
+                  <c:v>37.292499999999997</c:v>
+                </c:pt>
+                <c:pt idx="6">
+                  <c:v>38.416600000000003</c:v>
+                </c:pt>
+                <c:pt idx="7">
+                  <c:v>31.25</c:v>
+                </c:pt>
+                <c:pt idx="8">
+                  <c:v>30.77</c:v>
+                </c:pt>
+                <c:pt idx="9">
+                  <c:v>29.66</c:v>
+                </c:pt>
+                <c:pt idx="10">
+                  <c:v>28.51</c:v>
+                </c:pt>
+                <c:pt idx="11">
+                  <c:v>28.3</c:v>
+                </c:pt>
+                <c:pt idx="12">
+                  <c:v>32.17</c:v>
+                </c:pt>
+                <c:pt idx="13">
+                  <c:v>31.05</c:v>
+                </c:pt>
+                <c:pt idx="14">
+                  <c:v>30.25</c:v>
+                </c:pt>
+              </c:numCache>
+            </c:numRef>
+          </c:val>
+          <c:smooth val="0"/>
+          <c:extLst>
+            <c:ext xmlns:c16="http://schemas.microsoft.com/office/drawing/2014/chart" uri="{C3380CC4-5D6E-409C-BE32-E72D297353CC}">
+              <c16:uniqueId val="{00000001-5C14-474F-B8B4-930C0C32DCB3}"/>
+            </c:ext>
+          </c:extLst>
+        </c:ser>
+        <c:ser>
+          <c:idx val="2"/>
+          <c:order val="2"/>
+          <c:tx>
+            <c:strRef>
+              <c:f>Sex!$D$22</c:f>
+              <c:strCache>
+                <c:ptCount val="1"/>
+                <c:pt idx="0">
+                  <c:v>Female</c:v>
+                </c:pt>
+              </c:strCache>
+            </c:strRef>
+          </c:tx>
+          <c:spPr>
+            <a:ln w="44450" cap="rnd">
+              <a:solidFill>
+                <a:schemeClr val="accent3"/>
+              </a:solidFill>
+              <a:round/>
+            </a:ln>
+            <a:effectLst/>
+          </c:spPr>
+          <c:marker>
+            <c:symbol val="circle"/>
+            <c:size val="5"/>
+            <c:spPr>
+              <a:solidFill>
+                <a:schemeClr val="accent3"/>
+              </a:solidFill>
+              <a:ln w="9525">
+                <a:solidFill>
+                  <a:schemeClr val="accent3"/>
+                </a:solidFill>
+              </a:ln>
+              <a:effectLst/>
+            </c:spPr>
+          </c:marker>
+          <c:cat>
+            <c:numRef>
+              <c:f>Sex!$A$23:$A$37</c:f>
+              <c:numCache>
+                <c:formatCode>General</c:formatCode>
+                <c:ptCount val="15"/>
+                <c:pt idx="0">
+                  <c:v>2009</c:v>
+                </c:pt>
+                <c:pt idx="1">
+                  <c:v>2010</c:v>
+                </c:pt>
+                <c:pt idx="2">
+                  <c:v>2011</c:v>
+                </c:pt>
+                <c:pt idx="3">
+                  <c:v>2012</c:v>
+                </c:pt>
+                <c:pt idx="4">
+                  <c:v>2013</c:v>
+                </c:pt>
+                <c:pt idx="5">
+                  <c:v>2014</c:v>
+                </c:pt>
+                <c:pt idx="6">
+                  <c:v>2015</c:v>
+                </c:pt>
+                <c:pt idx="7">
+                  <c:v>2016</c:v>
+                </c:pt>
+                <c:pt idx="8">
+                  <c:v>2017</c:v>
+                </c:pt>
+                <c:pt idx="9">
+                  <c:v>2018</c:v>
+                </c:pt>
+                <c:pt idx="10">
+                  <c:v>2019</c:v>
+                </c:pt>
+                <c:pt idx="11">
+                  <c:v>2020</c:v>
+                </c:pt>
+                <c:pt idx="12">
+                  <c:v>2021</c:v>
+                </c:pt>
+                <c:pt idx="13">
+                  <c:v>2022</c:v>
+                </c:pt>
+                <c:pt idx="14">
+                  <c:v>2023</c:v>
+                </c:pt>
+              </c:numCache>
+            </c:numRef>
+          </c:cat>
+          <c:val>
+            <c:numRef>
+              <c:f>Sex!$D$23:$D$37</c:f>
+              <c:numCache>
+                <c:formatCode>0.0</c:formatCode>
+                <c:ptCount val="15"/>
+                <c:pt idx="0">
+                  <c:v>27.5535</c:v>
+                </c:pt>
+                <c:pt idx="1">
+                  <c:v>29.956099999999999</c:v>
+                </c:pt>
+                <c:pt idx="2">
+                  <c:v>32.755299999999998</c:v>
+                </c:pt>
+                <c:pt idx="3">
+                  <c:v>33.5563</c:v>
+                </c:pt>
+                <c:pt idx="4">
+                  <c:v>35.301200000000001</c:v>
+                </c:pt>
+                <c:pt idx="5">
+                  <c:v>36.331600000000002</c:v>
+                </c:pt>
+                <c:pt idx="6">
+                  <c:v>37.752699999999997</c:v>
+                </c:pt>
+                <c:pt idx="7">
+                  <c:v>29.32</c:v>
+                </c:pt>
+                <c:pt idx="8">
+                  <c:v>30.53</c:v>
+                </c:pt>
+                <c:pt idx="9">
+                  <c:v>30.17</c:v>
+                </c:pt>
+                <c:pt idx="10">
+                  <c:v>29.75</c:v>
+                </c:pt>
+                <c:pt idx="11">
+                  <c:v>29.92</c:v>
+                </c:pt>
+                <c:pt idx="12">
+                  <c:v>33.4</c:v>
+                </c:pt>
+                <c:pt idx="13">
+                  <c:v>33.5</c:v>
+                </c:pt>
+                <c:pt idx="14">
+                  <c:v>32.590000000000003</c:v>
+                </c:pt>
+              </c:numCache>
+            </c:numRef>
+          </c:val>
+          <c:smooth val="0"/>
+          <c:extLst>
+            <c:ext xmlns:c16="http://schemas.microsoft.com/office/drawing/2014/chart" uri="{C3380CC4-5D6E-409C-BE32-E72D297353CC}">
+              <c16:uniqueId val="{00000002-5C14-474F-B8B4-930C0C32DCB3}"/>
             </c:ext>
           </c:extLst>
         </c:ser>
@@ -3432,11 +3432,11 @@
         </c:dLbls>
         <c:marker val="1"/>
         <c:smooth val="0"/>
-        <c:axId val="492715488"/>
-        <c:axId val="492717568"/>
+        <c:axId val="590515887"/>
+        <c:axId val="590516719"/>
       </c:lineChart>
       <c:catAx>
-        <c:axId val="492715488"/>
+        <c:axId val="590515887"/>
         <c:scaling>
           <c:orientation val="minMax"/>
         </c:scaling>
@@ -3476,20 +3476,19 @@
             <a:endParaRPr lang="en-US"/>
           </a:p>
         </c:txPr>
-        <c:crossAx val="492717568"/>
+        <c:crossAx val="590516719"/>
         <c:crosses val="autoZero"/>
         <c:auto val="1"/>
         <c:lblAlgn val="ctr"/>
         <c:lblOffset val="100"/>
         <c:tickLblSkip val="2"/>
-        <c:tickMarkSkip val="1"/>
         <c:noMultiLvlLbl val="0"/>
       </c:catAx>
       <c:valAx>
-        <c:axId val="492717568"/>
+        <c:axId val="590516719"/>
         <c:scaling>
           <c:orientation val="minMax"/>
-          <c:max val="10"/>
+          <c:max val="50"/>
         </c:scaling>
         <c:delete val="0"/>
         <c:axPos val="l"/>
@@ -3525,7 +3524,7 @@
                 </a:pPr>
                 <a:r>
                   <a:rPr lang="en-US"/>
-                  <a:t>CKD (%)</a:t>
+                  <a:t>Adults with CKD Stages 3-5 and ICD-9 or 10 code (%)</a:t>
                 </a:r>
               </a:p>
             </c:rich>
@@ -3584,8 +3583,8 @@
             <a:endParaRPr lang="en-US"/>
           </a:p>
         </c:txPr>
-        <c:crossAx val="492715488"/>
-        <c:crossesAt val="1"/>
+        <c:crossAx val="590515887"/>
+        <c:crosses val="autoZero"/>
         <c:crossBetween val="between"/>
       </c:valAx>
       <c:spPr>
@@ -3683,10 +3682,10 @@
           <c:layoutTarget val="inner"/>
           <c:xMode val="edge"/>
           <c:yMode val="edge"/>
-          <c:x val="0.10154356955380578"/>
-          <c:y val="6.0131889763779527E-2"/>
-          <c:w val="0.88623420822397203"/>
-          <c:h val="0.53282239720034996"/>
+          <c:x val="0.11691224846894137"/>
+          <c:y val="7.7972709551656916E-2"/>
+          <c:w val="0.88308775153105856"/>
+          <c:h val="0.47675984251968506"/>
         </c:manualLayout>
       </c:layout>
       <c:lineChart>
@@ -3701,16 +3700,17 @@
               <c:strCache>
                 <c:ptCount val="1"/>
                 <c:pt idx="0">
-                  <c:v>White</c:v>
+                  <c:v>Overall</c:v>
                 </c:pt>
               </c:strCache>
             </c:strRef>
           </c:tx>
           <c:spPr>
-            <a:ln w="44450" cap="rnd">
+            <a:ln w="28575" cap="rnd">
               <a:solidFill>
-                <a:schemeClr val="accent1"/>
+                <a:schemeClr val="tx1"/>
               </a:solidFill>
+              <a:prstDash val="sysDash"/>
               <a:round/>
             </a:ln>
             <a:effectLst/>
@@ -3720,11 +3720,11 @@
             <c:size val="5"/>
             <c:spPr>
               <a:solidFill>
-                <a:schemeClr val="accent1"/>
+                <a:schemeClr val="tx1"/>
               </a:solidFill>
               <a:ln w="9525">
                 <a:solidFill>
-                  <a:schemeClr val="accent1"/>
+                  <a:schemeClr val="tx1"/>
                 </a:solidFill>
               </a:ln>
               <a:effectLst/>
@@ -3788,52 +3788,52 @@
             <c:numRef>
               <c:f>Race!$B$2:$B$16</c:f>
               <c:numCache>
-                <c:formatCode>General</c:formatCode>
+                <c:formatCode>0.0</c:formatCode>
                 <c:ptCount val="15"/>
                 <c:pt idx="0">
-                  <c:v>2.63</c:v>
+                  <c:v>31.92</c:v>
                 </c:pt>
                 <c:pt idx="1">
-                  <c:v>2.5499999999999998</c:v>
+                  <c:v>33.619999999999997</c:v>
                 </c:pt>
                 <c:pt idx="2">
-                  <c:v>2.14</c:v>
+                  <c:v>36.68</c:v>
                 </c:pt>
                 <c:pt idx="3">
-                  <c:v>2.2799999999999998</c:v>
+                  <c:v>37.28</c:v>
                 </c:pt>
                 <c:pt idx="4">
-                  <c:v>2.19</c:v>
+                  <c:v>38.19</c:v>
                 </c:pt>
                 <c:pt idx="5">
-                  <c:v>2.2599999999999998</c:v>
+                  <c:v>38.57</c:v>
                 </c:pt>
                 <c:pt idx="6">
-                  <c:v>2.23</c:v>
+                  <c:v>39.729999999999997</c:v>
                 </c:pt>
                 <c:pt idx="7">
-                  <c:v>3.58</c:v>
+                  <c:v>31.7</c:v>
                 </c:pt>
                 <c:pt idx="8">
-                  <c:v>3.98</c:v>
+                  <c:v>31.95</c:v>
                 </c:pt>
                 <c:pt idx="9">
-                  <c:v>4.08</c:v>
+                  <c:v>32.22</c:v>
                 </c:pt>
                 <c:pt idx="10">
-                  <c:v>4.1399999999999997</c:v>
+                  <c:v>32.020000000000003</c:v>
                 </c:pt>
                 <c:pt idx="11">
-                  <c:v>4.63</c:v>
+                  <c:v>30.05</c:v>
                 </c:pt>
                 <c:pt idx="12">
-                  <c:v>4.28</c:v>
+                  <c:v>36.04</c:v>
                 </c:pt>
                 <c:pt idx="13">
-                  <c:v>4.0599999999999996</c:v>
+                  <c:v>35.340000000000003</c:v>
                 </c:pt>
                 <c:pt idx="14">
-                  <c:v>3.85</c:v>
+                  <c:v>35.15</c:v>
                 </c:pt>
               </c:numCache>
             </c:numRef>
@@ -3841,7 +3841,7 @@
           <c:smooth val="0"/>
           <c:extLst>
             <c:ext xmlns:c16="http://schemas.microsoft.com/office/drawing/2014/chart" uri="{C3380CC4-5D6E-409C-BE32-E72D297353CC}">
-              <c16:uniqueId val="{00000000-AFBC-4C9A-904A-724DDE23E402}"/>
+              <c16:uniqueId val="{00000000-9889-49E1-BF65-3D5027098245}"/>
             </c:ext>
           </c:extLst>
         </c:ser>
@@ -3854,13 +3854,13 @@
               <c:strCache>
                 <c:ptCount val="1"/>
                 <c:pt idx="0">
-                  <c:v>Black</c:v>
+                  <c:v>White</c:v>
                 </c:pt>
               </c:strCache>
             </c:strRef>
           </c:tx>
           <c:spPr>
-            <a:ln w="44450" cap="rnd">
+            <a:ln w="28575" cap="rnd">
               <a:solidFill>
                 <a:schemeClr val="accent2"/>
               </a:solidFill>
@@ -3944,49 +3944,49 @@
                 <c:formatCode>General</c:formatCode>
                 <c:ptCount val="15"/>
                 <c:pt idx="0">
-                  <c:v>6.02</c:v>
+                  <c:v>31.2</c:v>
                 </c:pt>
                 <c:pt idx="1">
-                  <c:v>5.74</c:v>
+                  <c:v>32.36</c:v>
                 </c:pt>
                 <c:pt idx="2">
-                  <c:v>5.0599999999999996</c:v>
+                  <c:v>36.18</c:v>
                 </c:pt>
                 <c:pt idx="3">
-                  <c:v>5.2</c:v>
+                  <c:v>35.96</c:v>
                 </c:pt>
                 <c:pt idx="4">
-                  <c:v>5.29</c:v>
+                  <c:v>37.659999999999997</c:v>
                 </c:pt>
                 <c:pt idx="5">
-                  <c:v>5.47</c:v>
+                  <c:v>37.630000000000003</c:v>
                 </c:pt>
                 <c:pt idx="6">
-                  <c:v>5.6</c:v>
+                  <c:v>39.19</c:v>
                 </c:pt>
                 <c:pt idx="7">
-                  <c:v>7.04</c:v>
+                  <c:v>30.31</c:v>
                 </c:pt>
                 <c:pt idx="8">
-                  <c:v>7.66</c:v>
+                  <c:v>31.11</c:v>
                 </c:pt>
                 <c:pt idx="9">
-                  <c:v>8.01</c:v>
+                  <c:v>31.32</c:v>
                 </c:pt>
                 <c:pt idx="10">
-                  <c:v>8.33</c:v>
+                  <c:v>31.32</c:v>
                 </c:pt>
                 <c:pt idx="11">
-                  <c:v>8.98</c:v>
+                  <c:v>29.71</c:v>
                 </c:pt>
                 <c:pt idx="12">
-                  <c:v>8.4499999999999993</c:v>
+                  <c:v>35.409999999999997</c:v>
                 </c:pt>
                 <c:pt idx="13">
-                  <c:v>8.39</c:v>
+                  <c:v>34.92</c:v>
                 </c:pt>
                 <c:pt idx="14">
-                  <c:v>8.1300000000000008</c:v>
+                  <c:v>34.44</c:v>
                 </c:pt>
               </c:numCache>
             </c:numRef>
@@ -3994,7 +3994,7 @@
           <c:smooth val="0"/>
           <c:extLst>
             <c:ext xmlns:c16="http://schemas.microsoft.com/office/drawing/2014/chart" uri="{C3380CC4-5D6E-409C-BE32-E72D297353CC}">
-              <c16:uniqueId val="{00000001-AFBC-4C9A-904A-724DDE23E402}"/>
+              <c16:uniqueId val="{00000001-9889-49E1-BF65-3D5027098245}"/>
             </c:ext>
           </c:extLst>
         </c:ser>
@@ -4007,13 +4007,13 @@
               <c:strCache>
                 <c:ptCount val="1"/>
                 <c:pt idx="0">
-                  <c:v>American Indian/Alaska Native</c:v>
+                  <c:v>Black</c:v>
                 </c:pt>
               </c:strCache>
             </c:strRef>
           </c:tx>
           <c:spPr>
-            <a:ln w="44450" cap="rnd">
+            <a:ln w="28575" cap="rnd">
               <a:solidFill>
                 <a:schemeClr val="accent3"/>
               </a:solidFill>
@@ -4097,49 +4097,49 @@
                 <c:formatCode>General</c:formatCode>
                 <c:ptCount val="15"/>
                 <c:pt idx="0">
-                  <c:v>2.33</c:v>
+                  <c:v>30.27</c:v>
                 </c:pt>
                 <c:pt idx="1">
-                  <c:v>2.1800000000000002</c:v>
+                  <c:v>32.58</c:v>
                 </c:pt>
                 <c:pt idx="2">
-                  <c:v>1.89</c:v>
+                  <c:v>36.69</c:v>
                 </c:pt>
                 <c:pt idx="3">
-                  <c:v>1.9</c:v>
+                  <c:v>37.770000000000003</c:v>
                 </c:pt>
                 <c:pt idx="4">
-                  <c:v>1.62</c:v>
+                  <c:v>37.270000000000003</c:v>
                 </c:pt>
                 <c:pt idx="5">
-                  <c:v>1.95</c:v>
+                  <c:v>36.909999999999997</c:v>
                 </c:pt>
                 <c:pt idx="6">
-                  <c:v>2.11</c:v>
+                  <c:v>38.200000000000003</c:v>
                 </c:pt>
                 <c:pt idx="7">
-                  <c:v>2.27</c:v>
+                  <c:v>31.62</c:v>
                 </c:pt>
                 <c:pt idx="8">
-                  <c:v>2.78</c:v>
+                  <c:v>31.2</c:v>
                 </c:pt>
                 <c:pt idx="9">
-                  <c:v>2.76</c:v>
+                  <c:v>31.43</c:v>
                 </c:pt>
                 <c:pt idx="10">
-                  <c:v>2.86</c:v>
+                  <c:v>31.2</c:v>
                 </c:pt>
                 <c:pt idx="11">
-                  <c:v>3.23</c:v>
+                  <c:v>29.66</c:v>
                 </c:pt>
                 <c:pt idx="12">
-                  <c:v>2.79</c:v>
+                  <c:v>35.96</c:v>
                 </c:pt>
                 <c:pt idx="13">
-                  <c:v>2.48</c:v>
+                  <c:v>34.68</c:v>
                 </c:pt>
                 <c:pt idx="14">
-                  <c:v>2.64</c:v>
+                  <c:v>35</c:v>
                 </c:pt>
               </c:numCache>
             </c:numRef>
@@ -4147,7 +4147,7 @@
           <c:smooth val="0"/>
           <c:extLst>
             <c:ext xmlns:c16="http://schemas.microsoft.com/office/drawing/2014/chart" uri="{C3380CC4-5D6E-409C-BE32-E72D297353CC}">
-              <c16:uniqueId val="{00000002-AFBC-4C9A-904A-724DDE23E402}"/>
+              <c16:uniqueId val="{00000002-9889-49E1-BF65-3D5027098245}"/>
             </c:ext>
           </c:extLst>
         </c:ser>
@@ -4160,13 +4160,13 @@
               <c:strCache>
                 <c:ptCount val="1"/>
                 <c:pt idx="0">
-                  <c:v>Asian/Pacific Islander</c:v>
+                  <c:v>Unknown</c:v>
                 </c:pt>
               </c:strCache>
             </c:strRef>
           </c:tx>
           <c:spPr>
-            <a:ln w="44450" cap="rnd">
+            <a:ln w="28575" cap="rnd">
               <a:solidFill>
                 <a:schemeClr val="accent4"/>
               </a:solidFill>
@@ -4250,49 +4250,49 @@
                 <c:formatCode>General</c:formatCode>
                 <c:ptCount val="15"/>
                 <c:pt idx="0">
-                  <c:v>1.94</c:v>
+                  <c:v>37.979999999999997</c:v>
                 </c:pt>
                 <c:pt idx="1">
-                  <c:v>1.82</c:v>
+                  <c:v>39.5</c:v>
                 </c:pt>
                 <c:pt idx="2">
-                  <c:v>2.66</c:v>
+                  <c:v>42.19</c:v>
                 </c:pt>
                 <c:pt idx="3">
-                  <c:v>2.5499999999999998</c:v>
+                  <c:v>42.85</c:v>
                 </c:pt>
                 <c:pt idx="4">
-                  <c:v>2.59</c:v>
+                  <c:v>43.34</c:v>
                 </c:pt>
                 <c:pt idx="5">
-                  <c:v>2.74</c:v>
+                  <c:v>44.58</c:v>
                 </c:pt>
                 <c:pt idx="6">
-                  <c:v>2.71</c:v>
+                  <c:v>45.63</c:v>
                 </c:pt>
                 <c:pt idx="7">
-                  <c:v>3.55</c:v>
+                  <c:v>37.86</c:v>
                 </c:pt>
                 <c:pt idx="8">
-                  <c:v>4.0999999999999996</c:v>
+                  <c:v>38.11</c:v>
                 </c:pt>
                 <c:pt idx="9">
-                  <c:v>4.13</c:v>
+                  <c:v>38.04</c:v>
                 </c:pt>
                 <c:pt idx="10">
-                  <c:v>4.29</c:v>
+                  <c:v>38.17</c:v>
                 </c:pt>
                 <c:pt idx="11">
-                  <c:v>5.09</c:v>
+                  <c:v>35.21</c:v>
                 </c:pt>
                 <c:pt idx="12">
-                  <c:v>4.5999999999999996</c:v>
+                  <c:v>40.72</c:v>
                 </c:pt>
                 <c:pt idx="13">
-                  <c:v>4.7</c:v>
+                  <c:v>39.479999999999997</c:v>
                 </c:pt>
                 <c:pt idx="14">
-                  <c:v>4.3600000000000003</c:v>
+                  <c:v>36.74</c:v>
                 </c:pt>
               </c:numCache>
             </c:numRef>
@@ -4300,7 +4300,7 @@
           <c:smooth val="0"/>
           <c:extLst>
             <c:ext xmlns:c16="http://schemas.microsoft.com/office/drawing/2014/chart" uri="{C3380CC4-5D6E-409C-BE32-E72D297353CC}">
-              <c16:uniqueId val="{00000003-AFBC-4C9A-904A-724DDE23E402}"/>
+              <c16:uniqueId val="{00000003-9889-49E1-BF65-3D5027098245}"/>
             </c:ext>
           </c:extLst>
         </c:ser>
@@ -4313,13 +4313,13 @@
               <c:strCache>
                 <c:ptCount val="1"/>
                 <c:pt idx="0">
-                  <c:v>Other</c:v>
+                  <c:v>Missing</c:v>
                 </c:pt>
               </c:strCache>
             </c:strRef>
           </c:tx>
           <c:spPr>
-            <a:ln w="44450" cap="rnd">
+            <a:ln w="28575" cap="rnd">
               <a:solidFill>
                 <a:schemeClr val="accent5"/>
               </a:solidFill>
@@ -4403,49 +4403,49 @@
                 <c:formatCode>General</c:formatCode>
                 <c:ptCount val="15"/>
                 <c:pt idx="0">
-                  <c:v>1.96</c:v>
+                  <c:v>27.81</c:v>
                 </c:pt>
                 <c:pt idx="1">
-                  <c:v>1.87</c:v>
+                  <c:v>29.57</c:v>
                 </c:pt>
                 <c:pt idx="2">
-                  <c:v>1.4</c:v>
+                  <c:v>32.31</c:v>
                 </c:pt>
                 <c:pt idx="3">
-                  <c:v>2.09</c:v>
+                  <c:v>33.18</c:v>
                 </c:pt>
                 <c:pt idx="4">
-                  <c:v>2.02</c:v>
+                  <c:v>34.32</c:v>
                 </c:pt>
                 <c:pt idx="5">
-                  <c:v>2.12</c:v>
+                  <c:v>34.44</c:v>
                 </c:pt>
                 <c:pt idx="6">
-                  <c:v>2.31</c:v>
+                  <c:v>35.71</c:v>
                 </c:pt>
                 <c:pt idx="7">
-                  <c:v>2.34</c:v>
+                  <c:v>28.57</c:v>
                 </c:pt>
                 <c:pt idx="8">
-                  <c:v>2.81</c:v>
+                  <c:v>29.51</c:v>
                 </c:pt>
                 <c:pt idx="9">
-                  <c:v>2.77</c:v>
+                  <c:v>30.02</c:v>
                 </c:pt>
                 <c:pt idx="10">
-                  <c:v>2.83</c:v>
+                  <c:v>29.9</c:v>
                 </c:pt>
                 <c:pt idx="11">
-                  <c:v>3.11</c:v>
+                  <c:v>27.26</c:v>
                 </c:pt>
                 <c:pt idx="12">
-                  <c:v>2.99</c:v>
+                  <c:v>32.47</c:v>
                 </c:pt>
                 <c:pt idx="13">
-                  <c:v>3.05</c:v>
+                  <c:v>32.770000000000003</c:v>
                 </c:pt>
                 <c:pt idx="14">
-                  <c:v>3.12</c:v>
+                  <c:v>32.83</c:v>
                 </c:pt>
               </c:numCache>
             </c:numRef>
@@ -4453,7 +4453,7 @@
           <c:smooth val="0"/>
           <c:extLst>
             <c:ext xmlns:c16="http://schemas.microsoft.com/office/drawing/2014/chart" uri="{C3380CC4-5D6E-409C-BE32-E72D297353CC}">
-              <c16:uniqueId val="{00000004-AFBC-4C9A-904A-724DDE23E402}"/>
+              <c16:uniqueId val="{00000004-9889-49E1-BF65-3D5027098245}"/>
             </c:ext>
           </c:extLst>
         </c:ser>
@@ -4466,13 +4466,13 @@
               <c:strCache>
                 <c:ptCount val="1"/>
                 <c:pt idx="0">
-                  <c:v>Unknown</c:v>
+                  <c:v>Asian/Pacific Islander</c:v>
                 </c:pt>
               </c:strCache>
             </c:strRef>
           </c:tx>
           <c:spPr>
-            <a:ln w="44450" cap="rnd">
+            <a:ln w="28575" cap="rnd">
               <a:solidFill>
                 <a:schemeClr val="accent6"/>
               </a:solidFill>
@@ -4556,49 +4556,49 @@
                 <c:formatCode>General</c:formatCode>
                 <c:ptCount val="15"/>
                 <c:pt idx="0">
-                  <c:v>18.32</c:v>
+                  <c:v>36.5</c:v>
                 </c:pt>
                 <c:pt idx="1">
-                  <c:v>18.149999999999999</c:v>
+                  <c:v>38.15</c:v>
                 </c:pt>
                 <c:pt idx="2">
-                  <c:v>17.34</c:v>
+                  <c:v>44.13</c:v>
                 </c:pt>
                 <c:pt idx="3">
-                  <c:v>17.559999999999999</c:v>
+                  <c:v>41.59</c:v>
                 </c:pt>
                 <c:pt idx="4">
-                  <c:v>16.739999999999998</c:v>
+                  <c:v>43.97</c:v>
                 </c:pt>
                 <c:pt idx="5">
-                  <c:v>16.54</c:v>
+                  <c:v>47.46</c:v>
                 </c:pt>
                 <c:pt idx="6">
-                  <c:v>15.72</c:v>
+                  <c:v>46.51</c:v>
                 </c:pt>
                 <c:pt idx="7">
-                  <c:v>14.35</c:v>
+                  <c:v>34.94</c:v>
                 </c:pt>
                 <c:pt idx="8">
-                  <c:v>12.97</c:v>
+                  <c:v>32.950000000000003</c:v>
                 </c:pt>
                 <c:pt idx="9">
-                  <c:v>10.69</c:v>
+                  <c:v>36.159999999999997</c:v>
                 </c:pt>
                 <c:pt idx="10">
-                  <c:v>9.59</c:v>
+                  <c:v>35.26</c:v>
                 </c:pt>
                 <c:pt idx="11">
-                  <c:v>9.34</c:v>
+                  <c:v>32.15</c:v>
                 </c:pt>
                 <c:pt idx="12">
-                  <c:v>7.56</c:v>
+                  <c:v>40.229999999999997</c:v>
                 </c:pt>
                 <c:pt idx="13">
-                  <c:v>6.62</c:v>
+                  <c:v>39.799999999999997</c:v>
                 </c:pt>
                 <c:pt idx="14">
-                  <c:v>5.69</c:v>
+                  <c:v>41.34</c:v>
                 </c:pt>
               </c:numCache>
             </c:numRef>
@@ -4606,7 +4606,7 @@
           <c:smooth val="0"/>
           <c:extLst>
             <c:ext xmlns:c16="http://schemas.microsoft.com/office/drawing/2014/chart" uri="{C3380CC4-5D6E-409C-BE32-E72D297353CC}">
-              <c16:uniqueId val="{00000005-AFBC-4C9A-904A-724DDE23E402}"/>
+              <c16:uniqueId val="{00000005-9889-49E1-BF65-3D5027098245}"/>
             </c:ext>
           </c:extLst>
         </c:ser>
@@ -4619,13 +4619,13 @@
               <c:strCache>
                 <c:ptCount val="1"/>
                 <c:pt idx="0">
-                  <c:v>Missing</c:v>
+                  <c:v>American Indian/Alaska Native</c:v>
                 </c:pt>
               </c:strCache>
             </c:strRef>
           </c:tx>
           <c:spPr>
-            <a:ln w="44450" cap="rnd">
+            <a:ln w="28575" cap="rnd">
               <a:solidFill>
                 <a:schemeClr val="accent1">
                   <a:lumMod val="60000"/>
@@ -4715,49 +4715,49 @@
                 <c:formatCode>General</c:formatCode>
                 <c:ptCount val="15"/>
                 <c:pt idx="0">
-                  <c:v>8.06</c:v>
+                  <c:v>28.79</c:v>
                 </c:pt>
                 <c:pt idx="1">
-                  <c:v>7.53</c:v>
+                  <c:v>35.61</c:v>
                 </c:pt>
                 <c:pt idx="2">
-                  <c:v>6.95</c:v>
+                  <c:v>33.869999999999997</c:v>
                 </c:pt>
                 <c:pt idx="3">
-                  <c:v>6.77</c:v>
+                  <c:v>36.43</c:v>
                 </c:pt>
                 <c:pt idx="4">
-                  <c:v>6.34</c:v>
+                  <c:v>43.36</c:v>
                 </c:pt>
                 <c:pt idx="5">
-                  <c:v>6.1</c:v>
+                  <c:v>41.54</c:v>
                 </c:pt>
                 <c:pt idx="6">
-                  <c:v>5.89</c:v>
+                  <c:v>43.61</c:v>
                 </c:pt>
                 <c:pt idx="7">
-                  <c:v>6.01</c:v>
+                  <c:v>30.59</c:v>
                 </c:pt>
                 <c:pt idx="8">
-                  <c:v>6.61</c:v>
+                  <c:v>29.47</c:v>
                 </c:pt>
                 <c:pt idx="9">
-                  <c:v>6.67</c:v>
+                  <c:v>33.33</c:v>
                 </c:pt>
                 <c:pt idx="10">
-                  <c:v>6.85</c:v>
+                  <c:v>32.86</c:v>
                 </c:pt>
                 <c:pt idx="11">
-                  <c:v>7.34</c:v>
+                  <c:v>33.909999999999997</c:v>
                 </c:pt>
                 <c:pt idx="12">
-                  <c:v>6.48</c:v>
+                  <c:v>31.43</c:v>
                 </c:pt>
                 <c:pt idx="13">
-                  <c:v>6.4</c:v>
+                  <c:v>34.869999999999997</c:v>
                 </c:pt>
                 <c:pt idx="14">
-                  <c:v>5.87</c:v>
+                  <c:v>30.58</c:v>
                 </c:pt>
               </c:numCache>
             </c:numRef>
@@ -4765,7 +4765,7 @@
           <c:smooth val="0"/>
           <c:extLst>
             <c:ext xmlns:c16="http://schemas.microsoft.com/office/drawing/2014/chart" uri="{C3380CC4-5D6E-409C-BE32-E72D297353CC}">
-              <c16:uniqueId val="{00000006-AFBC-4C9A-904A-724DDE23E402}"/>
+              <c16:uniqueId val="{00000006-9889-49E1-BF65-3D5027098245}"/>
             </c:ext>
           </c:extLst>
         </c:ser>
@@ -4778,17 +4778,18 @@
               <c:strCache>
                 <c:ptCount val="1"/>
                 <c:pt idx="0">
-                  <c:v>Overall</c:v>
+                  <c:v>Other</c:v>
                 </c:pt>
               </c:strCache>
             </c:strRef>
           </c:tx>
           <c:spPr>
-            <a:ln w="44450" cap="rnd">
+            <a:ln w="28575" cap="rnd">
               <a:solidFill>
-                <a:schemeClr val="tx1"/>
+                <a:schemeClr val="accent2">
+                  <a:lumMod val="60000"/>
+                </a:schemeClr>
               </a:solidFill>
-              <a:prstDash val="sysDash"/>
               <a:round/>
             </a:ln>
             <a:effectLst/>
@@ -4798,11 +4799,15 @@
             <c:size val="5"/>
             <c:spPr>
               <a:solidFill>
-                <a:schemeClr val="tx1"/>
+                <a:schemeClr val="accent2">
+                  <a:lumMod val="60000"/>
+                </a:schemeClr>
               </a:solidFill>
               <a:ln w="9525">
                 <a:solidFill>
-                  <a:schemeClr val="tx1"/>
+                  <a:schemeClr val="accent2">
+                    <a:lumMod val="60000"/>
+                  </a:schemeClr>
                 </a:solidFill>
               </a:ln>
               <a:effectLst/>
@@ -4869,49 +4874,49 @@
                 <c:formatCode>General</c:formatCode>
                 <c:ptCount val="15"/>
                 <c:pt idx="0">
-                  <c:v>6.35</c:v>
+                  <c:v>31.43</c:v>
                 </c:pt>
                 <c:pt idx="1">
-                  <c:v>5.99</c:v>
+                  <c:v>35.450000000000003</c:v>
                 </c:pt>
                 <c:pt idx="2">
-                  <c:v>5.29</c:v>
+                  <c:v>35.020000000000003</c:v>
                 </c:pt>
                 <c:pt idx="3">
-                  <c:v>5.31</c:v>
+                  <c:v>39.840000000000003</c:v>
                 </c:pt>
                 <c:pt idx="4">
-                  <c:v>5.0599999999999996</c:v>
+                  <c:v>45.76</c:v>
                 </c:pt>
                 <c:pt idx="5">
-                  <c:v>5.03</c:v>
+                  <c:v>44.32</c:v>
                 </c:pt>
                 <c:pt idx="6">
-                  <c:v>4.91</c:v>
+                  <c:v>44.08</c:v>
                 </c:pt>
                 <c:pt idx="7">
-                  <c:v>5.09</c:v>
+                  <c:v>35.93</c:v>
                 </c:pt>
                 <c:pt idx="8">
-                  <c:v>5.46</c:v>
+                  <c:v>36.700000000000003</c:v>
                 </c:pt>
                 <c:pt idx="9">
-                  <c:v>5.45</c:v>
+                  <c:v>37.58</c:v>
                 </c:pt>
                 <c:pt idx="10">
-                  <c:v>5.45</c:v>
+                  <c:v>36.1</c:v>
                 </c:pt>
                 <c:pt idx="11">
-                  <c:v>5.89</c:v>
+                  <c:v>30.83</c:v>
                 </c:pt>
                 <c:pt idx="12">
-                  <c:v>5.37</c:v>
+                  <c:v>42.72</c:v>
                 </c:pt>
                 <c:pt idx="13">
-                  <c:v>5.14</c:v>
+                  <c:v>40.200000000000003</c:v>
                 </c:pt>
                 <c:pt idx="14">
-                  <c:v>4.84</c:v>
+                  <c:v>36.270000000000003</c:v>
                 </c:pt>
               </c:numCache>
             </c:numRef>
@@ -4919,7 +4924,7 @@
           <c:smooth val="0"/>
           <c:extLst>
             <c:ext xmlns:c16="http://schemas.microsoft.com/office/drawing/2014/chart" uri="{C3380CC4-5D6E-409C-BE32-E72D297353CC}">
-              <c16:uniqueId val="{00000007-AFBC-4C9A-904A-724DDE23E402}"/>
+              <c16:uniqueId val="{00000007-9889-49E1-BF65-3D5027098245}"/>
             </c:ext>
           </c:extLst>
         </c:ser>
@@ -4933,11 +4938,11 @@
         </c:dLbls>
         <c:marker val="1"/>
         <c:smooth val="0"/>
-        <c:axId val="624155552"/>
-        <c:axId val="624155968"/>
+        <c:axId val="551974271"/>
+        <c:axId val="551980511"/>
       </c:lineChart>
       <c:catAx>
-        <c:axId val="624155552"/>
+        <c:axId val="551974271"/>
         <c:scaling>
           <c:orientation val="minMax"/>
         </c:scaling>
@@ -4977,7 +4982,7 @@
             <a:endParaRPr lang="en-US"/>
           </a:p>
         </c:txPr>
-        <c:crossAx val="624155968"/>
+        <c:crossAx val="551980511"/>
         <c:crosses val="autoZero"/>
         <c:auto val="1"/>
         <c:lblAlgn val="ctr"/>
@@ -4986,9 +4991,10 @@
         <c:noMultiLvlLbl val="0"/>
       </c:catAx>
       <c:valAx>
-        <c:axId val="624155968"/>
+        <c:axId val="551980511"/>
         <c:scaling>
           <c:orientation val="minMax"/>
+          <c:max val="60"/>
         </c:scaling>
         <c:delete val="0"/>
         <c:axPos val="l"/>
@@ -5024,7 +5030,7 @@
                 </a:pPr>
                 <a:r>
                   <a:rPr lang="en-US"/>
-                  <a:t>CKD (%)</a:t>
+                  <a:t>Adults with CKD Stages 3-5 and ICD-9 or 10 code (%)</a:t>
                 </a:r>
               </a:p>
             </c:rich>
@@ -5083,7 +5089,7 @@
             <a:endParaRPr lang="en-US"/>
           </a:p>
         </c:txPr>
-        <c:crossAx val="624155552"/>
+        <c:crossAx val="551974271"/>
         <c:crosses val="autoZero"/>
         <c:crossBetween val="between"/>
       </c:valAx>
@@ -5101,10 +5107,10 @@
         <c:manualLayout>
           <c:xMode val="edge"/>
           <c:yMode val="edge"/>
-          <c:x val="2.4279243661596419E-2"/>
-          <c:y val="0.7278122308500613"/>
-          <c:w val="0.97213807200811231"/>
-          <c:h val="0.23240858649024876"/>
+          <c:x val="0.10532178477690286"/>
+          <c:y val="0.71060226495904244"/>
+          <c:w val="0.78690043744531935"/>
+          <c:h val="0.2514742283323575"/>
         </c:manualLayout>
       </c:layout>
       <c:overlay val="0"/>
@@ -5119,7 +5125,7 @@
         <a:bodyPr rot="0" spcFirstLastPara="1" vertOverflow="ellipsis" vert="horz" wrap="square" anchor="ctr" anchorCtr="1"/>
         <a:lstStyle/>
         <a:p>
-          <a:pPr>
+          <a:pPr algn="just">
             <a:defRPr sz="2000" b="0" i="0" u="none" strike="noStrike" kern="1200" baseline="0">
               <a:solidFill>
                 <a:schemeClr val="tx1"/>
@@ -5187,17 +5193,7 @@
   <c:chart>
     <c:autoTitleDeleted val="1"/>
     <c:plotArea>
-      <c:layout>
-        <c:manualLayout>
-          <c:layoutTarget val="inner"/>
-          <c:xMode val="edge"/>
-          <c:yMode val="edge"/>
-          <c:x val="7.4156605424321953E-2"/>
-          <c:y val="4.7798556430446192E-2"/>
-          <c:w val="0.91362117235345586"/>
-          <c:h val="0.58054899387576553"/>
-        </c:manualLayout>
-      </c:layout>
+      <c:layout/>
       <c:lineChart>
         <c:grouping val="standard"/>
         <c:varyColors val="0"/>
@@ -5206,20 +5202,21 @@
           <c:order val="0"/>
           <c:tx>
             <c:strRef>
-              <c:f>Race!$B$34</c:f>
+              <c:f>Race!$B$35</c:f>
               <c:strCache>
                 <c:ptCount val="1"/>
                 <c:pt idx="0">
-                  <c:v>White</c:v>
+                  <c:v>Overall</c:v>
                 </c:pt>
               </c:strCache>
             </c:strRef>
           </c:tx>
           <c:spPr>
-            <a:ln w="44450" cap="rnd">
+            <a:ln w="28575" cap="rnd">
               <a:solidFill>
-                <a:schemeClr val="accent1"/>
+                <a:schemeClr val="tx1"/>
               </a:solidFill>
+              <a:prstDash val="sysDash"/>
               <a:round/>
             </a:ln>
             <a:effectLst/>
@@ -5229,11 +5226,11 @@
             <c:size val="5"/>
             <c:spPr>
               <a:solidFill>
-                <a:schemeClr val="accent1"/>
+                <a:schemeClr val="tx1"/>
               </a:solidFill>
               <a:ln w="9525">
                 <a:solidFill>
-                  <a:schemeClr val="accent1"/>
+                  <a:schemeClr val="tx1"/>
                 </a:solidFill>
               </a:ln>
               <a:effectLst/>
@@ -5241,7 +5238,7 @@
           </c:marker>
           <c:cat>
             <c:numRef>
-              <c:f>Race!$A$35:$A$49</c:f>
+              <c:f>Race!$A$36:$A$50</c:f>
               <c:numCache>
                 <c:formatCode>General</c:formatCode>
                 <c:ptCount val="15"/>
@@ -5295,54 +5292,54 @@
           </c:cat>
           <c:val>
             <c:numRef>
-              <c:f>Race!$B$35:$B$49</c:f>
+              <c:f>Race!$B$36:$B$50</c:f>
               <c:numCache>
-                <c:formatCode>0.00</c:formatCode>
+                <c:formatCode>0.0</c:formatCode>
                 <c:ptCount val="15"/>
                 <c:pt idx="0">
-                  <c:v>5.3789999999999996</c:v>
+                  <c:v>29.73</c:v>
                 </c:pt>
                 <c:pt idx="1">
-                  <c:v>5.2914000000000003</c:v>
+                  <c:v>31.65</c:v>
                 </c:pt>
                 <c:pt idx="2">
-                  <c:v>4.7263000000000002</c:v>
+                  <c:v>34.69</c:v>
                 </c:pt>
                 <c:pt idx="3">
-                  <c:v>4.8186</c:v>
+                  <c:v>35.270000000000003</c:v>
                 </c:pt>
                 <c:pt idx="4">
-                  <c:v>4.3982999999999999</c:v>
+                  <c:v>36.46</c:v>
                 </c:pt>
                 <c:pt idx="5">
-                  <c:v>4.2804000000000002</c:v>
+                  <c:v>36.6</c:v>
                 </c:pt>
                 <c:pt idx="6">
-                  <c:v>4.0106000000000002</c:v>
+                  <c:v>37.76</c:v>
                 </c:pt>
                 <c:pt idx="7">
-                  <c:v>4.9126099999999999</c:v>
+                  <c:v>30.07</c:v>
                 </c:pt>
                 <c:pt idx="8">
-                  <c:v>5.1886000000000001</c:v>
+                  <c:v>30.18</c:v>
                 </c:pt>
                 <c:pt idx="9">
-                  <c:v>5.1706000000000003</c:v>
+                  <c:v>29.59</c:v>
                 </c:pt>
                 <c:pt idx="10">
-                  <c:v>5.2178000000000004</c:v>
+                  <c:v>28.53</c:v>
                 </c:pt>
                 <c:pt idx="11">
-                  <c:v>5.4554999999999998</c:v>
+                  <c:v>28.51</c:v>
                 </c:pt>
                 <c:pt idx="12">
-                  <c:v>5.1063999999999998</c:v>
+                  <c:v>32.14</c:v>
                 </c:pt>
                 <c:pt idx="13">
-                  <c:v>4.8822000000000001</c:v>
+                  <c:v>31.62</c:v>
                 </c:pt>
                 <c:pt idx="14">
-                  <c:v>4.6311499999999999</c:v>
+                  <c:v>30.73</c:v>
                 </c:pt>
               </c:numCache>
             </c:numRef>
@@ -5350,7 +5347,7 @@
           <c:smooth val="0"/>
           <c:extLst>
             <c:ext xmlns:c16="http://schemas.microsoft.com/office/drawing/2014/chart" uri="{C3380CC4-5D6E-409C-BE32-E72D297353CC}">
-              <c16:uniqueId val="{00000000-FB3C-49B2-B659-F358465DF407}"/>
+              <c16:uniqueId val="{00000000-DEBC-4B67-8C28-CFDBB98A1C05}"/>
             </c:ext>
           </c:extLst>
         </c:ser>
@@ -5359,17 +5356,17 @@
           <c:order val="1"/>
           <c:tx>
             <c:strRef>
-              <c:f>Race!$C$34</c:f>
+              <c:f>Race!$C$35</c:f>
               <c:strCache>
                 <c:ptCount val="1"/>
                 <c:pt idx="0">
-                  <c:v>Black</c:v>
+                  <c:v>White</c:v>
                 </c:pt>
               </c:strCache>
             </c:strRef>
           </c:tx>
           <c:spPr>
-            <a:ln w="44450" cap="rnd">
+            <a:ln w="28575" cap="rnd">
               <a:solidFill>
                 <a:schemeClr val="accent2"/>
               </a:solidFill>
@@ -5394,7 +5391,7 @@
           </c:marker>
           <c:cat>
             <c:numRef>
-              <c:f>Race!$A$35:$A$49</c:f>
+              <c:f>Race!$A$36:$A$50</c:f>
               <c:numCache>
                 <c:formatCode>General</c:formatCode>
                 <c:ptCount val="15"/>
@@ -5448,54 +5445,54 @@
           </c:cat>
           <c:val>
             <c:numRef>
-              <c:f>Race!$C$35:$C$49</c:f>
+              <c:f>Race!$C$36:$C$50</c:f>
               <c:numCache>
                 <c:formatCode>0.00</c:formatCode>
                 <c:ptCount val="15"/>
                 <c:pt idx="0">
-                  <c:v>11.224299999999999</c:v>
+                  <c:v>28.295000000000002</c:v>
                 </c:pt>
                 <c:pt idx="1">
-                  <c:v>10.861800000000001</c:v>
+                  <c:v>29.624500000000001</c:v>
                 </c:pt>
                 <c:pt idx="2">
-                  <c:v>9.9619</c:v>
+                  <c:v>31.3796</c:v>
                 </c:pt>
                 <c:pt idx="3">
-                  <c:v>9.7691999999999997</c:v>
+                  <c:v>31.995000000000001</c:v>
                 </c:pt>
                 <c:pt idx="4">
-                  <c:v>9.5635999999999992</c:v>
+                  <c:v>33.291499999999999</c:v>
                 </c:pt>
                 <c:pt idx="5">
-                  <c:v>9.1774000000000004</c:v>
+                  <c:v>33.879899999999999</c:v>
                 </c:pt>
                 <c:pt idx="6">
-                  <c:v>9.0079999999999991</c:v>
+                  <c:v>34.2273</c:v>
                 </c:pt>
                 <c:pt idx="7">
-                  <c:v>9.8073599999999992</c:v>
+                  <c:v>28.69</c:v>
                 </c:pt>
                 <c:pt idx="8">
-                  <c:v>10.3193</c:v>
+                  <c:v>29.3</c:v>
                 </c:pt>
                 <c:pt idx="9">
-                  <c:v>10.2988</c:v>
+                  <c:v>29.08</c:v>
                 </c:pt>
                 <c:pt idx="10">
-                  <c:v>10.511699999999999</c:v>
+                  <c:v>28.26</c:v>
                 </c:pt>
                 <c:pt idx="11">
-                  <c:v>10.8665</c:v>
+                  <c:v>28.92</c:v>
                 </c:pt>
                 <c:pt idx="12">
-                  <c:v>10.257099999999999</c:v>
+                  <c:v>32.1</c:v>
                 </c:pt>
                 <c:pt idx="13">
-                  <c:v>10.0213</c:v>
+                  <c:v>31.76</c:v>
                 </c:pt>
                 <c:pt idx="14">
-                  <c:v>9.6009700000000002</c:v>
+                  <c:v>30.92</c:v>
                 </c:pt>
               </c:numCache>
             </c:numRef>
@@ -5503,7 +5500,7 @@
           <c:smooth val="0"/>
           <c:extLst>
             <c:ext xmlns:c16="http://schemas.microsoft.com/office/drawing/2014/chart" uri="{C3380CC4-5D6E-409C-BE32-E72D297353CC}">
-              <c16:uniqueId val="{00000001-FB3C-49B2-B659-F358465DF407}"/>
+              <c16:uniqueId val="{00000001-DEBC-4B67-8C28-CFDBB98A1C05}"/>
             </c:ext>
           </c:extLst>
         </c:ser>
@@ -5512,17 +5509,17 @@
           <c:order val="2"/>
           <c:tx>
             <c:strRef>
-              <c:f>Race!$D$34</c:f>
+              <c:f>Race!$D$35</c:f>
               <c:strCache>
                 <c:ptCount val="1"/>
                 <c:pt idx="0">
-                  <c:v>American Indian/Alaska Native</c:v>
+                  <c:v>Black</c:v>
                 </c:pt>
               </c:strCache>
             </c:strRef>
           </c:tx>
           <c:spPr>
-            <a:ln w="44450" cap="rnd">
+            <a:ln w="28575" cap="rnd">
               <a:solidFill>
                 <a:schemeClr val="accent3"/>
               </a:solidFill>
@@ -5547,7 +5544,7 @@
           </c:marker>
           <c:cat>
             <c:numRef>
-              <c:f>Race!$A$35:$A$49</c:f>
+              <c:f>Race!$A$36:$A$50</c:f>
               <c:numCache>
                 <c:formatCode>General</c:formatCode>
                 <c:ptCount val="15"/>
@@ -5601,54 +5598,54 @@
           </c:cat>
           <c:val>
             <c:numRef>
-              <c:f>Race!$D$35:$D$49</c:f>
+              <c:f>Race!$D$36:$D$50</c:f>
               <c:numCache>
                 <c:formatCode>0.00</c:formatCode>
                 <c:ptCount val="15"/>
                 <c:pt idx="0">
-                  <c:v>8.2446000000000002</c:v>
+                  <c:v>28.7836</c:v>
                 </c:pt>
                 <c:pt idx="1">
-                  <c:v>7.3756000000000004</c:v>
+                  <c:v>31.227499999999999</c:v>
                 </c:pt>
                 <c:pt idx="2">
-                  <c:v>6.5332999999999997</c:v>
+                  <c:v>34.126800000000003</c:v>
                 </c:pt>
                 <c:pt idx="3">
-                  <c:v>6.3152999999999997</c:v>
+                  <c:v>35.5931</c:v>
                 </c:pt>
                 <c:pt idx="4">
-                  <c:v>4.5522</c:v>
+                  <c:v>35.390599999999999</c:v>
                 </c:pt>
                 <c:pt idx="5">
-                  <c:v>5.8334999999999999</c:v>
+                  <c:v>33.418900000000001</c:v>
                 </c:pt>
                 <c:pt idx="6">
-                  <c:v>5.2461000000000002</c:v>
+                  <c:v>35.394100000000002</c:v>
                 </c:pt>
                 <c:pt idx="7">
-                  <c:v>4.6267100000000001</c:v>
+                  <c:v>28.27</c:v>
                 </c:pt>
                 <c:pt idx="8">
-                  <c:v>4.9843999999999999</c:v>
+                  <c:v>27.98</c:v>
                 </c:pt>
                 <c:pt idx="9">
-                  <c:v>5.0637999999999996</c:v>
+                  <c:v>26.8</c:v>
                 </c:pt>
                 <c:pt idx="10">
-                  <c:v>5.2355999999999998</c:v>
+                  <c:v>26.47</c:v>
                 </c:pt>
                 <c:pt idx="11">
-                  <c:v>5.6412000000000004</c:v>
+                  <c:v>25.79</c:v>
                 </c:pt>
                 <c:pt idx="12">
-                  <c:v>5.1456</c:v>
+                  <c:v>30.15</c:v>
                 </c:pt>
                 <c:pt idx="13">
-                  <c:v>4.6851000000000003</c:v>
+                  <c:v>29.04</c:v>
                 </c:pt>
                 <c:pt idx="14">
-                  <c:v>4.7377200000000004</c:v>
+                  <c:v>28.78</c:v>
                 </c:pt>
               </c:numCache>
             </c:numRef>
@@ -5656,7 +5653,7 @@
           <c:smooth val="0"/>
           <c:extLst>
             <c:ext xmlns:c16="http://schemas.microsoft.com/office/drawing/2014/chart" uri="{C3380CC4-5D6E-409C-BE32-E72D297353CC}">
-              <c16:uniqueId val="{00000002-FB3C-49B2-B659-F358465DF407}"/>
+              <c16:uniqueId val="{00000002-DEBC-4B67-8C28-CFDBB98A1C05}"/>
             </c:ext>
           </c:extLst>
         </c:ser>
@@ -5665,17 +5662,17 @@
           <c:order val="3"/>
           <c:tx>
             <c:strRef>
-              <c:f>Race!$E$34</c:f>
+              <c:f>Race!$E$35</c:f>
               <c:strCache>
                 <c:ptCount val="1"/>
                 <c:pt idx="0">
-                  <c:v>Asian/Pacific Islander</c:v>
+                  <c:v>Unknown</c:v>
                 </c:pt>
               </c:strCache>
             </c:strRef>
           </c:tx>
           <c:spPr>
-            <a:ln w="44450" cap="rnd">
+            <a:ln w="28575" cap="rnd">
               <a:solidFill>
                 <a:schemeClr val="accent4"/>
               </a:solidFill>
@@ -5700,7 +5697,7 @@
           </c:marker>
           <c:cat>
             <c:numRef>
-              <c:f>Race!$A$35:$A$49</c:f>
+              <c:f>Race!$A$36:$A$50</c:f>
               <c:numCache>
                 <c:formatCode>General</c:formatCode>
                 <c:ptCount val="15"/>
@@ -5754,54 +5751,54 @@
           </c:cat>
           <c:val>
             <c:numRef>
-              <c:f>Race!$E$35:$E$49</c:f>
+              <c:f>Race!$E$36:$E$50</c:f>
               <c:numCache>
                 <c:formatCode>0.00</c:formatCode>
                 <c:ptCount val="15"/>
                 <c:pt idx="0">
-                  <c:v>5.3920000000000003</c:v>
+                  <c:v>40.252200000000002</c:v>
                 </c:pt>
                 <c:pt idx="1">
-                  <c:v>4.7298999999999998</c:v>
+                  <c:v>37.7044</c:v>
                 </c:pt>
                 <c:pt idx="2">
-                  <c:v>4.8811</c:v>
+                  <c:v>42.6937</c:v>
                 </c:pt>
                 <c:pt idx="3">
-                  <c:v>4.8291000000000004</c:v>
+                  <c:v>45.701500000000003</c:v>
                 </c:pt>
                 <c:pt idx="4">
-                  <c:v>4.6619999999999999</c:v>
+                  <c:v>44.668799999999997</c:v>
                 </c:pt>
                 <c:pt idx="5">
-                  <c:v>4.5696000000000003</c:v>
+                  <c:v>50.289299999999997</c:v>
                 </c:pt>
                 <c:pt idx="6">
-                  <c:v>4.3022999999999998</c:v>
+                  <c:v>44.497999999999998</c:v>
                 </c:pt>
                 <c:pt idx="7">
-                  <c:v>4.1359000000000004</c:v>
+                  <c:v>36.46</c:v>
                 </c:pt>
                 <c:pt idx="8">
-                  <c:v>4.5370999999999997</c:v>
+                  <c:v>41.03</c:v>
                 </c:pt>
                 <c:pt idx="9">
-                  <c:v>4.4714999999999998</c:v>
+                  <c:v>35.950000000000003</c:v>
                 </c:pt>
                 <c:pt idx="10">
-                  <c:v>4.6349999999999998</c:v>
+                  <c:v>34.619999999999997</c:v>
                 </c:pt>
                 <c:pt idx="11">
-                  <c:v>5.0343</c:v>
+                  <c:v>37.83</c:v>
                 </c:pt>
                 <c:pt idx="12">
-                  <c:v>4.5232000000000001</c:v>
+                  <c:v>40.299999999999997</c:v>
                 </c:pt>
                 <c:pt idx="13">
-                  <c:v>4.5663999999999998</c:v>
+                  <c:v>39.909999999999997</c:v>
                 </c:pt>
                 <c:pt idx="14">
-                  <c:v>4.2195999999999998</c:v>
+                  <c:v>32.67</c:v>
                 </c:pt>
               </c:numCache>
             </c:numRef>
@@ -5809,7 +5806,7 @@
           <c:smooth val="0"/>
           <c:extLst>
             <c:ext xmlns:c16="http://schemas.microsoft.com/office/drawing/2014/chart" uri="{C3380CC4-5D6E-409C-BE32-E72D297353CC}">
-              <c16:uniqueId val="{00000003-FB3C-49B2-B659-F358465DF407}"/>
+              <c16:uniqueId val="{00000003-DEBC-4B67-8C28-CFDBB98A1C05}"/>
             </c:ext>
           </c:extLst>
         </c:ser>
@@ -5818,17 +5815,17 @@
           <c:order val="4"/>
           <c:tx>
             <c:strRef>
-              <c:f>Race!$F$34</c:f>
+              <c:f>Race!$F$35</c:f>
               <c:strCache>
                 <c:ptCount val="1"/>
                 <c:pt idx="0">
-                  <c:v>Other</c:v>
+                  <c:v>Missing</c:v>
                 </c:pt>
               </c:strCache>
             </c:strRef>
           </c:tx>
           <c:spPr>
-            <a:ln w="44450" cap="rnd">
+            <a:ln w="28575" cap="rnd">
               <a:solidFill>
                 <a:schemeClr val="accent5"/>
               </a:solidFill>
@@ -5853,7 +5850,7 @@
           </c:marker>
           <c:cat>
             <c:numRef>
-              <c:f>Race!$A$35:$A$49</c:f>
+              <c:f>Race!$A$36:$A$50</c:f>
               <c:numCache>
                 <c:formatCode>General</c:formatCode>
                 <c:ptCount val="15"/>
@@ -5907,54 +5904,54 @@
           </c:cat>
           <c:val>
             <c:numRef>
-              <c:f>Race!$F$35:$F$49</c:f>
+              <c:f>Race!$F$36:$F$50</c:f>
               <c:numCache>
                 <c:formatCode>0.00</c:formatCode>
                 <c:ptCount val="15"/>
                 <c:pt idx="0">
-                  <c:v>5.5498000000000003</c:v>
+                  <c:v>32.101199999999999</c:v>
                 </c:pt>
                 <c:pt idx="1">
-                  <c:v>5.6863999999999999</c:v>
+                  <c:v>35.1907</c:v>
                 </c:pt>
                 <c:pt idx="2">
-                  <c:v>4.4279000000000002</c:v>
+                  <c:v>39.800400000000003</c:v>
                 </c:pt>
                 <c:pt idx="3">
-                  <c:v>5.2304000000000004</c:v>
+                  <c:v>39.022399999999998</c:v>
                 </c:pt>
                 <c:pt idx="4">
-                  <c:v>4.5232999999999999</c:v>
+                  <c:v>40.868499999999997</c:v>
                 </c:pt>
                 <c:pt idx="5">
-                  <c:v>4.4039000000000001</c:v>
+                  <c:v>40.994799999999998</c:v>
                 </c:pt>
                 <c:pt idx="6">
-                  <c:v>4.5072999999999999</c:v>
+                  <c:v>44.59</c:v>
                 </c:pt>
                 <c:pt idx="7">
-                  <c:v>4.7231300000000003</c:v>
+                  <c:v>37.729999999999997</c:v>
                 </c:pt>
                 <c:pt idx="8">
-                  <c:v>5.4154</c:v>
+                  <c:v>38.6</c:v>
                 </c:pt>
                 <c:pt idx="9">
-                  <c:v>4.8250000000000002</c:v>
+                  <c:v>38.1</c:v>
                 </c:pt>
                 <c:pt idx="10">
-                  <c:v>4.9592000000000001</c:v>
+                  <c:v>36.200000000000003</c:v>
                 </c:pt>
                 <c:pt idx="11">
-                  <c:v>4.9008000000000003</c:v>
+                  <c:v>37.840000000000003</c:v>
                 </c:pt>
                 <c:pt idx="12">
-                  <c:v>4.2469000000000001</c:v>
+                  <c:v>38.659999999999997</c:v>
                 </c:pt>
                 <c:pt idx="13">
-                  <c:v>4.2591999999999999</c:v>
+                  <c:v>42.77</c:v>
                 </c:pt>
                 <c:pt idx="14">
-                  <c:v>4.0045999999999999</c:v>
+                  <c:v>36.590000000000003</c:v>
                 </c:pt>
               </c:numCache>
             </c:numRef>
@@ -5962,7 +5959,7 @@
           <c:smooth val="0"/>
           <c:extLst>
             <c:ext xmlns:c16="http://schemas.microsoft.com/office/drawing/2014/chart" uri="{C3380CC4-5D6E-409C-BE32-E72D297353CC}">
-              <c16:uniqueId val="{00000004-FB3C-49B2-B659-F358465DF407}"/>
+              <c16:uniqueId val="{00000004-DEBC-4B67-8C28-CFDBB98A1C05}"/>
             </c:ext>
           </c:extLst>
         </c:ser>
@@ -5971,17 +5968,17 @@
           <c:order val="5"/>
           <c:tx>
             <c:strRef>
-              <c:f>Race!$G$34</c:f>
+              <c:f>Race!$G$35</c:f>
               <c:strCache>
                 <c:ptCount val="1"/>
                 <c:pt idx="0">
-                  <c:v>Unknown</c:v>
+                  <c:v>Asian/Pacific Islander</c:v>
                 </c:pt>
               </c:strCache>
             </c:strRef>
           </c:tx>
           <c:spPr>
-            <a:ln w="44450" cap="rnd">
+            <a:ln w="28575" cap="rnd">
               <a:solidFill>
                 <a:schemeClr val="accent6"/>
               </a:solidFill>
@@ -6006,7 +6003,7 @@
           </c:marker>
           <c:cat>
             <c:numRef>
-              <c:f>Race!$A$35:$A$49</c:f>
+              <c:f>Race!$A$36:$A$50</c:f>
               <c:numCache>
                 <c:formatCode>General</c:formatCode>
                 <c:ptCount val="15"/>
@@ -6060,54 +6057,54 @@
           </c:cat>
           <c:val>
             <c:numRef>
-              <c:f>Race!$G$35:$G$49</c:f>
+              <c:f>Race!$G$36:$G$50</c:f>
               <c:numCache>
                 <c:formatCode>0.00</c:formatCode>
                 <c:ptCount val="15"/>
                 <c:pt idx="0">
-                  <c:v>8.0868000000000002</c:v>
+                  <c:v>31.6844</c:v>
                 </c:pt>
                 <c:pt idx="1">
-                  <c:v>7.9604999999999997</c:v>
+                  <c:v>33.386200000000002</c:v>
                 </c:pt>
                 <c:pt idx="2">
-                  <c:v>7.3796999999999997</c:v>
+                  <c:v>41.981999999999999</c:v>
                 </c:pt>
                 <c:pt idx="3">
-                  <c:v>7.5159000000000002</c:v>
+                  <c:v>35.828800000000001</c:v>
                 </c:pt>
                 <c:pt idx="4">
-                  <c:v>7.0904999999999996</c:v>
+                  <c:v>39.151000000000003</c:v>
                 </c:pt>
                 <c:pt idx="5">
-                  <c:v>6.8556999999999997</c:v>
+                  <c:v>43.916899999999998</c:v>
                 </c:pt>
                 <c:pt idx="6">
-                  <c:v>6.7378999999999998</c:v>
+                  <c:v>49.810099999999998</c:v>
                 </c:pt>
                 <c:pt idx="7">
-                  <c:v>6.93506</c:v>
+                  <c:v>35.69</c:v>
                 </c:pt>
                 <c:pt idx="8">
-                  <c:v>7.1970000000000001</c:v>
+                  <c:v>32.06</c:v>
                 </c:pt>
                 <c:pt idx="9">
-                  <c:v>6.992</c:v>
+                  <c:v>34.1</c:v>
                 </c:pt>
                 <c:pt idx="10">
-                  <c:v>7.2601000000000004</c:v>
+                  <c:v>32.520000000000003</c:v>
                 </c:pt>
                 <c:pt idx="11">
-                  <c:v>7.2850999999999999</c:v>
+                  <c:v>34.04</c:v>
                 </c:pt>
                 <c:pt idx="12">
-                  <c:v>6.8247999999999998</c:v>
+                  <c:v>38.909999999999997</c:v>
                 </c:pt>
                 <c:pt idx="13">
-                  <c:v>6.4903000000000004</c:v>
+                  <c:v>37.659999999999997</c:v>
                 </c:pt>
                 <c:pt idx="14">
-                  <c:v>6.0958300000000003</c:v>
+                  <c:v>39.82</c:v>
                 </c:pt>
               </c:numCache>
             </c:numRef>
@@ -6115,7 +6112,7 @@
           <c:smooth val="0"/>
           <c:extLst>
             <c:ext xmlns:c16="http://schemas.microsoft.com/office/drawing/2014/chart" uri="{C3380CC4-5D6E-409C-BE32-E72D297353CC}">
-              <c16:uniqueId val="{00000005-FB3C-49B2-B659-F358465DF407}"/>
+              <c16:uniqueId val="{00000005-DEBC-4B67-8C28-CFDBB98A1C05}"/>
             </c:ext>
           </c:extLst>
         </c:ser>
@@ -6124,17 +6121,17 @@
           <c:order val="6"/>
           <c:tx>
             <c:strRef>
-              <c:f>Race!$H$34</c:f>
+              <c:f>Race!$H$35</c:f>
               <c:strCache>
                 <c:ptCount val="1"/>
                 <c:pt idx="0">
-                  <c:v>Missing</c:v>
+                  <c:v>American Indian/Alaska Native</c:v>
                 </c:pt>
               </c:strCache>
             </c:strRef>
           </c:tx>
           <c:spPr>
-            <a:ln w="44450" cap="rnd">
+            <a:ln w="28575" cap="rnd">
               <a:solidFill>
                 <a:schemeClr val="accent1">
                   <a:lumMod val="60000"/>
@@ -6165,7 +6162,7 @@
           </c:marker>
           <c:cat>
             <c:numRef>
-              <c:f>Race!$A$35:$A$49</c:f>
+              <c:f>Race!$A$36:$A$50</c:f>
               <c:numCache>
                 <c:formatCode>General</c:formatCode>
                 <c:ptCount val="15"/>
@@ -6219,54 +6216,54 @@
           </c:cat>
           <c:val>
             <c:numRef>
-              <c:f>Race!$H$35:$H$49</c:f>
+              <c:f>Race!$H$36:$H$50</c:f>
               <c:numCache>
                 <c:formatCode>0.00</c:formatCode>
                 <c:ptCount val="15"/>
                 <c:pt idx="0">
-                  <c:v>7.6837999999999997</c:v>
+                  <c:v>25.759799999999998</c:v>
                 </c:pt>
                 <c:pt idx="1">
-                  <c:v>7.4047999999999998</c:v>
+                  <c:v>33.8202</c:v>
                 </c:pt>
                 <c:pt idx="2">
-                  <c:v>6.8075000000000001</c:v>
+                  <c:v>33.373800000000003</c:v>
                 </c:pt>
                 <c:pt idx="3">
-                  <c:v>6.8959999999999999</c:v>
+                  <c:v>38.287799999999997</c:v>
                 </c:pt>
                 <c:pt idx="4">
-                  <c:v>6.4771999999999998</c:v>
+                  <c:v>40.346200000000003</c:v>
                 </c:pt>
                 <c:pt idx="5">
-                  <c:v>6.3354999999999997</c:v>
+                  <c:v>48.598599999999998</c:v>
                 </c:pt>
                 <c:pt idx="6">
-                  <c:v>6.093</c:v>
+                  <c:v>41.542400000000001</c:v>
                 </c:pt>
                 <c:pt idx="7">
-                  <c:v>6.2904</c:v>
+                  <c:v>23.25</c:v>
                 </c:pt>
                 <c:pt idx="8">
-                  <c:v>6.4851999999999999</c:v>
+                  <c:v>36.68</c:v>
                 </c:pt>
                 <c:pt idx="9">
-                  <c:v>6.3296999999999999</c:v>
+                  <c:v>30.59</c:v>
                 </c:pt>
                 <c:pt idx="10">
-                  <c:v>6.3521000000000001</c:v>
+                  <c:v>34.619999999999997</c:v>
                 </c:pt>
                 <c:pt idx="11">
-                  <c:v>6.4013999999999998</c:v>
+                  <c:v>27.5</c:v>
                 </c:pt>
                 <c:pt idx="12">
-                  <c:v>5.7504999999999997</c:v>
+                  <c:v>25.92</c:v>
                 </c:pt>
                 <c:pt idx="13">
-                  <c:v>5.3978000000000002</c:v>
+                  <c:v>32.71</c:v>
                 </c:pt>
                 <c:pt idx="14">
-                  <c:v>4.8428199999999997</c:v>
+                  <c:v>23.83</c:v>
                 </c:pt>
               </c:numCache>
             </c:numRef>
@@ -6274,7 +6271,7 @@
           <c:smooth val="0"/>
           <c:extLst>
             <c:ext xmlns:c16="http://schemas.microsoft.com/office/drawing/2014/chart" uri="{C3380CC4-5D6E-409C-BE32-E72D297353CC}">
-              <c16:uniqueId val="{00000006-FB3C-49B2-B659-F358465DF407}"/>
+              <c16:uniqueId val="{00000006-DEBC-4B67-8C28-CFDBB98A1C05}"/>
             </c:ext>
           </c:extLst>
         </c:ser>
@@ -6283,21 +6280,22 @@
           <c:order val="7"/>
           <c:tx>
             <c:strRef>
-              <c:f>Race!$I$34</c:f>
+              <c:f>Race!$I$35</c:f>
               <c:strCache>
                 <c:ptCount val="1"/>
                 <c:pt idx="0">
-                  <c:v>Overall</c:v>
+                  <c:v>Other</c:v>
                 </c:pt>
               </c:strCache>
             </c:strRef>
           </c:tx>
           <c:spPr>
-            <a:ln w="44450" cap="rnd">
+            <a:ln w="28575" cap="rnd">
               <a:solidFill>
-                <a:schemeClr val="tx1"/>
+                <a:schemeClr val="accent2">
+                  <a:lumMod val="60000"/>
+                </a:schemeClr>
               </a:solidFill>
-              <a:prstDash val="sysDash"/>
               <a:round/>
             </a:ln>
             <a:effectLst/>
@@ -6307,11 +6305,15 @@
             <c:size val="5"/>
             <c:spPr>
               <a:solidFill>
-                <a:schemeClr val="tx1"/>
+                <a:schemeClr val="accent2">
+                  <a:lumMod val="60000"/>
+                </a:schemeClr>
               </a:solidFill>
               <a:ln w="9525">
                 <a:solidFill>
-                  <a:schemeClr val="tx1"/>
+                  <a:schemeClr val="accent2">
+                    <a:lumMod val="60000"/>
+                  </a:schemeClr>
                 </a:solidFill>
               </a:ln>
               <a:effectLst/>
@@ -6319,7 +6321,7 @@
           </c:marker>
           <c:cat>
             <c:numRef>
-              <c:f>Race!$A$35:$A$49</c:f>
+              <c:f>Race!$A$36:$A$50</c:f>
               <c:numCache>
                 <c:formatCode>General</c:formatCode>
                 <c:ptCount val="15"/>
@@ -6373,54 +6375,54 @@
           </c:cat>
           <c:val>
             <c:numRef>
-              <c:f>Race!$I$35:$I$49</c:f>
+              <c:f>Race!$I$36:$I$50</c:f>
               <c:numCache>
                 <c:formatCode>0.00</c:formatCode>
                 <c:ptCount val="15"/>
                 <c:pt idx="0">
-                  <c:v>7.97</c:v>
+                  <c:v>28.9878</c:v>
                 </c:pt>
                 <c:pt idx="1">
-                  <c:v>7.62</c:v>
+                  <c:v>31.5717</c:v>
                 </c:pt>
                 <c:pt idx="2">
-                  <c:v>7</c:v>
+                  <c:v>30.532599999999999</c:v>
                 </c:pt>
                 <c:pt idx="3">
-                  <c:v>7.02</c:v>
+                  <c:v>34.578699999999998</c:v>
                 </c:pt>
                 <c:pt idx="4">
-                  <c:v>6.56</c:v>
+                  <c:v>41.2209</c:v>
                 </c:pt>
                 <c:pt idx="5">
-                  <c:v>6.36</c:v>
+                  <c:v>40.494300000000003</c:v>
                 </c:pt>
                 <c:pt idx="6">
-                  <c:v>6.09</c:v>
+                  <c:v>39.721299999999999</c:v>
                 </c:pt>
                 <c:pt idx="7">
-                  <c:v>6.19</c:v>
+                  <c:v>31.88</c:v>
                 </c:pt>
                 <c:pt idx="8">
-                  <c:v>6.45</c:v>
+                  <c:v>28</c:v>
                 </c:pt>
                 <c:pt idx="9">
-                  <c:v>6.39</c:v>
+                  <c:v>31.69</c:v>
                 </c:pt>
                 <c:pt idx="10">
-                  <c:v>6.46</c:v>
+                  <c:v>31.75</c:v>
                 </c:pt>
                 <c:pt idx="11">
-                  <c:v>6.63</c:v>
+                  <c:v>23.85</c:v>
                 </c:pt>
                 <c:pt idx="12">
-                  <c:v>6.16</c:v>
+                  <c:v>34.840000000000003</c:v>
                 </c:pt>
                 <c:pt idx="13">
-                  <c:v>5.91</c:v>
+                  <c:v>33.11</c:v>
                 </c:pt>
                 <c:pt idx="14">
-                  <c:v>5.58</c:v>
+                  <c:v>32</c:v>
                 </c:pt>
               </c:numCache>
             </c:numRef>
@@ -6428,7 +6430,7 @@
           <c:smooth val="0"/>
           <c:extLst>
             <c:ext xmlns:c16="http://schemas.microsoft.com/office/drawing/2014/chart" uri="{C3380CC4-5D6E-409C-BE32-E72D297353CC}">
-              <c16:uniqueId val="{00000007-FB3C-49B2-B659-F358465DF407}"/>
+              <c16:uniqueId val="{00000007-DEBC-4B67-8C28-CFDBB98A1C05}"/>
             </c:ext>
           </c:extLst>
         </c:ser>
@@ -6442,11 +6444,11 @@
         </c:dLbls>
         <c:marker val="1"/>
         <c:smooth val="0"/>
-        <c:axId val="626186720"/>
-        <c:axId val="626185056"/>
+        <c:axId val="287927855"/>
+        <c:axId val="287928271"/>
       </c:lineChart>
       <c:catAx>
-        <c:axId val="626186720"/>
+        <c:axId val="287927855"/>
         <c:scaling>
           <c:orientation val="minMax"/>
         </c:scaling>
@@ -6486,19 +6488,17 @@
             <a:endParaRPr lang="en-US"/>
           </a:p>
         </c:txPr>
-        <c:crossAx val="626185056"/>
+        <c:crossAx val="287928271"/>
         <c:crosses val="autoZero"/>
         <c:auto val="1"/>
         <c:lblAlgn val="ctr"/>
         <c:lblOffset val="100"/>
-        <c:tickLblSkip val="2"/>
         <c:noMultiLvlLbl val="0"/>
       </c:catAx>
       <c:valAx>
-        <c:axId val="626185056"/>
+        <c:axId val="287928271"/>
         <c:scaling>
           <c:orientation val="minMax"/>
-          <c:max val="20"/>
         </c:scaling>
         <c:delete val="0"/>
         <c:axPos val="l"/>
@@ -6534,7 +6534,7 @@
                 </a:pPr>
                 <a:r>
                   <a:rPr lang="en-US"/>
-                  <a:t>CKD (%)</a:t>
+                  <a:t>Adults with CKD Stages 3-5 and ICD-9 or 10 code (%)</a:t>
                 </a:r>
               </a:p>
             </c:rich>
@@ -6593,7 +6593,7 @@
             <a:endParaRPr lang="en-US"/>
           </a:p>
         </c:txPr>
-        <c:crossAx val="626186720"/>
+        <c:crossAx val="287927855"/>
         <c:crosses val="autoZero"/>
         <c:crossBetween val="between"/>
       </c:valAx>
@@ -6607,16 +6607,6 @@
     </c:plotArea>
     <c:legend>
       <c:legendPos val="b"/>
-      <c:layout>
-        <c:manualLayout>
-          <c:xMode val="edge"/>
-          <c:yMode val="edge"/>
-          <c:x val="3.0438670166229226E-2"/>
-          <c:y val="0.73004680664916877"/>
-          <c:w val="0.9424559930008749"/>
-          <c:h val="0.25328652668416446"/>
-        </c:manualLayout>
-      </c:layout>
       <c:overlay val="0"/>
       <c:spPr>
         <a:noFill/>
@@ -10658,7 +10648,7 @@
           <a:bodyPr/>
           <a:lstStyle/>
           <a:p>
-            <a:fld id="{63DD1445-FE16-4B3E-957E-1E23368435AF}" type="slidenum">
+            <a:fld id="{79C30FE0-8EFC-4094-A756-3613B74EBB15}" type="slidenum">
               <a:rPr lang="en-US" smtClean="0"/>
               <a:t>‹#›</a:t>
             </a:fld>
@@ -10705,7 +10695,7 @@
     </p:spTree>
     <p:extLst>
       <p:ext uri="{BB962C8B-B14F-4D97-AF65-F5344CB8AC3E}">
-        <p14:creationId xmlns:p14="http://schemas.microsoft.com/office/powerpoint/2010/main" val="1559330080"/>
+        <p14:creationId xmlns:p14="http://schemas.microsoft.com/office/powerpoint/2010/main" val="4259893834"/>
       </p:ext>
     </p:extLst>
   </p:cSld>
@@ -10838,7 +10828,7 @@
           <a:bodyPr/>
           <a:lstStyle/>
           <a:p>
-            <a:fld id="{5BA7D939-328E-4FDC-8520-F2EE74C8E8C4}" type="datetimeFigureOut">
+            <a:fld id="{81638023-F60A-4B21-BA4E-BD9AA67C04CD}" type="datetimeFigureOut">
               <a:rPr lang="en-US" smtClean="0"/>
               <a:t>10/6/2025</a:t>
             </a:fld>
@@ -10892,7 +10882,7 @@
           <a:bodyPr/>
           <a:lstStyle/>
           <a:p>
-            <a:fld id="{63DD1445-FE16-4B3E-957E-1E23368435AF}" type="slidenum">
+            <a:fld id="{79C30FE0-8EFC-4094-A756-3613B74EBB15}" type="slidenum">
               <a:rPr lang="en-US" smtClean="0"/>
               <a:t>‹#›</a:t>
             </a:fld>
@@ -10903,7 +10893,7 @@
     </p:spTree>
     <p:extLst>
       <p:ext uri="{BB962C8B-B14F-4D97-AF65-F5344CB8AC3E}">
-        <p14:creationId xmlns:p14="http://schemas.microsoft.com/office/powerpoint/2010/main" val="3621967431"/>
+        <p14:creationId xmlns:p14="http://schemas.microsoft.com/office/powerpoint/2010/main" val="3149607699"/>
       </p:ext>
     </p:extLst>
   </p:cSld>
@@ -11046,7 +11036,7 @@
           <a:bodyPr/>
           <a:lstStyle/>
           <a:p>
-            <a:fld id="{5BA7D939-328E-4FDC-8520-F2EE74C8E8C4}" type="datetimeFigureOut">
+            <a:fld id="{81638023-F60A-4B21-BA4E-BD9AA67C04CD}" type="datetimeFigureOut">
               <a:rPr lang="en-US" smtClean="0"/>
               <a:t>10/6/2025</a:t>
             </a:fld>
@@ -11100,7 +11090,7 @@
           <a:bodyPr/>
           <a:lstStyle/>
           <a:p>
-            <a:fld id="{63DD1445-FE16-4B3E-957E-1E23368435AF}" type="slidenum">
+            <a:fld id="{79C30FE0-8EFC-4094-A756-3613B74EBB15}" type="slidenum">
               <a:rPr lang="en-US" smtClean="0"/>
               <a:t>‹#›</a:t>
             </a:fld>
@@ -11111,7 +11101,7 @@
     </p:spTree>
     <p:extLst>
       <p:ext uri="{BB962C8B-B14F-4D97-AF65-F5344CB8AC3E}">
-        <p14:creationId xmlns:p14="http://schemas.microsoft.com/office/powerpoint/2010/main" val="4107514906"/>
+        <p14:creationId xmlns:p14="http://schemas.microsoft.com/office/powerpoint/2010/main" val="591726175"/>
       </p:ext>
     </p:extLst>
   </p:cSld>
@@ -11255,7 +11245,7 @@
           <a:bodyPr/>
           <a:lstStyle/>
           <a:p>
-            <a:fld id="{5BA7D939-328E-4FDC-8520-F2EE74C8E8C4}" type="datetimeFigureOut">
+            <a:fld id="{81638023-F60A-4B21-BA4E-BD9AA67C04CD}" type="datetimeFigureOut">
               <a:rPr lang="en-US" smtClean="0"/>
               <a:t>10/6/2025</a:t>
             </a:fld>
@@ -11309,7 +11299,7 @@
           <a:bodyPr/>
           <a:lstStyle/>
           <a:p>
-            <a:fld id="{63DD1445-FE16-4B3E-957E-1E23368435AF}" type="slidenum">
+            <a:fld id="{79C30FE0-8EFC-4094-A756-3613B74EBB15}" type="slidenum">
               <a:rPr lang="en-US" smtClean="0"/>
               <a:t>‹#›</a:t>
             </a:fld>
@@ -11356,7 +11346,7 @@
     </p:spTree>
     <p:extLst>
       <p:ext uri="{BB962C8B-B14F-4D97-AF65-F5344CB8AC3E}">
-        <p14:creationId xmlns:p14="http://schemas.microsoft.com/office/powerpoint/2010/main" val="4085317518"/>
+        <p14:creationId xmlns:p14="http://schemas.microsoft.com/office/powerpoint/2010/main" val="3878810970"/>
       </p:ext>
     </p:extLst>
   </p:cSld>
@@ -11570,7 +11560,7 @@
           <a:bodyPr/>
           <a:lstStyle/>
           <a:p>
-            <a:fld id="{5BA7D939-328E-4FDC-8520-F2EE74C8E8C4}" type="datetimeFigureOut">
+            <a:fld id="{81638023-F60A-4B21-BA4E-BD9AA67C04CD}" type="datetimeFigureOut">
               <a:rPr lang="en-US" smtClean="0"/>
               <a:t>10/6/2025</a:t>
             </a:fld>
@@ -11624,7 +11614,7 @@
           <a:bodyPr/>
           <a:lstStyle/>
           <a:p>
-            <a:fld id="{63DD1445-FE16-4B3E-957E-1E23368435AF}" type="slidenum">
+            <a:fld id="{79C30FE0-8EFC-4094-A756-3613B74EBB15}" type="slidenum">
               <a:rPr lang="en-US" smtClean="0"/>
               <a:t>‹#›</a:t>
             </a:fld>
@@ -11671,7 +11661,7 @@
     </p:spTree>
     <p:extLst>
       <p:ext uri="{BB962C8B-B14F-4D97-AF65-F5344CB8AC3E}">
-        <p14:creationId xmlns:p14="http://schemas.microsoft.com/office/powerpoint/2010/main" val="2884381239"/>
+        <p14:creationId xmlns:p14="http://schemas.microsoft.com/office/powerpoint/2010/main" val="1212809838"/>
       </p:ext>
     </p:extLst>
   </p:cSld>
@@ -11876,7 +11866,7 @@
           <a:bodyPr/>
           <a:lstStyle/>
           <a:p>
-            <a:fld id="{5BA7D939-328E-4FDC-8520-F2EE74C8E8C4}" type="datetimeFigureOut">
+            <a:fld id="{81638023-F60A-4B21-BA4E-BD9AA67C04CD}" type="datetimeFigureOut">
               <a:rPr lang="en-US" smtClean="0"/>
               <a:t>10/6/2025</a:t>
             </a:fld>
@@ -11930,7 +11920,7 @@
           <a:bodyPr/>
           <a:lstStyle/>
           <a:p>
-            <a:fld id="{63DD1445-FE16-4B3E-957E-1E23368435AF}" type="slidenum">
+            <a:fld id="{79C30FE0-8EFC-4094-A756-3613B74EBB15}" type="slidenum">
               <a:rPr lang="en-US" smtClean="0"/>
               <a:t>‹#›</a:t>
             </a:fld>
@@ -11977,7 +11967,7 @@
     </p:spTree>
     <p:extLst>
       <p:ext uri="{BB962C8B-B14F-4D97-AF65-F5344CB8AC3E}">
-        <p14:creationId xmlns:p14="http://schemas.microsoft.com/office/powerpoint/2010/main" val="2022948706"/>
+        <p14:creationId xmlns:p14="http://schemas.microsoft.com/office/powerpoint/2010/main" val="432268204"/>
       </p:ext>
     </p:extLst>
   </p:cSld>
@@ -12324,7 +12314,7 @@
           <a:bodyPr/>
           <a:lstStyle/>
           <a:p>
-            <a:fld id="{5BA7D939-328E-4FDC-8520-F2EE74C8E8C4}" type="datetimeFigureOut">
+            <a:fld id="{81638023-F60A-4B21-BA4E-BD9AA67C04CD}" type="datetimeFigureOut">
               <a:rPr lang="en-US" smtClean="0"/>
               <a:t>10/6/2025</a:t>
             </a:fld>
@@ -12378,7 +12368,7 @@
           <a:bodyPr/>
           <a:lstStyle/>
           <a:p>
-            <a:fld id="{63DD1445-FE16-4B3E-957E-1E23368435AF}" type="slidenum">
+            <a:fld id="{79C30FE0-8EFC-4094-A756-3613B74EBB15}" type="slidenum">
               <a:rPr lang="en-US" smtClean="0"/>
               <a:t>‹#›</a:t>
             </a:fld>
@@ -12425,7 +12415,7 @@
     </p:spTree>
     <p:extLst>
       <p:ext uri="{BB962C8B-B14F-4D97-AF65-F5344CB8AC3E}">
-        <p14:creationId xmlns:p14="http://schemas.microsoft.com/office/powerpoint/2010/main" val="1373978173"/>
+        <p14:creationId xmlns:p14="http://schemas.microsoft.com/office/powerpoint/2010/main" val="1973795107"/>
       </p:ext>
     </p:extLst>
   </p:cSld>
@@ -12506,7 +12496,7 @@
           <a:bodyPr/>
           <a:lstStyle/>
           <a:p>
-            <a:fld id="{5BA7D939-328E-4FDC-8520-F2EE74C8E8C4}" type="datetimeFigureOut">
+            <a:fld id="{81638023-F60A-4B21-BA4E-BD9AA67C04CD}" type="datetimeFigureOut">
               <a:rPr lang="en-US" smtClean="0"/>
               <a:t>10/6/2025</a:t>
             </a:fld>
@@ -12560,7 +12550,7 @@
           <a:bodyPr/>
           <a:lstStyle/>
           <a:p>
-            <a:fld id="{63DD1445-FE16-4B3E-957E-1E23368435AF}" type="slidenum">
+            <a:fld id="{79C30FE0-8EFC-4094-A756-3613B74EBB15}" type="slidenum">
               <a:rPr lang="en-US" smtClean="0"/>
               <a:t>‹#›</a:t>
             </a:fld>
@@ -12607,7 +12597,7 @@
     </p:spTree>
     <p:extLst>
       <p:ext uri="{BB962C8B-B14F-4D97-AF65-F5344CB8AC3E}">
-        <p14:creationId xmlns:p14="http://schemas.microsoft.com/office/powerpoint/2010/main" val="913683325"/>
+        <p14:creationId xmlns:p14="http://schemas.microsoft.com/office/powerpoint/2010/main" val="1269986399"/>
       </p:ext>
     </p:extLst>
   </p:cSld>
@@ -12655,7 +12645,7 @@
           <a:bodyPr/>
           <a:lstStyle/>
           <a:p>
-            <a:fld id="{5BA7D939-328E-4FDC-8520-F2EE74C8E8C4}" type="datetimeFigureOut">
+            <a:fld id="{81638023-F60A-4B21-BA4E-BD9AA67C04CD}" type="datetimeFigureOut">
               <a:rPr lang="en-US" smtClean="0"/>
               <a:t>10/6/2025</a:t>
             </a:fld>
@@ -12709,7 +12699,7 @@
           <a:bodyPr/>
           <a:lstStyle/>
           <a:p>
-            <a:fld id="{63DD1445-FE16-4B3E-957E-1E23368435AF}" type="slidenum">
+            <a:fld id="{79C30FE0-8EFC-4094-A756-3613B74EBB15}" type="slidenum">
               <a:rPr lang="en-US" smtClean="0"/>
               <a:t>‹#›</a:t>
             </a:fld>
@@ -12756,7 +12746,7 @@
     </p:spTree>
     <p:extLst>
       <p:ext uri="{BB962C8B-B14F-4D97-AF65-F5344CB8AC3E}">
-        <p14:creationId xmlns:p14="http://schemas.microsoft.com/office/powerpoint/2010/main" val="1105512632"/>
+        <p14:creationId xmlns:p14="http://schemas.microsoft.com/office/powerpoint/2010/main" val="3570495877"/>
       </p:ext>
     </p:extLst>
   </p:cSld>
@@ -13003,7 +12993,7 @@
           <a:bodyPr/>
           <a:lstStyle/>
           <a:p>
-            <a:fld id="{5BA7D939-328E-4FDC-8520-F2EE74C8E8C4}" type="datetimeFigureOut">
+            <a:fld id="{81638023-F60A-4B21-BA4E-BD9AA67C04CD}" type="datetimeFigureOut">
               <a:rPr lang="en-US" smtClean="0"/>
               <a:t>10/6/2025</a:t>
             </a:fld>
@@ -13057,7 +13047,7 @@
           <a:bodyPr/>
           <a:lstStyle/>
           <a:p>
-            <a:fld id="{63DD1445-FE16-4B3E-957E-1E23368435AF}" type="slidenum">
+            <a:fld id="{79C30FE0-8EFC-4094-A756-3613B74EBB15}" type="slidenum">
               <a:rPr lang="en-US" smtClean="0"/>
               <a:t>‹#›</a:t>
             </a:fld>
@@ -13104,7 +13094,7 @@
     </p:spTree>
     <p:extLst>
       <p:ext uri="{BB962C8B-B14F-4D97-AF65-F5344CB8AC3E}">
-        <p14:creationId xmlns:p14="http://schemas.microsoft.com/office/powerpoint/2010/main" val="66195929"/>
+        <p14:creationId xmlns:p14="http://schemas.microsoft.com/office/powerpoint/2010/main" val="531299040"/>
       </p:ext>
     </p:extLst>
   </p:cSld>
@@ -13331,7 +13321,7 @@
           <a:bodyPr/>
           <a:lstStyle/>
           <a:p>
-            <a:fld id="{5BA7D939-328E-4FDC-8520-F2EE74C8E8C4}" type="datetimeFigureOut">
+            <a:fld id="{81638023-F60A-4B21-BA4E-BD9AA67C04CD}" type="datetimeFigureOut">
               <a:rPr lang="en-US" smtClean="0"/>
               <a:t>10/6/2025</a:t>
             </a:fld>
@@ -13385,7 +13375,7 @@
           <a:bodyPr/>
           <a:lstStyle/>
           <a:p>
-            <a:fld id="{63DD1445-FE16-4B3E-957E-1E23368435AF}" type="slidenum">
+            <a:fld id="{79C30FE0-8EFC-4094-A756-3613B74EBB15}" type="slidenum">
               <a:rPr lang="en-US" smtClean="0"/>
               <a:t>‹#›</a:t>
             </a:fld>
@@ -13432,7 +13422,7 @@
     </p:spTree>
     <p:extLst>
       <p:ext uri="{BB962C8B-B14F-4D97-AF65-F5344CB8AC3E}">
-        <p14:creationId xmlns:p14="http://schemas.microsoft.com/office/powerpoint/2010/main" val="814440078"/>
+        <p14:creationId xmlns:p14="http://schemas.microsoft.com/office/powerpoint/2010/main" val="3207927331"/>
       </p:ext>
     </p:extLst>
   </p:cSld>
@@ -13609,7 +13599,7 @@
             </a:lvl1pPr>
           </a:lstStyle>
           <a:p>
-            <a:fld id="{5BA7D939-328E-4FDC-8520-F2EE74C8E8C4}" type="datetimeFigureOut">
+            <a:fld id="{81638023-F60A-4B21-BA4E-BD9AA67C04CD}" type="datetimeFigureOut">
               <a:rPr lang="en-US" smtClean="0"/>
               <a:t>10/6/2025</a:t>
             </a:fld>
@@ -13699,7 +13689,7 @@
             </a:lvl1pPr>
           </a:lstStyle>
           <a:p>
-            <a:fld id="{63DD1445-FE16-4B3E-957E-1E23368435AF}" type="slidenum">
+            <a:fld id="{79C30FE0-8EFC-4094-A756-3613B74EBB15}" type="slidenum">
               <a:rPr lang="en-US" smtClean="0"/>
               <a:t>‹#›</a:t>
             </a:fld>
@@ -13710,7 +13700,7 @@
     </p:spTree>
     <p:extLst>
       <p:ext uri="{BB962C8B-B14F-4D97-AF65-F5344CB8AC3E}">
-        <p14:creationId xmlns:p14="http://schemas.microsoft.com/office/powerpoint/2010/main" val="3567085188"/>
+        <p14:creationId xmlns:p14="http://schemas.microsoft.com/office/powerpoint/2010/main" val="871263937"/>
       </p:ext>
     </p:extLst>
   </p:cSld>
@@ -14030,13 +14020,7 @@
       </p:grpSpPr>
       <p:sp>
         <p:nvSpPr>
-          <p:cNvPr id="2" name="Title 1">
-            <a:extLst>
-              <a:ext uri="{FF2B5EF4-FFF2-40B4-BE49-F238E27FC236}">
-                <a16:creationId xmlns:a16="http://schemas.microsoft.com/office/drawing/2014/main" id="{FDB2A1A5-5901-4D11-B662-CE7944B91E2F}"/>
-              </a:ext>
-            </a:extLst>
-          </p:cNvPr>
+          <p:cNvPr id="2" name="Title 1"/>
           <p:cNvSpPr>
             <a:spLocks noGrp="1"/>
           </p:cNvSpPr>
@@ -14044,43 +14028,50 @@
             <p:ph type="ctrTitle"/>
           </p:nvPr>
         </p:nvSpPr>
-        <p:spPr/>
+        <p:spPr>
+          <a:xfrm>
+            <a:off x="324666" y="2158700"/>
+            <a:ext cx="11542644" cy="1640266"/>
+          </a:xfrm>
+        </p:spPr>
         <p:txBody>
-          <a:bodyPr/>
+          <a:bodyPr anchor="ctr">
+            <a:noAutofit/>
+          </a:bodyPr>
           <a:lstStyle/>
           <a:p>
             <a:r>
-              <a:rPr lang="en-US" dirty="0"/>
-              <a:t>Trends in Prevalence of CKD Stages 3–5 in the Military Health System</a:t>
+              <a:rPr lang="en-US" sz="4000" b="1" dirty="0"/>
+              <a:t>Service Members and Their Dependents With eGFR-based CKD Stages 3–5 Who Also have a Diagnosis Code for CKD in the Military Health System </a:t>
             </a:r>
           </a:p>
         </p:txBody>
       </p:sp>
       <p:sp>
         <p:nvSpPr>
-          <p:cNvPr id="3" name="Subtitle 2">
+          <p:cNvPr id="5" name="TextBox 4">
             <a:extLst>
               <a:ext uri="{FF2B5EF4-FFF2-40B4-BE49-F238E27FC236}">
-                <a16:creationId xmlns:a16="http://schemas.microsoft.com/office/drawing/2014/main" id="{7D6C52F4-F03A-4F43-9343-FB6677EEF338}"/>
+                <a16:creationId xmlns:a16="http://schemas.microsoft.com/office/drawing/2014/main" id="{8BCFA14B-AC93-4C17-8646-80240875DD4C}"/>
               </a:ext>
             </a:extLst>
           </p:cNvPr>
-          <p:cNvSpPr>
-            <a:spLocks noGrp="1"/>
-          </p:cNvSpPr>
-          <p:nvPr>
-            <p:ph type="subTitle" idx="1"/>
-          </p:nvPr>
+          <p:cNvSpPr txBox="1"/>
+          <p:nvPr/>
         </p:nvSpPr>
         <p:spPr>
           <a:xfrm>
-            <a:off x="335280" y="3888827"/>
-            <a:ext cx="11521440" cy="2212427"/>
+            <a:off x="324666" y="3879167"/>
+            <a:ext cx="11542644" cy="2308324"/>
           </a:xfrm>
+          <a:prstGeom prst="rect">
+            <a:avLst/>
+          </a:prstGeom>
+          <a:noFill/>
         </p:spPr>
         <p:txBody>
-          <a:bodyPr>
-            <a:normAutofit/>
+          <a:bodyPr wrap="square" rtlCol="0">
+            <a:spAutoFit/>
           </a:bodyPr>
           <a:lstStyle/>
           <a:p>
@@ -14091,15 +14082,15 @@
                 <a:latin typeface="Calibri" panose="020F0502020204030204" pitchFamily="34" charset="0"/>
                 <a:ea typeface="Times New Roman" panose="02020603050405020304" pitchFamily="18" charset="0"/>
               </a:rPr>
-              <a:t>The crude prevalence of Military Health System (MHS) beneficiaries with CKD stages 3–5 (estimated glomerular filtration rate [eGFR] &lt;60 ml/min/1.73</a:t>
+              <a:t>For MHS beneficiaries with CKD stages 3–5 based on eGFR, the </a:t>
             </a:r>
             <a:r>
-              <a:rPr lang="en-US" sz="1800" baseline="30000" dirty="0">
+              <a:rPr lang="en-US" sz="1800" dirty="0">
                 <a:effectLst/>
                 <a:latin typeface="Calibri" panose="020F0502020204030204" pitchFamily="34" charset="0"/>
-                <a:ea typeface="Times New Roman" panose="02020603050405020304" pitchFamily="18" charset="0"/>
+                <a:ea typeface="Malgun Gothic" panose="020B0503020000020004" pitchFamily="34" charset="-127"/>
               </a:rPr>
-              <a:t>2</a:t>
+              <a:t>crude </a:t>
             </a:r>
             <a:r>
               <a:rPr lang="en-US" sz="1800" dirty="0">
@@ -14107,7 +14098,7 @@
                 <a:latin typeface="Calibri" panose="020F0502020204030204" pitchFamily="34" charset="0"/>
                 <a:ea typeface="Times New Roman" panose="02020603050405020304" pitchFamily="18" charset="0"/>
               </a:rPr>
-              <a:t>) ranged from 5.9% to 4.</a:t>
+              <a:t>prevalence of those who also had an ICD-9 diagnosis code for CKD was 25.0%–36.5% in 2009–2015. After conversion to ICD-10 in 2016, the prevalence was around 30.0%–36.0% in 2016–2023. The crude percentage of adults with a diagnosis code was higher in adults aged ≥50 years, those with CKD stages 4−5</a:t>
             </a:r>
             <a:r>
               <a:rPr lang="en-US" sz="1800" dirty="0">
@@ -14115,7 +14106,7 @@
                 <a:latin typeface="Calibri" panose="020F0502020204030204" pitchFamily="34" charset="0"/>
                 <a:ea typeface="Malgun Gothic" panose="020B0503020000020004" pitchFamily="34" charset="-127"/>
               </a:rPr>
-              <a:t>8</a:t>
+              <a:t>, and men</a:t>
             </a:r>
             <a:r>
               <a:rPr lang="en-US" sz="1800" dirty="0">
@@ -14123,7 +14114,7 @@
                 <a:latin typeface="Calibri" panose="020F0502020204030204" pitchFamily="34" charset="0"/>
                 <a:ea typeface="Times New Roman" panose="02020603050405020304" pitchFamily="18" charset="0"/>
               </a:rPr>
-              <a:t>% during 2009–202</a:t>
+              <a:t> compared with the corresponding counterparts. </a:t>
             </a:r>
             <a:r>
               <a:rPr lang="en-US" sz="1800" dirty="0">
@@ -14131,7 +14122,7 @@
                 <a:latin typeface="Calibri" panose="020F0502020204030204" pitchFamily="34" charset="0"/>
                 <a:ea typeface="Malgun Gothic" panose="020B0503020000020004" pitchFamily="34" charset="-127"/>
               </a:rPr>
-              <a:t>3</a:t>
+              <a:t>During 2009</a:t>
             </a:r>
             <a:r>
               <a:rPr lang="en-US" sz="1800" dirty="0">
@@ -14139,7 +14130,7 @@
                 <a:latin typeface="Calibri" panose="020F0502020204030204" pitchFamily="34" charset="0"/>
                 <a:ea typeface="Times New Roman" panose="02020603050405020304" pitchFamily="18" charset="0"/>
               </a:rPr>
-              <a:t>. The age-standardized prevalence decreased from </a:t>
+              <a:t>–</a:t>
             </a:r>
             <a:r>
               <a:rPr lang="en-US" sz="1800" dirty="0">
@@ -14147,7 +14138,7 @@
                 <a:latin typeface="Calibri" panose="020F0502020204030204" pitchFamily="34" charset="0"/>
                 <a:ea typeface="Malgun Gothic" panose="020B0503020000020004" pitchFamily="34" charset="-127"/>
               </a:rPr>
-              <a:t>7.7</a:t>
+              <a:t>2023, no distinct patterns </a:t>
             </a:r>
             <a:r>
               <a:rPr lang="en-US" sz="1800" dirty="0">
@@ -14155,7 +14146,7 @@
                 <a:latin typeface="Calibri" panose="020F0502020204030204" pitchFamily="34" charset="0"/>
                 <a:ea typeface="Times New Roman" panose="02020603050405020304" pitchFamily="18" charset="0"/>
               </a:rPr>
-              <a:t>% to 5.6%. The crude prevalence of CKD stages 3–5 was highest in adults aged ≥70 years and Black adults</a:t>
+              <a:t>were observed </a:t>
             </a:r>
             <a:r>
               <a:rPr lang="en-US" sz="1800" dirty="0">
@@ -14163,7 +14154,7 @@
                 <a:latin typeface="Calibri" panose="020F0502020204030204" pitchFamily="34" charset="0"/>
                 <a:ea typeface="Malgun Gothic" panose="020B0503020000020004" pitchFamily="34" charset="-127"/>
               </a:rPr>
-              <a:t> (among those with known race and ethnicity)</a:t>
+              <a:t>within</a:t>
             </a:r>
             <a:r>
               <a:rPr lang="en-US" sz="1800" dirty="0">
@@ -14171,32 +14162,66 @@
                 <a:latin typeface="Calibri" panose="020F0502020204030204" pitchFamily="34" charset="0"/>
                 <a:ea typeface="Times New Roman" panose="02020603050405020304" pitchFamily="18" charset="0"/>
               </a:rPr>
-              <a:t>. The age-standardized prevalence was highest in Black adults compared with their counterparts. </a:t>
+              <a:t> specific race and ethnicity groups.</a:t>
             </a:r>
-            <a:endParaRPr lang="en-US" dirty="0">
-              <a:latin typeface="Calibri" panose="020F0502020204030204" pitchFamily="34" charset="0"/>
+          </a:p>
+          <a:p>
+            <a:pPr algn="l"/>
+            <a:endParaRPr lang="en-US" b="1" dirty="0">
+              <a:solidFill>
+                <a:srgbClr val="000000"/>
+              </a:solidFill>
+              <a:effectLst/>
+              <a:latin typeface="Open Sans" panose="020B0606030504020204" pitchFamily="34" charset="0"/>
             </a:endParaRPr>
           </a:p>
           <a:p>
             <a:pPr algn="l"/>
             <a:r>
-              <a:rPr lang="en-US" b="1" dirty="0"/>
-              <a:t>Data Source: </a:t>
+              <a:rPr lang="en-US" b="1" dirty="0">
+                <a:solidFill>
+                  <a:srgbClr val="000000"/>
+                </a:solidFill>
+                <a:effectLst/>
+                <a:latin typeface="Open Sans" panose="020B0606030504020204" pitchFamily="34" charset="0"/>
+              </a:rPr>
+              <a:t>Data Source: </a:t>
             </a:r>
             <a:r>
-              <a:rPr lang="en-US" dirty="0"/>
+              <a:rPr lang="en-US" dirty="0">
+                <a:solidFill>
+                  <a:srgbClr val="000000"/>
+                </a:solidFill>
+                <a:latin typeface="Open Sans" panose="020B0606030504020204" pitchFamily="34" charset="0"/>
+              </a:rPr>
               <a:t>DoD-MHS</a:t>
             </a:r>
-            <a:endParaRPr lang="en-US" b="1" dirty="0"/>
+            <a:endParaRPr lang="en-US" b="0" dirty="0">
+              <a:solidFill>
+                <a:srgbClr val="000000"/>
+              </a:solidFill>
+              <a:effectLst/>
+              <a:latin typeface="Open Sans" panose="020B0606030504020204" pitchFamily="34" charset="0"/>
+            </a:endParaRPr>
+          </a:p>
+          <a:p>
+            <a:pPr algn="l"/>
+            <a:endParaRPr lang="en-US" b="0" dirty="0">
+              <a:solidFill>
+                <a:srgbClr val="000000"/>
+              </a:solidFill>
+              <a:effectLst/>
+              <a:latin typeface="Open Sans" panose="020B0606030504020204" pitchFamily="34" charset="0"/>
+            </a:endParaRPr>
           </a:p>
         </p:txBody>
       </p:sp>
       <p:sp>
         <p:nvSpPr>
-          <p:cNvPr id="4" name="TextBox 3">
+          <p:cNvPr id="6" name="TextBox 5">
             <a:extLst>
               <a:ext uri="{FF2B5EF4-FFF2-40B4-BE49-F238E27FC236}">
-                <a16:creationId xmlns:a16="http://schemas.microsoft.com/office/drawing/2014/main" id="{ABB66615-BC02-4DD4-8022-7F24754CAA39}"/>
+                <a16:creationId xmlns:a16="http://schemas.microsoft.com/office/drawing/2014/main" id="{C02692DE-70E6-4DF4-B463-70286F232123}"/>
               </a:ext>
             </a:extLst>
           </p:cNvPr>
@@ -14237,7 +14262,7 @@
     </p:spTree>
     <p:extLst>
       <p:ext uri="{BB962C8B-B14F-4D97-AF65-F5344CB8AC3E}">
-        <p14:creationId xmlns:p14="http://schemas.microsoft.com/office/powerpoint/2010/main" val="323948775"/>
+        <p14:creationId xmlns:p14="http://schemas.microsoft.com/office/powerpoint/2010/main" val="1019068132"/>
       </p:ext>
     </p:extLst>
   </p:cSld>
@@ -14266,10 +14291,10 @@
       </p:grpSpPr>
       <p:sp>
         <p:nvSpPr>
-          <p:cNvPr id="2" name="Title 1">
+          <p:cNvPr id="4" name="Title 1">
             <a:extLst>
               <a:ext uri="{FF2B5EF4-FFF2-40B4-BE49-F238E27FC236}">
-                <a16:creationId xmlns:a16="http://schemas.microsoft.com/office/drawing/2014/main" id="{7F016C50-B4E6-454B-9087-E804E2D112B0}"/>
+                <a16:creationId xmlns:a16="http://schemas.microsoft.com/office/drawing/2014/main" id="{805C12A9-AF8E-4EE1-ADBE-9EA501E3C35F}"/>
               </a:ext>
             </a:extLst>
           </p:cNvPr>
@@ -14288,23 +14313,23 @@
         </p:spPr>
         <p:txBody>
           <a:bodyPr anchor="ctr">
-            <a:normAutofit/>
+            <a:noAutofit/>
           </a:bodyPr>
           <a:lstStyle/>
           <a:p>
             <a:r>
-              <a:rPr lang="en-US" dirty="0"/>
-              <a:t>Trends in Prevalence of CKD Stages 3–5 in the Military Health System, Crude</a:t>
+              <a:rPr lang="en-US" sz="3600" b="1" dirty="0"/>
+              <a:t>Service Members and Their Dependents With eGFR-based CKD Stages 3–5 Who Also have a Diagnosis Code for CKD in the Military Health System, Crude</a:t>
             </a:r>
           </a:p>
         </p:txBody>
       </p:sp>
       <p:graphicFrame>
         <p:nvGraphicFramePr>
-          <p:cNvPr id="7" name="Chart 6">
+          <p:cNvPr id="6" name="Chart 5">
             <a:extLst>
               <a:ext uri="{FF2B5EF4-FFF2-40B4-BE49-F238E27FC236}">
-                <a16:creationId xmlns:a16="http://schemas.microsoft.com/office/drawing/2014/main" id="{4FC3E75F-0767-423E-840B-295016064A45}"/>
+                <a16:creationId xmlns:a16="http://schemas.microsoft.com/office/drawing/2014/main" id="{A3740842-1BDB-47AB-BA52-9F3AB1190A42}"/>
               </a:ext>
             </a:extLst>
           </p:cNvPr>
@@ -14314,7 +14339,7 @@
           <p:nvPr>
             <p:extLst>
               <p:ext uri="{D42A27DB-BD31-4B8C-83A1-F6EECF244321}">
-                <p14:modId xmlns:p14="http://schemas.microsoft.com/office/powerpoint/2010/main" val="3946918982"/>
+                <p14:modId xmlns:p14="http://schemas.microsoft.com/office/powerpoint/2010/main" val="1853850403"/>
               </p:ext>
             </p:extLst>
           </p:nvPr>
@@ -14332,7 +14357,7 @@
     </p:spTree>
     <p:extLst>
       <p:ext uri="{BB962C8B-B14F-4D97-AF65-F5344CB8AC3E}">
-        <p14:creationId xmlns:p14="http://schemas.microsoft.com/office/powerpoint/2010/main" val="3178853898"/>
+        <p14:creationId xmlns:p14="http://schemas.microsoft.com/office/powerpoint/2010/main" val="547595342"/>
       </p:ext>
     </p:extLst>
   </p:cSld>
@@ -14361,10 +14386,10 @@
       </p:grpSpPr>
       <p:sp>
         <p:nvSpPr>
-          <p:cNvPr id="2" name="Title 1">
+          <p:cNvPr id="4" name="Title 1">
             <a:extLst>
               <a:ext uri="{FF2B5EF4-FFF2-40B4-BE49-F238E27FC236}">
-                <a16:creationId xmlns:a16="http://schemas.microsoft.com/office/drawing/2014/main" id="{7F016C50-B4E6-454B-9087-E804E2D112B0}"/>
+                <a16:creationId xmlns:a16="http://schemas.microsoft.com/office/drawing/2014/main" id="{805C12A9-AF8E-4EE1-ADBE-9EA501E3C35F}"/>
               </a:ext>
             </a:extLst>
           </p:cNvPr>
@@ -14383,23 +14408,23 @@
         </p:spPr>
         <p:txBody>
           <a:bodyPr anchor="ctr">
-            <a:normAutofit/>
+            <a:noAutofit/>
           </a:bodyPr>
           <a:lstStyle/>
           <a:p>
             <a:r>
-              <a:rPr lang="en-US" dirty="0"/>
-              <a:t>Trends in Prevalence of CKD Stages 3–5 in the Military Health System, Age Standardized</a:t>
+              <a:rPr lang="en-US" sz="3200" b="1" dirty="0"/>
+              <a:t>Service Members and Their Dependents With eGFR-based CKD Stages 3–5 Who Also have a Diagnosis Code for CKD in the Military Health System, Age Standardized</a:t>
             </a:r>
           </a:p>
         </p:txBody>
       </p:sp>
       <p:graphicFrame>
         <p:nvGraphicFramePr>
-          <p:cNvPr id="7" name="Chart 6">
+          <p:cNvPr id="5" name="Chart 4">
             <a:extLst>
               <a:ext uri="{FF2B5EF4-FFF2-40B4-BE49-F238E27FC236}">
-                <a16:creationId xmlns:a16="http://schemas.microsoft.com/office/drawing/2014/main" id="{38F00509-39FA-4CC4-8AFB-00F057F94135}"/>
+                <a16:creationId xmlns:a16="http://schemas.microsoft.com/office/drawing/2014/main" id="{40EB531B-4D55-4BDF-A760-4556B18D4905}"/>
               </a:ext>
             </a:extLst>
           </p:cNvPr>
@@ -14409,7 +14434,7 @@
           <p:nvPr>
             <p:extLst>
               <p:ext uri="{D42A27DB-BD31-4B8C-83A1-F6EECF244321}">
-                <p14:modId xmlns:p14="http://schemas.microsoft.com/office/powerpoint/2010/main" val="1268856954"/>
+                <p14:modId xmlns:p14="http://schemas.microsoft.com/office/powerpoint/2010/main" val="1801902550"/>
               </p:ext>
             </p:extLst>
           </p:nvPr>
@@ -14427,7 +14452,7 @@
     </p:spTree>
     <p:extLst>
       <p:ext uri="{BB962C8B-B14F-4D97-AF65-F5344CB8AC3E}">
-        <p14:creationId xmlns:p14="http://schemas.microsoft.com/office/powerpoint/2010/main" val="2122233394"/>
+        <p14:creationId xmlns:p14="http://schemas.microsoft.com/office/powerpoint/2010/main" val="3846168844"/>
       </p:ext>
     </p:extLst>
   </p:cSld>
@@ -14456,10 +14481,10 @@
       </p:grpSpPr>
       <p:sp>
         <p:nvSpPr>
-          <p:cNvPr id="2" name="Title 1">
+          <p:cNvPr id="4" name="Title 1">
             <a:extLst>
               <a:ext uri="{FF2B5EF4-FFF2-40B4-BE49-F238E27FC236}">
-                <a16:creationId xmlns:a16="http://schemas.microsoft.com/office/drawing/2014/main" id="{7F016C50-B4E6-454B-9087-E804E2D112B0}"/>
+                <a16:creationId xmlns:a16="http://schemas.microsoft.com/office/drawing/2014/main" id="{805C12A9-AF8E-4EE1-ADBE-9EA501E3C35F}"/>
               </a:ext>
             </a:extLst>
           </p:cNvPr>
@@ -14478,23 +14503,23 @@
         </p:spPr>
         <p:txBody>
           <a:bodyPr anchor="ctr">
-            <a:normAutofit/>
+            <a:noAutofit/>
           </a:bodyPr>
           <a:lstStyle/>
           <a:p>
             <a:r>
-              <a:rPr lang="en-US" dirty="0"/>
-              <a:t>Trends in Prevalence of CKD Stages 3–5 in the Military Health System by Age</a:t>
+              <a:rPr lang="en-US" sz="3600" b="1" dirty="0"/>
+              <a:t>Service Members and Their Dependents With eGFR-based CKD Stages 3–5 Who Also have a Diagnosis Code for CKD in the Military Health System, by Age</a:t>
             </a:r>
           </a:p>
         </p:txBody>
       </p:sp>
       <p:graphicFrame>
         <p:nvGraphicFramePr>
-          <p:cNvPr id="8" name="Chart 7">
+          <p:cNvPr id="5" name="Chart 4">
             <a:extLst>
               <a:ext uri="{FF2B5EF4-FFF2-40B4-BE49-F238E27FC236}">
-                <a16:creationId xmlns:a16="http://schemas.microsoft.com/office/drawing/2014/main" id="{D43D977C-6A16-4F62-BBCD-8C77136611BF}"/>
+                <a16:creationId xmlns:a16="http://schemas.microsoft.com/office/drawing/2014/main" id="{D3421481-F9BB-4224-A2EA-C72FE0FE656B}"/>
               </a:ext>
             </a:extLst>
           </p:cNvPr>
@@ -14504,7 +14529,7 @@
           <p:nvPr>
             <p:extLst>
               <p:ext uri="{D42A27DB-BD31-4B8C-83A1-F6EECF244321}">
-                <p14:modId xmlns:p14="http://schemas.microsoft.com/office/powerpoint/2010/main" val="735932558"/>
+                <p14:modId xmlns:p14="http://schemas.microsoft.com/office/powerpoint/2010/main" val="2012200017"/>
               </p:ext>
             </p:extLst>
           </p:nvPr>
@@ -14522,7 +14547,7 @@
     </p:spTree>
     <p:extLst>
       <p:ext uri="{BB962C8B-B14F-4D97-AF65-F5344CB8AC3E}">
-        <p14:creationId xmlns:p14="http://schemas.microsoft.com/office/powerpoint/2010/main" val="675898939"/>
+        <p14:creationId xmlns:p14="http://schemas.microsoft.com/office/powerpoint/2010/main" val="747202167"/>
       </p:ext>
     </p:extLst>
   </p:cSld>
@@ -14551,10 +14576,10 @@
       </p:grpSpPr>
       <p:sp>
         <p:nvSpPr>
-          <p:cNvPr id="2" name="Title 1">
+          <p:cNvPr id="4" name="Title 1">
             <a:extLst>
               <a:ext uri="{FF2B5EF4-FFF2-40B4-BE49-F238E27FC236}">
-                <a16:creationId xmlns:a16="http://schemas.microsoft.com/office/drawing/2014/main" id="{7F016C50-B4E6-454B-9087-E804E2D112B0}"/>
+                <a16:creationId xmlns:a16="http://schemas.microsoft.com/office/drawing/2014/main" id="{805C12A9-AF8E-4EE1-ADBE-9EA501E3C35F}"/>
               </a:ext>
             </a:extLst>
           </p:cNvPr>
@@ -14573,23 +14598,23 @@
         </p:spPr>
         <p:txBody>
           <a:bodyPr anchor="ctr">
-            <a:normAutofit/>
+            <a:noAutofit/>
           </a:bodyPr>
           <a:lstStyle/>
           <a:p>
             <a:r>
-              <a:rPr lang="en-US"/>
-              <a:t>Trends in Prevalence of CKD Stages 3–5 in the Military Health System by Sex, Crude</a:t>
+              <a:rPr lang="en-US" sz="3600" b="1" dirty="0"/>
+              <a:t>Service Members and Their Dependents With eGFR-based CKD Stages 3–5 Who Also have a Diagnosis Code for CKD in the Military Health System by Sex, Crude</a:t>
             </a:r>
           </a:p>
         </p:txBody>
       </p:sp>
       <p:graphicFrame>
         <p:nvGraphicFramePr>
-          <p:cNvPr id="7" name="Chart 6">
+          <p:cNvPr id="6" name="Chart 5">
             <a:extLst>
               <a:ext uri="{FF2B5EF4-FFF2-40B4-BE49-F238E27FC236}">
-                <a16:creationId xmlns:a16="http://schemas.microsoft.com/office/drawing/2014/main" id="{11B6EB87-F0C1-4004-8F25-CD4C56EB3CCE}"/>
+                <a16:creationId xmlns:a16="http://schemas.microsoft.com/office/drawing/2014/main" id="{1B07D7E7-391A-47EB-828A-9B22DF93A248}"/>
               </a:ext>
             </a:extLst>
           </p:cNvPr>
@@ -14599,7 +14624,7 @@
           <p:nvPr>
             <p:extLst>
               <p:ext uri="{D42A27DB-BD31-4B8C-83A1-F6EECF244321}">
-                <p14:modId xmlns:p14="http://schemas.microsoft.com/office/powerpoint/2010/main" val="402537396"/>
+                <p14:modId xmlns:p14="http://schemas.microsoft.com/office/powerpoint/2010/main" val="1264557441"/>
               </p:ext>
             </p:extLst>
           </p:nvPr>
@@ -14617,7 +14642,7 @@
     </p:spTree>
     <p:extLst>
       <p:ext uri="{BB962C8B-B14F-4D97-AF65-F5344CB8AC3E}">
-        <p14:creationId xmlns:p14="http://schemas.microsoft.com/office/powerpoint/2010/main" val="1013013170"/>
+        <p14:creationId xmlns:p14="http://schemas.microsoft.com/office/powerpoint/2010/main" val="3700748127"/>
       </p:ext>
     </p:extLst>
   </p:cSld>
@@ -14646,10 +14671,10 @@
       </p:grpSpPr>
       <p:sp>
         <p:nvSpPr>
-          <p:cNvPr id="2" name="Title 1">
+          <p:cNvPr id="4" name="Title 1">
             <a:extLst>
               <a:ext uri="{FF2B5EF4-FFF2-40B4-BE49-F238E27FC236}">
-                <a16:creationId xmlns:a16="http://schemas.microsoft.com/office/drawing/2014/main" id="{7F016C50-B4E6-454B-9087-E804E2D112B0}"/>
+                <a16:creationId xmlns:a16="http://schemas.microsoft.com/office/drawing/2014/main" id="{805C12A9-AF8E-4EE1-ADBE-9EA501E3C35F}"/>
               </a:ext>
             </a:extLst>
           </p:cNvPr>
@@ -14663,28 +14688,28 @@
         <p:spPr>
           <a:xfrm>
             <a:off x="838200" y="365125"/>
-            <a:ext cx="10515600" cy="1325563"/>
+            <a:ext cx="11182564" cy="1325563"/>
           </a:xfrm>
         </p:spPr>
         <p:txBody>
           <a:bodyPr anchor="ctr">
-            <a:normAutofit/>
+            <a:noAutofit/>
           </a:bodyPr>
           <a:lstStyle/>
           <a:p>
             <a:r>
-              <a:rPr lang="en-US" sz="4100"/>
-              <a:t>Trends in Prevalence of CKD Stages 3–5 in the Military Health System by Sex, Age standardized</a:t>
+              <a:rPr lang="en-US" sz="3600" b="1" dirty="0"/>
+              <a:t>Service Members and Their Dependents With eGFR-based CKD Stages 3–5 Who Also have a Diagnosis Code for CKD in the Military Health System by Sex, Age Standardized</a:t>
             </a:r>
           </a:p>
         </p:txBody>
       </p:sp>
       <p:graphicFrame>
         <p:nvGraphicFramePr>
-          <p:cNvPr id="4" name="Chart 3">
+          <p:cNvPr id="7" name="Chart 6">
             <a:extLst>
               <a:ext uri="{FF2B5EF4-FFF2-40B4-BE49-F238E27FC236}">
-                <a16:creationId xmlns:a16="http://schemas.microsoft.com/office/drawing/2014/main" id="{BB79CF89-E759-4922-9ECC-ACF5C7CAE9C8}"/>
+                <a16:creationId xmlns:a16="http://schemas.microsoft.com/office/drawing/2014/main" id="{34955569-2562-498E-8B1B-52B5B354BF79}"/>
               </a:ext>
             </a:extLst>
           </p:cNvPr>
@@ -14694,7 +14719,7 @@
           <p:nvPr>
             <p:extLst>
               <p:ext uri="{D42A27DB-BD31-4B8C-83A1-F6EECF244321}">
-                <p14:modId xmlns:p14="http://schemas.microsoft.com/office/powerpoint/2010/main" val="821372754"/>
+                <p14:modId xmlns:p14="http://schemas.microsoft.com/office/powerpoint/2010/main" val="149251939"/>
               </p:ext>
             </p:extLst>
           </p:nvPr>
@@ -14712,7 +14737,7 @@
     </p:spTree>
     <p:extLst>
       <p:ext uri="{BB962C8B-B14F-4D97-AF65-F5344CB8AC3E}">
-        <p14:creationId xmlns:p14="http://schemas.microsoft.com/office/powerpoint/2010/main" val="2863339774"/>
+        <p14:creationId xmlns:p14="http://schemas.microsoft.com/office/powerpoint/2010/main" val="2394827317"/>
       </p:ext>
     </p:extLst>
   </p:cSld>
@@ -14741,10 +14766,10 @@
       </p:grpSpPr>
       <p:sp>
         <p:nvSpPr>
-          <p:cNvPr id="2" name="Title 1">
+          <p:cNvPr id="4" name="Title 1">
             <a:extLst>
               <a:ext uri="{FF2B5EF4-FFF2-40B4-BE49-F238E27FC236}">
-                <a16:creationId xmlns:a16="http://schemas.microsoft.com/office/drawing/2014/main" id="{7F016C50-B4E6-454B-9087-E804E2D112B0}"/>
+                <a16:creationId xmlns:a16="http://schemas.microsoft.com/office/drawing/2014/main" id="{805C12A9-AF8E-4EE1-ADBE-9EA501E3C35F}"/>
               </a:ext>
             </a:extLst>
           </p:cNvPr>
@@ -14758,28 +14783,28 @@
         <p:spPr>
           <a:xfrm>
             <a:off x="838200" y="365125"/>
-            <a:ext cx="10515600" cy="1325563"/>
+            <a:ext cx="11192838" cy="1325563"/>
           </a:xfrm>
         </p:spPr>
         <p:txBody>
           <a:bodyPr anchor="ctr">
-            <a:normAutofit/>
+            <a:noAutofit/>
           </a:bodyPr>
           <a:lstStyle/>
           <a:p>
             <a:r>
-              <a:rPr lang="en-US" sz="4100" dirty="0"/>
-              <a:t>Trends in Prevalence of CKD Stages 3–5 in the Military Health System by Race/Ethnicity, Crude</a:t>
+              <a:rPr lang="en-US" sz="3600" b="1" dirty="0"/>
+              <a:t>Service Members and Their Dependents With eGFR-based CKD Stages 3–5 Who Also have a Diagnosis Code for CKD in the Military Health System by Race/Ethnicity, Crude</a:t>
             </a:r>
           </a:p>
         </p:txBody>
       </p:sp>
       <p:graphicFrame>
         <p:nvGraphicFramePr>
-          <p:cNvPr id="6" name="Chart 5">
+          <p:cNvPr id="8" name="Chart 7">
             <a:extLst>
               <a:ext uri="{FF2B5EF4-FFF2-40B4-BE49-F238E27FC236}">
-                <a16:creationId xmlns:a16="http://schemas.microsoft.com/office/drawing/2014/main" id="{B1D8F915-D845-43B8-A9ED-994BED830F15}"/>
+                <a16:creationId xmlns:a16="http://schemas.microsoft.com/office/drawing/2014/main" id="{BE2762C2-B849-40CC-80E8-B7F7A07025FC}"/>
               </a:ext>
             </a:extLst>
           </p:cNvPr>
@@ -14789,13 +14814,13 @@
           <p:nvPr>
             <p:extLst>
               <p:ext uri="{D42A27DB-BD31-4B8C-83A1-F6EECF244321}">
-                <p14:modId xmlns:p14="http://schemas.microsoft.com/office/powerpoint/2010/main" val="1104006705"/>
+                <p14:modId xmlns:p14="http://schemas.microsoft.com/office/powerpoint/2010/main" val="3408052043"/>
               </p:ext>
             </p:extLst>
           </p:nvPr>
         </p:nvGraphicFramePr>
         <p:xfrm>
-          <a:off x="381000" y="1692937"/>
+          <a:off x="381000" y="1576553"/>
           <a:ext cx="11430000" cy="4572000"/>
         </p:xfrm>
         <a:graphic>
@@ -14807,7 +14832,7 @@
     </p:spTree>
     <p:extLst>
       <p:ext uri="{BB962C8B-B14F-4D97-AF65-F5344CB8AC3E}">
-        <p14:creationId xmlns:p14="http://schemas.microsoft.com/office/powerpoint/2010/main" val="80261331"/>
+        <p14:creationId xmlns:p14="http://schemas.microsoft.com/office/powerpoint/2010/main" val="2796677766"/>
       </p:ext>
     </p:extLst>
   </p:cSld>
@@ -14836,10 +14861,10 @@
       </p:grpSpPr>
       <p:sp>
         <p:nvSpPr>
-          <p:cNvPr id="2" name="Title 1">
+          <p:cNvPr id="4" name="Title 1">
             <a:extLst>
               <a:ext uri="{FF2B5EF4-FFF2-40B4-BE49-F238E27FC236}">
-                <a16:creationId xmlns:a16="http://schemas.microsoft.com/office/drawing/2014/main" id="{7F016C50-B4E6-454B-9087-E804E2D112B0}"/>
+                <a16:creationId xmlns:a16="http://schemas.microsoft.com/office/drawing/2014/main" id="{805C12A9-AF8E-4EE1-ADBE-9EA501E3C35F}"/>
               </a:ext>
             </a:extLst>
           </p:cNvPr>
@@ -14852,29 +14877,34 @@
         </p:nvSpPr>
         <p:spPr>
           <a:xfrm>
-            <a:off x="838200" y="365125"/>
-            <a:ext cx="10515600" cy="1325563"/>
+            <a:off x="381000" y="367374"/>
+            <a:ext cx="11811000" cy="1325563"/>
           </a:xfrm>
         </p:spPr>
         <p:txBody>
           <a:bodyPr anchor="ctr">
-            <a:normAutofit fontScale="90000"/>
+            <a:noAutofit/>
           </a:bodyPr>
           <a:lstStyle/>
           <a:p>
+            <a:pPr>
+              <a:tabLst>
+                <a:tab pos="3544888" algn="l"/>
+              </a:tabLst>
+            </a:pPr>
             <a:r>
-              <a:rPr lang="en-US" sz="4100" dirty="0"/>
-              <a:t>Trends in Prevalence of CKD Stages 3–5 in the Military Health System by Race/Ethnicity, Age Standardized</a:t>
+              <a:rPr lang="en-US" sz="3600" b="1" dirty="0"/>
+              <a:t>Service Members and Their Dependents With eGFR-based CKD Stages 3–5 Who Also have a Diagnosis Code for CKD in the Military Health System by Race/Ethnicity, Age Standardized</a:t>
             </a:r>
           </a:p>
         </p:txBody>
       </p:sp>
       <p:graphicFrame>
         <p:nvGraphicFramePr>
-          <p:cNvPr id="7" name="Chart 6">
+          <p:cNvPr id="6" name="Chart 5">
             <a:extLst>
               <a:ext uri="{FF2B5EF4-FFF2-40B4-BE49-F238E27FC236}">
-                <a16:creationId xmlns:a16="http://schemas.microsoft.com/office/drawing/2014/main" id="{943E5C6D-0846-4D38-BE5A-7285D8D93552}"/>
+                <a16:creationId xmlns:a16="http://schemas.microsoft.com/office/drawing/2014/main" id="{153093BE-C8C3-4CC7-B813-32C6A101014D}"/>
               </a:ext>
             </a:extLst>
           </p:cNvPr>
@@ -14884,13 +14914,13 @@
           <p:nvPr>
             <p:extLst>
               <p:ext uri="{D42A27DB-BD31-4B8C-83A1-F6EECF244321}">
-                <p14:modId xmlns:p14="http://schemas.microsoft.com/office/powerpoint/2010/main" val="2410769846"/>
+                <p14:modId xmlns:p14="http://schemas.microsoft.com/office/powerpoint/2010/main" val="2458755005"/>
               </p:ext>
             </p:extLst>
           </p:nvPr>
         </p:nvGraphicFramePr>
         <p:xfrm>
-          <a:off x="381000" y="1690688"/>
+          <a:off x="381000" y="1692937"/>
           <a:ext cx="11430000" cy="4572000"/>
         </p:xfrm>
         <a:graphic>
@@ -14902,7 +14932,7 @@
     </p:spTree>
     <p:extLst>
       <p:ext uri="{BB962C8B-B14F-4D97-AF65-F5344CB8AC3E}">
-        <p14:creationId xmlns:p14="http://schemas.microsoft.com/office/powerpoint/2010/main" val="2673443158"/>
+        <p14:creationId xmlns:p14="http://schemas.microsoft.com/office/powerpoint/2010/main" val="3650895920"/>
       </p:ext>
     </p:extLst>
   </p:cSld>
